--- a/SegMart/docs/Presentación Sustentación.pptx
+++ b/SegMart/docs/Presentación Sustentación.pptx
@@ -14,7 +14,10 @@
     <p:sldId id="265" r:id="rId8"/>
     <p:sldId id="266" r:id="rId9"/>
     <p:sldId id="261" r:id="rId10"/>
-    <p:sldId id="262" r:id="rId11"/>
+    <p:sldId id="268" r:id="rId11"/>
+    <p:sldId id="262" r:id="rId12"/>
+    <p:sldId id="269" r:id="rId13"/>
+    <p:sldId id="270" r:id="rId14"/>
   </p:sldIdLst>
   <p:sldSz cx="9144000" cy="6858000" type="screen4x3"/>
   <p:notesSz cx="6858000" cy="9144000"/>
@@ -114,6 +117,3135 @@
     </a:lvl9pPr>
   </p:defaultTextStyle>
 </p:presentation>
+</file>
+
+<file path=ppt/diagrams/colors1.xml><?xml version="1.0" encoding="utf-8"?>
+<dgm:colorsDef xmlns:dgm="http://schemas.openxmlformats.org/drawingml/2006/diagram" xmlns:a="http://schemas.openxmlformats.org/drawingml/2006/main" uniqueId="urn:microsoft.com/office/officeart/2005/8/colors/accent3_5">
+  <dgm:title val=""/>
+  <dgm:desc val=""/>
+  <dgm:catLst>
+    <dgm:cat type="accent3" pri="11500"/>
+  </dgm:catLst>
+  <dgm:styleLbl name="node0">
+    <dgm:fillClrLst meth="cycle">
+      <a:schemeClr val="accent3">
+        <a:alpha val="80000"/>
+      </a:schemeClr>
+    </dgm:fillClrLst>
+    <dgm:linClrLst meth="repeat">
+      <a:schemeClr val="lt1"/>
+    </dgm:linClrLst>
+    <dgm:effectClrLst/>
+    <dgm:txLinClrLst/>
+    <dgm:txFillClrLst/>
+    <dgm:txEffectClrLst/>
+  </dgm:styleLbl>
+  <dgm:styleLbl name="node1">
+    <dgm:fillClrLst>
+      <a:schemeClr val="accent3">
+        <a:alpha val="90000"/>
+      </a:schemeClr>
+      <a:schemeClr val="accent3">
+        <a:alpha val="50000"/>
+      </a:schemeClr>
+    </dgm:fillClrLst>
+    <dgm:linClrLst meth="repeat">
+      <a:schemeClr val="lt1"/>
+    </dgm:linClrLst>
+    <dgm:effectClrLst/>
+    <dgm:txLinClrLst/>
+    <dgm:txFillClrLst/>
+    <dgm:txEffectClrLst/>
+  </dgm:styleLbl>
+  <dgm:styleLbl name="alignNode1">
+    <dgm:fillClrLst>
+      <a:schemeClr val="accent3">
+        <a:alpha val="90000"/>
+      </a:schemeClr>
+      <a:schemeClr val="accent3">
+        <a:alpha val="50000"/>
+      </a:schemeClr>
+    </dgm:fillClrLst>
+    <dgm:linClrLst>
+      <a:schemeClr val="accent3">
+        <a:alpha val="90000"/>
+      </a:schemeClr>
+      <a:schemeClr val="accent3">
+        <a:alpha val="50000"/>
+      </a:schemeClr>
+    </dgm:linClrLst>
+    <dgm:effectClrLst/>
+    <dgm:txLinClrLst/>
+    <dgm:txFillClrLst/>
+    <dgm:txEffectClrLst/>
+  </dgm:styleLbl>
+  <dgm:styleLbl name="lnNode1">
+    <dgm:fillClrLst>
+      <a:schemeClr val="accent3">
+        <a:shade val="90000"/>
+      </a:schemeClr>
+      <a:schemeClr val="accent3">
+        <a:alpha val="50000"/>
+        <a:tint val="50000"/>
+      </a:schemeClr>
+    </dgm:fillClrLst>
+    <dgm:linClrLst meth="repeat">
+      <a:schemeClr val="lt1"/>
+    </dgm:linClrLst>
+    <dgm:effectClrLst/>
+    <dgm:txLinClrLst/>
+    <dgm:txFillClrLst/>
+    <dgm:txEffectClrLst/>
+  </dgm:styleLbl>
+  <dgm:styleLbl name="vennNode1">
+    <dgm:fillClrLst>
+      <a:schemeClr val="accent3">
+        <a:shade val="80000"/>
+        <a:alpha val="50000"/>
+      </a:schemeClr>
+      <a:schemeClr val="accent3">
+        <a:alpha val="80000"/>
+      </a:schemeClr>
+    </dgm:fillClrLst>
+    <dgm:linClrLst meth="repeat">
+      <a:schemeClr val="lt1"/>
+    </dgm:linClrLst>
+    <dgm:effectClrLst/>
+    <dgm:txLinClrLst/>
+    <dgm:txFillClrLst/>
+    <dgm:txEffectClrLst/>
+  </dgm:styleLbl>
+  <dgm:styleLbl name="node2">
+    <dgm:fillClrLst>
+      <a:schemeClr val="accent3">
+        <a:alpha val="70000"/>
+      </a:schemeClr>
+    </dgm:fillClrLst>
+    <dgm:linClrLst meth="repeat">
+      <a:schemeClr val="lt1"/>
+    </dgm:linClrLst>
+    <dgm:effectClrLst/>
+    <dgm:txLinClrLst/>
+    <dgm:txFillClrLst/>
+    <dgm:txEffectClrLst/>
+  </dgm:styleLbl>
+  <dgm:styleLbl name="node3">
+    <dgm:fillClrLst>
+      <a:schemeClr val="accent3">
+        <a:alpha val="50000"/>
+      </a:schemeClr>
+    </dgm:fillClrLst>
+    <dgm:linClrLst meth="repeat">
+      <a:schemeClr val="lt1"/>
+    </dgm:linClrLst>
+    <dgm:effectClrLst/>
+    <dgm:txLinClrLst/>
+    <dgm:txFillClrLst/>
+    <dgm:txEffectClrLst/>
+  </dgm:styleLbl>
+  <dgm:styleLbl name="node4">
+    <dgm:fillClrLst>
+      <a:schemeClr val="accent3">
+        <a:alpha val="30000"/>
+      </a:schemeClr>
+    </dgm:fillClrLst>
+    <dgm:linClrLst meth="repeat">
+      <a:schemeClr val="lt1"/>
+    </dgm:linClrLst>
+    <dgm:effectClrLst/>
+    <dgm:txLinClrLst/>
+    <dgm:txFillClrLst/>
+    <dgm:txEffectClrLst/>
+  </dgm:styleLbl>
+  <dgm:styleLbl name="fgImgPlace1">
+    <dgm:fillClrLst>
+      <a:schemeClr val="accent3">
+        <a:tint val="50000"/>
+        <a:alpha val="90000"/>
+      </a:schemeClr>
+      <a:schemeClr val="accent3">
+        <a:tint val="20000"/>
+        <a:alpha val="50000"/>
+      </a:schemeClr>
+    </dgm:fillClrLst>
+    <dgm:linClrLst meth="repeat">
+      <a:schemeClr val="lt1"/>
+    </dgm:linClrLst>
+    <dgm:effectClrLst/>
+    <dgm:txLinClrLst/>
+    <dgm:txFillClrLst meth="repeat">
+      <a:schemeClr val="lt1"/>
+    </dgm:txFillClrLst>
+    <dgm:txEffectClrLst/>
+  </dgm:styleLbl>
+  <dgm:styleLbl name="alignImgPlace1">
+    <dgm:fillClrLst>
+      <a:schemeClr val="accent3">
+        <a:tint val="50000"/>
+      </a:schemeClr>
+      <a:schemeClr val="accent3">
+        <a:tint val="20000"/>
+      </a:schemeClr>
+    </dgm:fillClrLst>
+    <dgm:linClrLst meth="repeat">
+      <a:schemeClr val="lt1"/>
+    </dgm:linClrLst>
+    <dgm:effectClrLst/>
+    <dgm:txLinClrLst/>
+    <dgm:txFillClrLst meth="repeat">
+      <a:schemeClr val="lt1"/>
+    </dgm:txFillClrLst>
+    <dgm:txEffectClrLst/>
+  </dgm:styleLbl>
+  <dgm:styleLbl name="bgImgPlace1">
+    <dgm:fillClrLst>
+      <a:schemeClr val="accent3">
+        <a:tint val="50000"/>
+      </a:schemeClr>
+      <a:schemeClr val="accent3">
+        <a:tint val="20000"/>
+      </a:schemeClr>
+    </dgm:fillClrLst>
+    <dgm:linClrLst meth="repeat">
+      <a:schemeClr val="lt1"/>
+    </dgm:linClrLst>
+    <dgm:effectClrLst/>
+    <dgm:txLinClrLst/>
+    <dgm:txFillClrLst meth="repeat">
+      <a:schemeClr val="lt1"/>
+    </dgm:txFillClrLst>
+    <dgm:txEffectClrLst/>
+  </dgm:styleLbl>
+  <dgm:styleLbl name="sibTrans2D1">
+    <dgm:fillClrLst>
+      <a:schemeClr val="accent3">
+        <a:shade val="90000"/>
+      </a:schemeClr>
+      <a:schemeClr val="accent3">
+        <a:tint val="50000"/>
+      </a:schemeClr>
+    </dgm:fillClrLst>
+    <dgm:linClrLst>
+      <a:schemeClr val="accent3">
+        <a:shade val="90000"/>
+      </a:schemeClr>
+      <a:schemeClr val="accent3">
+        <a:tint val="50000"/>
+      </a:schemeClr>
+    </dgm:linClrLst>
+    <dgm:effectClrLst/>
+    <dgm:txLinClrLst/>
+    <dgm:txFillClrLst/>
+    <dgm:txEffectClrLst/>
+  </dgm:styleLbl>
+  <dgm:styleLbl name="fgSibTrans2D1">
+    <dgm:fillClrLst>
+      <a:schemeClr val="accent3">
+        <a:shade val="90000"/>
+      </a:schemeClr>
+      <a:schemeClr val="accent3">
+        <a:tint val="50000"/>
+      </a:schemeClr>
+    </dgm:fillClrLst>
+    <dgm:linClrLst>
+      <a:schemeClr val="accent3">
+        <a:shade val="90000"/>
+      </a:schemeClr>
+      <a:schemeClr val="accent3">
+        <a:tint val="50000"/>
+      </a:schemeClr>
+    </dgm:linClrLst>
+    <dgm:effectClrLst/>
+    <dgm:txLinClrLst/>
+    <dgm:txFillClrLst/>
+    <dgm:txEffectClrLst/>
+  </dgm:styleLbl>
+  <dgm:styleLbl name="bgSibTrans2D1">
+    <dgm:fillClrLst>
+      <a:schemeClr val="accent3">
+        <a:shade val="90000"/>
+      </a:schemeClr>
+      <a:schemeClr val="accent3">
+        <a:tint val="50000"/>
+      </a:schemeClr>
+    </dgm:fillClrLst>
+    <dgm:linClrLst>
+      <a:schemeClr val="accent3">
+        <a:shade val="90000"/>
+      </a:schemeClr>
+      <a:schemeClr val="accent3">
+        <a:tint val="50000"/>
+      </a:schemeClr>
+    </dgm:linClrLst>
+    <dgm:effectClrLst/>
+    <dgm:txLinClrLst/>
+    <dgm:txFillClrLst/>
+    <dgm:txEffectClrLst/>
+  </dgm:styleLbl>
+  <dgm:styleLbl name="sibTrans1D1">
+    <dgm:fillClrLst>
+      <a:schemeClr val="accent3">
+        <a:shade val="90000"/>
+      </a:schemeClr>
+      <a:schemeClr val="accent3">
+        <a:tint val="50000"/>
+      </a:schemeClr>
+    </dgm:fillClrLst>
+    <dgm:linClrLst>
+      <a:schemeClr val="accent3">
+        <a:shade val="90000"/>
+      </a:schemeClr>
+      <a:schemeClr val="accent3">
+        <a:tint val="50000"/>
+      </a:schemeClr>
+    </dgm:linClrLst>
+    <dgm:effectClrLst/>
+    <dgm:txLinClrLst/>
+    <dgm:txFillClrLst meth="repeat">
+      <a:schemeClr val="tx1"/>
+    </dgm:txFillClrLst>
+    <dgm:txEffectClrLst/>
+  </dgm:styleLbl>
+  <dgm:styleLbl name="callout">
+    <dgm:fillClrLst meth="repeat">
+      <a:schemeClr val="accent3"/>
+    </dgm:fillClrLst>
+    <dgm:linClrLst meth="repeat">
+      <a:schemeClr val="accent3"/>
+    </dgm:linClrLst>
+    <dgm:effectClrLst/>
+    <dgm:txLinClrLst/>
+    <dgm:txFillClrLst meth="repeat">
+      <a:schemeClr val="tx1"/>
+    </dgm:txFillClrLst>
+    <dgm:txEffectClrLst/>
+  </dgm:styleLbl>
+  <dgm:styleLbl name="asst0">
+    <dgm:fillClrLst meth="repeat">
+      <a:schemeClr val="accent3">
+        <a:alpha val="90000"/>
+      </a:schemeClr>
+    </dgm:fillClrLst>
+    <dgm:linClrLst meth="repeat">
+      <a:schemeClr val="lt1"/>
+    </dgm:linClrLst>
+    <dgm:effectClrLst/>
+    <dgm:txLinClrLst/>
+    <dgm:txFillClrLst/>
+    <dgm:txEffectClrLst/>
+  </dgm:styleLbl>
+  <dgm:styleLbl name="asst1">
+    <dgm:fillClrLst meth="repeat">
+      <a:schemeClr val="accent3">
+        <a:alpha val="90000"/>
+      </a:schemeClr>
+    </dgm:fillClrLst>
+    <dgm:linClrLst meth="repeat">
+      <a:schemeClr val="lt1"/>
+    </dgm:linClrLst>
+    <dgm:effectClrLst/>
+    <dgm:txLinClrLst/>
+    <dgm:txFillClrLst/>
+    <dgm:txEffectClrLst/>
+  </dgm:styleLbl>
+  <dgm:styleLbl name="asst2">
+    <dgm:fillClrLst>
+      <a:schemeClr val="accent3">
+        <a:alpha val="90000"/>
+      </a:schemeClr>
+    </dgm:fillClrLst>
+    <dgm:linClrLst meth="repeat">
+      <a:schemeClr val="lt1"/>
+    </dgm:linClrLst>
+    <dgm:effectClrLst/>
+    <dgm:txLinClrLst/>
+    <dgm:txFillClrLst/>
+    <dgm:txEffectClrLst/>
+  </dgm:styleLbl>
+  <dgm:styleLbl name="asst3">
+    <dgm:fillClrLst>
+      <a:schemeClr val="accent3">
+        <a:alpha val="70000"/>
+      </a:schemeClr>
+    </dgm:fillClrLst>
+    <dgm:linClrLst meth="repeat">
+      <a:schemeClr val="lt1"/>
+    </dgm:linClrLst>
+    <dgm:effectClrLst/>
+    <dgm:txLinClrLst/>
+    <dgm:txFillClrLst/>
+    <dgm:txEffectClrLst/>
+  </dgm:styleLbl>
+  <dgm:styleLbl name="asst4">
+    <dgm:fillClrLst>
+      <a:schemeClr val="accent3">
+        <a:alpha val="50000"/>
+      </a:schemeClr>
+    </dgm:fillClrLst>
+    <dgm:linClrLst meth="repeat">
+      <a:schemeClr val="lt1"/>
+    </dgm:linClrLst>
+    <dgm:effectClrLst/>
+    <dgm:txLinClrLst/>
+    <dgm:txFillClrLst/>
+    <dgm:txEffectClrLst/>
+  </dgm:styleLbl>
+  <dgm:styleLbl name="parChTrans2D1">
+    <dgm:fillClrLst meth="repeat">
+      <a:schemeClr val="accent3">
+        <a:shade val="80000"/>
+      </a:schemeClr>
+    </dgm:fillClrLst>
+    <dgm:linClrLst meth="repeat">
+      <a:schemeClr val="accent3">
+        <a:shade val="80000"/>
+      </a:schemeClr>
+    </dgm:linClrLst>
+    <dgm:effectClrLst/>
+    <dgm:txLinClrLst/>
+    <dgm:txFillClrLst/>
+    <dgm:txEffectClrLst/>
+  </dgm:styleLbl>
+  <dgm:styleLbl name="parChTrans2D2">
+    <dgm:fillClrLst meth="repeat">
+      <a:schemeClr val="accent3">
+        <a:tint val="90000"/>
+      </a:schemeClr>
+    </dgm:fillClrLst>
+    <dgm:linClrLst meth="repeat">
+      <a:schemeClr val="accent3">
+        <a:tint val="90000"/>
+      </a:schemeClr>
+    </dgm:linClrLst>
+    <dgm:effectClrLst/>
+    <dgm:txLinClrLst/>
+    <dgm:txFillClrLst/>
+    <dgm:txEffectClrLst/>
+  </dgm:styleLbl>
+  <dgm:styleLbl name="parChTrans2D3">
+    <dgm:fillClrLst meth="repeat">
+      <a:schemeClr val="accent3">
+        <a:tint val="70000"/>
+      </a:schemeClr>
+    </dgm:fillClrLst>
+    <dgm:linClrLst meth="repeat">
+      <a:schemeClr val="accent3">
+        <a:tint val="70000"/>
+      </a:schemeClr>
+    </dgm:linClrLst>
+    <dgm:effectClrLst/>
+    <dgm:txLinClrLst/>
+    <dgm:txFillClrLst/>
+    <dgm:txEffectClrLst/>
+  </dgm:styleLbl>
+  <dgm:styleLbl name="parChTrans2D4">
+    <dgm:fillClrLst meth="repeat">
+      <a:schemeClr val="accent3">
+        <a:tint val="50000"/>
+      </a:schemeClr>
+    </dgm:fillClrLst>
+    <dgm:linClrLst meth="repeat">
+      <a:schemeClr val="accent3">
+        <a:tint val="50000"/>
+      </a:schemeClr>
+    </dgm:linClrLst>
+    <dgm:effectClrLst/>
+    <dgm:txLinClrLst/>
+    <dgm:txFillClrLst meth="repeat">
+      <a:schemeClr val="dk1"/>
+    </dgm:txFillClrLst>
+    <dgm:txEffectClrLst/>
+  </dgm:styleLbl>
+  <dgm:styleLbl name="parChTrans1D1">
+    <dgm:fillClrLst meth="repeat">
+      <a:schemeClr val="accent3">
+        <a:shade val="80000"/>
+      </a:schemeClr>
+    </dgm:fillClrLst>
+    <dgm:linClrLst meth="repeat">
+      <a:schemeClr val="accent3">
+        <a:shade val="80000"/>
+      </a:schemeClr>
+    </dgm:linClrLst>
+    <dgm:effectClrLst/>
+    <dgm:txLinClrLst/>
+    <dgm:txFillClrLst meth="repeat">
+      <a:schemeClr val="tx1"/>
+    </dgm:txFillClrLst>
+    <dgm:txEffectClrLst/>
+  </dgm:styleLbl>
+  <dgm:styleLbl name="parChTrans1D2">
+    <dgm:fillClrLst meth="repeat">
+      <a:schemeClr val="accent3">
+        <a:tint val="90000"/>
+      </a:schemeClr>
+    </dgm:fillClrLst>
+    <dgm:linClrLst meth="repeat">
+      <a:schemeClr val="accent3">
+        <a:tint val="90000"/>
+      </a:schemeClr>
+    </dgm:linClrLst>
+    <dgm:effectClrLst/>
+    <dgm:txLinClrLst/>
+    <dgm:txFillClrLst meth="repeat">
+      <a:schemeClr val="tx1"/>
+    </dgm:txFillClrLst>
+    <dgm:txEffectClrLst/>
+  </dgm:styleLbl>
+  <dgm:styleLbl name="parChTrans1D3">
+    <dgm:fillClrLst meth="repeat">
+      <a:schemeClr val="accent3">
+        <a:tint val="70000"/>
+      </a:schemeClr>
+    </dgm:fillClrLst>
+    <dgm:linClrLst meth="repeat">
+      <a:schemeClr val="accent3">
+        <a:tint val="70000"/>
+      </a:schemeClr>
+    </dgm:linClrLst>
+    <dgm:effectClrLst/>
+    <dgm:txLinClrLst/>
+    <dgm:txFillClrLst meth="repeat">
+      <a:schemeClr val="tx1"/>
+    </dgm:txFillClrLst>
+    <dgm:txEffectClrLst/>
+  </dgm:styleLbl>
+  <dgm:styleLbl name="parChTrans1D4">
+    <dgm:fillClrLst meth="repeat">
+      <a:schemeClr val="accent3">
+        <a:tint val="50000"/>
+      </a:schemeClr>
+    </dgm:fillClrLst>
+    <dgm:linClrLst meth="repeat">
+      <a:schemeClr val="accent3">
+        <a:tint val="50000"/>
+      </a:schemeClr>
+    </dgm:linClrLst>
+    <dgm:effectClrLst/>
+    <dgm:txLinClrLst/>
+    <dgm:txFillClrLst meth="repeat">
+      <a:schemeClr val="tx1"/>
+    </dgm:txFillClrLst>
+    <dgm:txEffectClrLst/>
+  </dgm:styleLbl>
+  <dgm:styleLbl name="fgAcc1">
+    <dgm:fillClrLst meth="repeat">
+      <a:schemeClr val="lt1">
+        <a:alpha val="90000"/>
+      </a:schemeClr>
+    </dgm:fillClrLst>
+    <dgm:linClrLst>
+      <a:schemeClr val="accent3">
+        <a:alpha val="90000"/>
+      </a:schemeClr>
+      <a:schemeClr val="accent3">
+        <a:alpha val="50000"/>
+      </a:schemeClr>
+    </dgm:linClrLst>
+    <dgm:effectClrLst/>
+    <dgm:txLinClrLst/>
+    <dgm:txFillClrLst meth="repeat">
+      <a:schemeClr val="dk1"/>
+    </dgm:txFillClrLst>
+    <dgm:txEffectClrLst/>
+  </dgm:styleLbl>
+  <dgm:styleLbl name="conFgAcc1">
+    <dgm:fillClrLst meth="repeat">
+      <a:schemeClr val="lt1">
+        <a:alpha val="90000"/>
+      </a:schemeClr>
+    </dgm:fillClrLst>
+    <dgm:linClrLst>
+      <a:schemeClr val="accent3">
+        <a:alpha val="90000"/>
+      </a:schemeClr>
+      <a:schemeClr val="accent3">
+        <a:alpha val="50000"/>
+      </a:schemeClr>
+    </dgm:linClrLst>
+    <dgm:effectClrLst/>
+    <dgm:txLinClrLst/>
+    <dgm:txFillClrLst meth="repeat">
+      <a:schemeClr val="dk1"/>
+    </dgm:txFillClrLst>
+    <dgm:txEffectClrLst/>
+  </dgm:styleLbl>
+  <dgm:styleLbl name="alignAcc1">
+    <dgm:fillClrLst meth="repeat">
+      <a:schemeClr val="lt1">
+        <a:alpha val="90000"/>
+      </a:schemeClr>
+    </dgm:fillClrLst>
+    <dgm:linClrLst>
+      <a:schemeClr val="accent3">
+        <a:alpha val="90000"/>
+      </a:schemeClr>
+      <a:schemeClr val="accent3">
+        <a:alpha val="50000"/>
+      </a:schemeClr>
+    </dgm:linClrLst>
+    <dgm:effectClrLst/>
+    <dgm:txLinClrLst/>
+    <dgm:txFillClrLst meth="repeat">
+      <a:schemeClr val="dk1"/>
+    </dgm:txFillClrLst>
+    <dgm:txEffectClrLst/>
+  </dgm:styleLbl>
+  <dgm:styleLbl name="trAlignAcc1">
+    <dgm:fillClrLst meth="repeat">
+      <a:schemeClr val="lt1">
+        <a:alpha val="40000"/>
+      </a:schemeClr>
+    </dgm:fillClrLst>
+    <dgm:linClrLst>
+      <a:schemeClr val="accent3">
+        <a:alpha val="90000"/>
+      </a:schemeClr>
+      <a:schemeClr val="accent3">
+        <a:alpha val="50000"/>
+      </a:schemeClr>
+    </dgm:linClrLst>
+    <dgm:effectClrLst/>
+    <dgm:txLinClrLst/>
+    <dgm:txFillClrLst meth="repeat">
+      <a:schemeClr val="dk1"/>
+    </dgm:txFillClrLst>
+    <dgm:txEffectClrLst/>
+  </dgm:styleLbl>
+  <dgm:styleLbl name="bgAcc1">
+    <dgm:fillClrLst meth="repeat">
+      <a:schemeClr val="lt1">
+        <a:alpha val="90000"/>
+      </a:schemeClr>
+    </dgm:fillClrLst>
+    <dgm:linClrLst>
+      <a:schemeClr val="accent3">
+        <a:alpha val="90000"/>
+      </a:schemeClr>
+      <a:schemeClr val="accent3">
+        <a:alpha val="50000"/>
+      </a:schemeClr>
+    </dgm:linClrLst>
+    <dgm:effectClrLst/>
+    <dgm:txLinClrLst/>
+    <dgm:txFillClrLst meth="repeat">
+      <a:schemeClr val="dk1"/>
+    </dgm:txFillClrLst>
+    <dgm:txEffectClrLst/>
+  </dgm:styleLbl>
+  <dgm:styleLbl name="solidFgAcc1">
+    <dgm:fillClrLst meth="repeat">
+      <a:schemeClr val="lt1"/>
+    </dgm:fillClrLst>
+    <dgm:linClrLst>
+      <a:schemeClr val="accent3">
+        <a:alpha val="90000"/>
+      </a:schemeClr>
+      <a:schemeClr val="accent3">
+        <a:alpha val="50000"/>
+      </a:schemeClr>
+    </dgm:linClrLst>
+    <dgm:effectClrLst/>
+    <dgm:txLinClrLst/>
+    <dgm:txFillClrLst meth="repeat">
+      <a:schemeClr val="dk1"/>
+    </dgm:txFillClrLst>
+    <dgm:txEffectClrLst/>
+  </dgm:styleLbl>
+  <dgm:styleLbl name="solidAlignAcc1">
+    <dgm:fillClrLst meth="repeat">
+      <a:schemeClr val="lt1"/>
+    </dgm:fillClrLst>
+    <dgm:linClrLst meth="repeat">
+      <a:schemeClr val="accent3"/>
+    </dgm:linClrLst>
+    <dgm:effectClrLst/>
+    <dgm:txLinClrLst/>
+    <dgm:txFillClrLst meth="repeat">
+      <a:schemeClr val="dk1"/>
+    </dgm:txFillClrLst>
+    <dgm:txEffectClrLst/>
+  </dgm:styleLbl>
+  <dgm:styleLbl name="solidBgAcc1">
+    <dgm:fillClrLst meth="repeat">
+      <a:schemeClr val="lt1"/>
+    </dgm:fillClrLst>
+    <dgm:linClrLst meth="repeat">
+      <a:schemeClr val="accent3"/>
+    </dgm:linClrLst>
+    <dgm:effectClrLst/>
+    <dgm:txLinClrLst/>
+    <dgm:txFillClrLst meth="repeat">
+      <a:schemeClr val="dk1"/>
+    </dgm:txFillClrLst>
+    <dgm:txEffectClrLst/>
+  </dgm:styleLbl>
+  <dgm:styleLbl name="fgAccFollowNode1">
+    <dgm:fillClrLst>
+      <a:schemeClr val="accent3">
+        <a:alpha val="90000"/>
+        <a:tint val="40000"/>
+      </a:schemeClr>
+      <a:schemeClr val="accent3">
+        <a:alpha val="50000"/>
+        <a:tint val="40000"/>
+      </a:schemeClr>
+    </dgm:fillClrLst>
+    <dgm:linClrLst meth="repeat">
+      <a:schemeClr val="accent3">
+        <a:alpha val="90000"/>
+        <a:tint val="40000"/>
+      </a:schemeClr>
+    </dgm:linClrLst>
+    <dgm:effectClrLst/>
+    <dgm:txLinClrLst/>
+    <dgm:txFillClrLst meth="repeat">
+      <a:schemeClr val="dk1"/>
+    </dgm:txFillClrLst>
+    <dgm:txEffectClrLst/>
+  </dgm:styleLbl>
+  <dgm:styleLbl name="alignAccFollowNode1">
+    <dgm:fillClrLst meth="repeat">
+      <a:schemeClr val="accent3">
+        <a:alpha val="90000"/>
+        <a:tint val="40000"/>
+      </a:schemeClr>
+    </dgm:fillClrLst>
+    <dgm:linClrLst meth="repeat">
+      <a:schemeClr val="accent3">
+        <a:alpha val="90000"/>
+        <a:tint val="40000"/>
+      </a:schemeClr>
+    </dgm:linClrLst>
+    <dgm:effectClrLst/>
+    <dgm:txLinClrLst/>
+    <dgm:txFillClrLst meth="repeat">
+      <a:schemeClr val="dk1"/>
+    </dgm:txFillClrLst>
+    <dgm:txEffectClrLst/>
+  </dgm:styleLbl>
+  <dgm:styleLbl name="bgAccFollowNode1">
+    <dgm:fillClrLst meth="repeat">
+      <a:schemeClr val="accent3">
+        <a:alpha val="90000"/>
+        <a:tint val="40000"/>
+      </a:schemeClr>
+    </dgm:fillClrLst>
+    <dgm:linClrLst meth="repeat">
+      <a:schemeClr val="lt1"/>
+    </dgm:linClrLst>
+    <dgm:effectClrLst/>
+    <dgm:txLinClrLst/>
+    <dgm:txFillClrLst meth="repeat">
+      <a:schemeClr val="dk1"/>
+    </dgm:txFillClrLst>
+    <dgm:txEffectClrLst/>
+  </dgm:styleLbl>
+  <dgm:styleLbl name="fgAcc0">
+    <dgm:fillClrLst meth="repeat">
+      <a:schemeClr val="lt1">
+        <a:alpha val="90000"/>
+      </a:schemeClr>
+    </dgm:fillClrLst>
+    <dgm:linClrLst meth="repeat">
+      <a:schemeClr val="accent3">
+        <a:shade val="80000"/>
+      </a:schemeClr>
+    </dgm:linClrLst>
+    <dgm:effectClrLst/>
+    <dgm:txLinClrLst/>
+    <dgm:txFillClrLst meth="repeat">
+      <a:schemeClr val="dk1"/>
+    </dgm:txFillClrLst>
+    <dgm:txEffectClrLst/>
+  </dgm:styleLbl>
+  <dgm:styleLbl name="fgAcc2">
+    <dgm:fillClrLst meth="repeat">
+      <a:schemeClr val="lt1">
+        <a:alpha val="90000"/>
+      </a:schemeClr>
+    </dgm:fillClrLst>
+    <dgm:linClrLst meth="repeat">
+      <a:schemeClr val="accent3">
+        <a:tint val="90000"/>
+      </a:schemeClr>
+    </dgm:linClrLst>
+    <dgm:effectClrLst/>
+    <dgm:txLinClrLst/>
+    <dgm:txFillClrLst meth="repeat">
+      <a:schemeClr val="dk1"/>
+    </dgm:txFillClrLst>
+    <dgm:txEffectClrLst/>
+  </dgm:styleLbl>
+  <dgm:styleLbl name="fgAcc3">
+    <dgm:fillClrLst meth="repeat">
+      <a:schemeClr val="lt1">
+        <a:alpha val="90000"/>
+      </a:schemeClr>
+    </dgm:fillClrLst>
+    <dgm:linClrLst meth="repeat">
+      <a:schemeClr val="accent3">
+        <a:tint val="70000"/>
+      </a:schemeClr>
+    </dgm:linClrLst>
+    <dgm:effectClrLst/>
+    <dgm:txLinClrLst/>
+    <dgm:txFillClrLst meth="repeat">
+      <a:schemeClr val="dk1"/>
+    </dgm:txFillClrLst>
+    <dgm:txEffectClrLst/>
+  </dgm:styleLbl>
+  <dgm:styleLbl name="fgAcc4">
+    <dgm:fillClrLst meth="repeat">
+      <a:schemeClr val="lt1">
+        <a:alpha val="90000"/>
+      </a:schemeClr>
+    </dgm:fillClrLst>
+    <dgm:linClrLst meth="repeat">
+      <a:schemeClr val="accent3">
+        <a:tint val="50000"/>
+      </a:schemeClr>
+    </dgm:linClrLst>
+    <dgm:effectClrLst/>
+    <dgm:txLinClrLst/>
+    <dgm:txFillClrLst meth="repeat">
+      <a:schemeClr val="dk1"/>
+    </dgm:txFillClrLst>
+    <dgm:txEffectClrLst/>
+  </dgm:styleLbl>
+  <dgm:styleLbl name="bgShp">
+    <dgm:fillClrLst meth="repeat">
+      <a:schemeClr val="accent3">
+        <a:tint val="40000"/>
+      </a:schemeClr>
+    </dgm:fillClrLst>
+    <dgm:linClrLst meth="repeat">
+      <a:schemeClr val="dk1"/>
+    </dgm:linClrLst>
+    <dgm:effectClrLst/>
+    <dgm:txLinClrLst/>
+    <dgm:txFillClrLst meth="repeat">
+      <a:schemeClr val="dk1"/>
+    </dgm:txFillClrLst>
+    <dgm:txEffectClrLst/>
+  </dgm:styleLbl>
+  <dgm:styleLbl name="dkBgShp">
+    <dgm:fillClrLst meth="repeat">
+      <a:schemeClr val="accent3">
+        <a:shade val="90000"/>
+      </a:schemeClr>
+    </dgm:fillClrLst>
+    <dgm:linClrLst meth="repeat">
+      <a:schemeClr val="dk1"/>
+    </dgm:linClrLst>
+    <dgm:effectClrLst/>
+    <dgm:txLinClrLst/>
+    <dgm:txFillClrLst meth="repeat">
+      <a:schemeClr val="lt1"/>
+    </dgm:txFillClrLst>
+    <dgm:txEffectClrLst/>
+  </dgm:styleLbl>
+  <dgm:styleLbl name="trBgShp">
+    <dgm:fillClrLst meth="repeat">
+      <a:schemeClr val="accent3">
+        <a:tint val="50000"/>
+        <a:alpha val="40000"/>
+      </a:schemeClr>
+    </dgm:fillClrLst>
+    <dgm:linClrLst meth="repeat">
+      <a:schemeClr val="accent3"/>
+    </dgm:linClrLst>
+    <dgm:effectClrLst/>
+    <dgm:txLinClrLst/>
+    <dgm:txFillClrLst meth="repeat">
+      <a:schemeClr val="lt1"/>
+    </dgm:txFillClrLst>
+    <dgm:txEffectClrLst/>
+  </dgm:styleLbl>
+  <dgm:styleLbl name="fgShp">
+    <dgm:fillClrLst meth="repeat">
+      <a:schemeClr val="accent3">
+        <a:tint val="40000"/>
+      </a:schemeClr>
+    </dgm:fillClrLst>
+    <dgm:linClrLst meth="repeat">
+      <a:schemeClr val="lt1"/>
+    </dgm:linClrLst>
+    <dgm:effectClrLst/>
+    <dgm:txLinClrLst/>
+    <dgm:txFillClrLst meth="repeat">
+      <a:schemeClr val="dk1"/>
+    </dgm:txFillClrLst>
+    <dgm:txEffectClrLst/>
+  </dgm:styleLbl>
+  <dgm:styleLbl name="revTx">
+    <dgm:fillClrLst meth="repeat">
+      <a:schemeClr val="lt1">
+        <a:alpha val="0"/>
+      </a:schemeClr>
+    </dgm:fillClrLst>
+    <dgm:linClrLst meth="repeat">
+      <a:schemeClr val="dk1">
+        <a:alpha val="0"/>
+      </a:schemeClr>
+    </dgm:linClrLst>
+    <dgm:effectClrLst/>
+    <dgm:txLinClrLst/>
+    <dgm:txFillClrLst meth="repeat">
+      <a:schemeClr val="tx1"/>
+    </dgm:txFillClrLst>
+    <dgm:txEffectClrLst/>
+  </dgm:styleLbl>
+</dgm:colorsDef>
+</file>
+
+<file path=ppt/diagrams/data1.xml><?xml version="1.0" encoding="utf-8"?>
+<dgm:dataModel xmlns:dgm="http://schemas.openxmlformats.org/drawingml/2006/diagram" xmlns:a="http://schemas.openxmlformats.org/drawingml/2006/main">
+  <dgm:ptLst>
+    <dgm:pt modelId="{A39A3A9E-893E-4012-B7A3-EBEB8500C373}" type="doc">
+      <dgm:prSet loTypeId="urn:microsoft.com/office/officeart/2005/8/layout/cycle6" loCatId="cycle" qsTypeId="urn:microsoft.com/office/officeart/2005/8/quickstyle/simple1" qsCatId="simple" csTypeId="urn:microsoft.com/office/officeart/2005/8/colors/accent3_5" csCatId="accent3" phldr="1"/>
+      <dgm:spPr/>
+      <dgm:t>
+        <a:bodyPr/>
+        <a:lstStyle/>
+        <a:p>
+          <a:endParaRPr lang="es-CO"/>
+        </a:p>
+      </dgm:t>
+    </dgm:pt>
+    <dgm:pt modelId="{EED00126-77BB-4585-9FD2-EB83F27B341F}">
+      <dgm:prSet phldrT="[Text]"/>
+      <dgm:spPr/>
+      <dgm:t>
+        <a:bodyPr/>
+        <a:lstStyle/>
+        <a:p>
+          <a:r>
+            <a:rPr lang="en-US" dirty="0" smtClean="0"/>
+            <a:t>R&amp;D</a:t>
+          </a:r>
+          <a:endParaRPr lang="es-CO" dirty="0"/>
+        </a:p>
+      </dgm:t>
+    </dgm:pt>
+    <dgm:pt modelId="{CBE0D919-6E3E-43CF-B314-17167C63FE4A}" type="parTrans" cxnId="{04D91F2C-CC22-4BD7-8DC5-2FBC9F106A5F}">
+      <dgm:prSet/>
+      <dgm:spPr/>
+      <dgm:t>
+        <a:bodyPr/>
+        <a:lstStyle/>
+        <a:p>
+          <a:endParaRPr lang="es-CO"/>
+        </a:p>
+      </dgm:t>
+    </dgm:pt>
+    <dgm:pt modelId="{846A4C92-E348-48A4-833D-F5CCEDECF8D2}" type="sibTrans" cxnId="{04D91F2C-CC22-4BD7-8DC5-2FBC9F106A5F}">
+      <dgm:prSet/>
+      <dgm:spPr/>
+      <dgm:t>
+        <a:bodyPr/>
+        <a:lstStyle/>
+        <a:p>
+          <a:endParaRPr lang="es-CO"/>
+        </a:p>
+      </dgm:t>
+    </dgm:pt>
+    <dgm:pt modelId="{FC46E0E7-3DFD-4E34-B306-8AD6374950E6}">
+      <dgm:prSet phldrT="[Text]"/>
+      <dgm:spPr/>
+      <dgm:t>
+        <a:bodyPr/>
+        <a:lstStyle/>
+        <a:p>
+          <a:r>
+            <a:rPr lang="en-US" dirty="0" smtClean="0"/>
+            <a:t>Marketing</a:t>
+          </a:r>
+          <a:endParaRPr lang="es-CO" dirty="0"/>
+        </a:p>
+      </dgm:t>
+    </dgm:pt>
+    <dgm:pt modelId="{68D971ED-6FBA-46B0-8503-7C44C60D169D}" type="parTrans" cxnId="{4A3468FD-4581-4C92-88B3-B0F9AC8C4782}">
+      <dgm:prSet/>
+      <dgm:spPr/>
+      <dgm:t>
+        <a:bodyPr/>
+        <a:lstStyle/>
+        <a:p>
+          <a:endParaRPr lang="es-CO"/>
+        </a:p>
+      </dgm:t>
+    </dgm:pt>
+    <dgm:pt modelId="{C733F71B-8F5F-4C08-A6BB-0AC2945F4ACA}" type="sibTrans" cxnId="{4A3468FD-4581-4C92-88B3-B0F9AC8C4782}">
+      <dgm:prSet/>
+      <dgm:spPr/>
+      <dgm:t>
+        <a:bodyPr/>
+        <a:lstStyle/>
+        <a:p>
+          <a:endParaRPr lang="es-CO"/>
+        </a:p>
+      </dgm:t>
+    </dgm:pt>
+    <dgm:pt modelId="{082ABE53-CFB9-4BE2-93B1-F9376C8B630F}">
+      <dgm:prSet phldrT="[Text]"/>
+      <dgm:spPr/>
+      <dgm:t>
+        <a:bodyPr/>
+        <a:lstStyle/>
+        <a:p>
+          <a:r>
+            <a:rPr lang="en-US" dirty="0" err="1" smtClean="0"/>
+            <a:t>Producción</a:t>
+          </a:r>
+          <a:endParaRPr lang="es-CO" dirty="0"/>
+        </a:p>
+      </dgm:t>
+    </dgm:pt>
+    <dgm:pt modelId="{9F4F4621-1F61-4DD7-A702-D82981B81705}" type="parTrans" cxnId="{059D33EF-DD16-4A10-A6DD-80B0ADB55B1B}">
+      <dgm:prSet/>
+      <dgm:spPr/>
+      <dgm:t>
+        <a:bodyPr/>
+        <a:lstStyle/>
+        <a:p>
+          <a:endParaRPr lang="es-CO"/>
+        </a:p>
+      </dgm:t>
+    </dgm:pt>
+    <dgm:pt modelId="{4A11DB4A-BBAA-48B8-9DDC-C61DD541EF1F}" type="sibTrans" cxnId="{059D33EF-DD16-4A10-A6DD-80B0ADB55B1B}">
+      <dgm:prSet/>
+      <dgm:spPr/>
+      <dgm:t>
+        <a:bodyPr/>
+        <a:lstStyle/>
+        <a:p>
+          <a:endParaRPr lang="es-CO"/>
+        </a:p>
+      </dgm:t>
+    </dgm:pt>
+    <dgm:pt modelId="{248CA08D-4A1A-4F21-85F8-BA9519BA3604}">
+      <dgm:prSet phldrT="[Text]"/>
+      <dgm:spPr/>
+      <dgm:t>
+        <a:bodyPr/>
+        <a:lstStyle/>
+        <a:p>
+          <a:r>
+            <a:rPr lang="en-US" dirty="0" err="1" smtClean="0"/>
+            <a:t>Finanzas</a:t>
+          </a:r>
+          <a:endParaRPr lang="es-CO" dirty="0"/>
+        </a:p>
+      </dgm:t>
+    </dgm:pt>
+    <dgm:pt modelId="{E0B8D3BA-1F4F-482B-BB6B-B9B70012B76C}" type="parTrans" cxnId="{86B141C4-50B3-4669-B222-6CB41CA0886C}">
+      <dgm:prSet/>
+      <dgm:spPr/>
+      <dgm:t>
+        <a:bodyPr/>
+        <a:lstStyle/>
+        <a:p>
+          <a:endParaRPr lang="es-CO"/>
+        </a:p>
+      </dgm:t>
+    </dgm:pt>
+    <dgm:pt modelId="{8E91ADD4-1ADD-44D8-A100-B2525A67AA17}" type="sibTrans" cxnId="{86B141C4-50B3-4669-B222-6CB41CA0886C}">
+      <dgm:prSet/>
+      <dgm:spPr/>
+      <dgm:t>
+        <a:bodyPr/>
+        <a:lstStyle/>
+        <a:p>
+          <a:endParaRPr lang="es-CO"/>
+        </a:p>
+      </dgm:t>
+    </dgm:pt>
+    <dgm:pt modelId="{6CE32D7D-152B-4D14-B7CC-D82DBDD926A3}">
+      <dgm:prSet phldrT="[Text]"/>
+      <dgm:spPr/>
+      <dgm:t>
+        <a:bodyPr/>
+        <a:lstStyle/>
+        <a:p>
+          <a:r>
+            <a:rPr lang="en-US" dirty="0" err="1" smtClean="0"/>
+            <a:t>Publicidad</a:t>
+          </a:r>
+          <a:endParaRPr lang="es-CO" dirty="0"/>
+        </a:p>
+      </dgm:t>
+    </dgm:pt>
+    <dgm:pt modelId="{EBE01EC2-B447-4FB6-B09B-5789984246ED}" type="parTrans" cxnId="{B2AD407A-93E6-401B-B490-C3DA6D5FA4F7}">
+      <dgm:prSet/>
+      <dgm:spPr/>
+      <dgm:t>
+        <a:bodyPr/>
+        <a:lstStyle/>
+        <a:p>
+          <a:endParaRPr lang="es-CO"/>
+        </a:p>
+      </dgm:t>
+    </dgm:pt>
+    <dgm:pt modelId="{1CB8521A-2088-496F-93E7-F5AF4BEDD111}" type="sibTrans" cxnId="{B2AD407A-93E6-401B-B490-C3DA6D5FA4F7}">
+      <dgm:prSet/>
+      <dgm:spPr/>
+      <dgm:t>
+        <a:bodyPr/>
+        <a:lstStyle/>
+        <a:p>
+          <a:endParaRPr lang="es-CO"/>
+        </a:p>
+      </dgm:t>
+    </dgm:pt>
+    <dgm:pt modelId="{C89CD0F2-1938-4B20-B563-C1BA696329B6}" type="pres">
+      <dgm:prSet presAssocID="{A39A3A9E-893E-4012-B7A3-EBEB8500C373}" presName="cycle" presStyleCnt="0">
+        <dgm:presLayoutVars>
+          <dgm:dir/>
+          <dgm:resizeHandles val="exact"/>
+        </dgm:presLayoutVars>
+      </dgm:prSet>
+      <dgm:spPr/>
+    </dgm:pt>
+    <dgm:pt modelId="{DD13513B-3536-45F0-B0A4-914AA4A656D4}" type="pres">
+      <dgm:prSet presAssocID="{EED00126-77BB-4585-9FD2-EB83F27B341F}" presName="node" presStyleLbl="node1" presStyleIdx="0" presStyleCnt="5">
+        <dgm:presLayoutVars>
+          <dgm:bulletEnabled val="1"/>
+        </dgm:presLayoutVars>
+      </dgm:prSet>
+      <dgm:spPr/>
+    </dgm:pt>
+    <dgm:pt modelId="{078F3354-A7B1-4D50-A8A7-9903B347F554}" type="pres">
+      <dgm:prSet presAssocID="{EED00126-77BB-4585-9FD2-EB83F27B341F}" presName="spNode" presStyleCnt="0"/>
+      <dgm:spPr/>
+    </dgm:pt>
+    <dgm:pt modelId="{F3470A69-59C7-45F9-AF7F-C598BCDF4A09}" type="pres">
+      <dgm:prSet presAssocID="{846A4C92-E348-48A4-833D-F5CCEDECF8D2}" presName="sibTrans" presStyleLbl="sibTrans1D1" presStyleIdx="0" presStyleCnt="5"/>
+      <dgm:spPr/>
+    </dgm:pt>
+    <dgm:pt modelId="{F30DEF32-5BC4-4151-BBB5-6364AC999D78}" type="pres">
+      <dgm:prSet presAssocID="{FC46E0E7-3DFD-4E34-B306-8AD6374950E6}" presName="node" presStyleLbl="node1" presStyleIdx="1" presStyleCnt="5">
+        <dgm:presLayoutVars>
+          <dgm:bulletEnabled val="1"/>
+        </dgm:presLayoutVars>
+      </dgm:prSet>
+      <dgm:spPr/>
+    </dgm:pt>
+    <dgm:pt modelId="{B2E2F0F9-9586-427A-A279-1FDCDE7CC46B}" type="pres">
+      <dgm:prSet presAssocID="{FC46E0E7-3DFD-4E34-B306-8AD6374950E6}" presName="spNode" presStyleCnt="0"/>
+      <dgm:spPr/>
+    </dgm:pt>
+    <dgm:pt modelId="{3632EED8-E190-437E-8BE6-B9C703C89F37}" type="pres">
+      <dgm:prSet presAssocID="{C733F71B-8F5F-4C08-A6BB-0AC2945F4ACA}" presName="sibTrans" presStyleLbl="sibTrans1D1" presStyleIdx="1" presStyleCnt="5"/>
+      <dgm:spPr/>
+    </dgm:pt>
+    <dgm:pt modelId="{CA68DC71-1826-4425-ADA4-AE47429DBBF2}" type="pres">
+      <dgm:prSet presAssocID="{082ABE53-CFB9-4BE2-93B1-F9376C8B630F}" presName="node" presStyleLbl="node1" presStyleIdx="2" presStyleCnt="5">
+        <dgm:presLayoutVars>
+          <dgm:bulletEnabled val="1"/>
+        </dgm:presLayoutVars>
+      </dgm:prSet>
+      <dgm:spPr/>
+      <dgm:t>
+        <a:bodyPr/>
+        <a:lstStyle/>
+        <a:p>
+          <a:endParaRPr lang="es-CO"/>
+        </a:p>
+      </dgm:t>
+    </dgm:pt>
+    <dgm:pt modelId="{94C596BC-E6C7-46D5-981F-9A8900E5857D}" type="pres">
+      <dgm:prSet presAssocID="{082ABE53-CFB9-4BE2-93B1-F9376C8B630F}" presName="spNode" presStyleCnt="0"/>
+      <dgm:spPr/>
+    </dgm:pt>
+    <dgm:pt modelId="{760C922A-66FE-4DA0-9CD1-E9A9AF38D38C}" type="pres">
+      <dgm:prSet presAssocID="{4A11DB4A-BBAA-48B8-9DDC-C61DD541EF1F}" presName="sibTrans" presStyleLbl="sibTrans1D1" presStyleIdx="2" presStyleCnt="5"/>
+      <dgm:spPr/>
+    </dgm:pt>
+    <dgm:pt modelId="{F2E56863-5E0A-4C20-9818-5FA9D405C4EA}" type="pres">
+      <dgm:prSet presAssocID="{248CA08D-4A1A-4F21-85F8-BA9519BA3604}" presName="node" presStyleLbl="node1" presStyleIdx="3" presStyleCnt="5">
+        <dgm:presLayoutVars>
+          <dgm:bulletEnabled val="1"/>
+        </dgm:presLayoutVars>
+      </dgm:prSet>
+      <dgm:spPr/>
+    </dgm:pt>
+    <dgm:pt modelId="{98A65F20-7185-4A0B-A8CF-6BE2B56E5D38}" type="pres">
+      <dgm:prSet presAssocID="{248CA08D-4A1A-4F21-85F8-BA9519BA3604}" presName="spNode" presStyleCnt="0"/>
+      <dgm:spPr/>
+    </dgm:pt>
+    <dgm:pt modelId="{4EE3685B-9BE2-4582-A9E9-DDC0C9DE2D70}" type="pres">
+      <dgm:prSet presAssocID="{8E91ADD4-1ADD-44D8-A100-B2525A67AA17}" presName="sibTrans" presStyleLbl="sibTrans1D1" presStyleIdx="3" presStyleCnt="5"/>
+      <dgm:spPr/>
+    </dgm:pt>
+    <dgm:pt modelId="{90820B62-13E0-4D4F-9C19-2AEC2FE7DD7E}" type="pres">
+      <dgm:prSet presAssocID="{6CE32D7D-152B-4D14-B7CC-D82DBDD926A3}" presName="node" presStyleLbl="node1" presStyleIdx="4" presStyleCnt="5">
+        <dgm:presLayoutVars>
+          <dgm:bulletEnabled val="1"/>
+        </dgm:presLayoutVars>
+      </dgm:prSet>
+      <dgm:spPr/>
+    </dgm:pt>
+    <dgm:pt modelId="{6E4D1CE4-3875-4F1B-923C-B96C9DD82C25}" type="pres">
+      <dgm:prSet presAssocID="{6CE32D7D-152B-4D14-B7CC-D82DBDD926A3}" presName="spNode" presStyleCnt="0"/>
+      <dgm:spPr/>
+    </dgm:pt>
+    <dgm:pt modelId="{4099A425-77CC-4549-AEA0-3D536B58BDCE}" type="pres">
+      <dgm:prSet presAssocID="{1CB8521A-2088-496F-93E7-F5AF4BEDD111}" presName="sibTrans" presStyleLbl="sibTrans1D1" presStyleIdx="4" presStyleCnt="5"/>
+      <dgm:spPr/>
+    </dgm:pt>
+  </dgm:ptLst>
+  <dgm:cxnLst>
+    <dgm:cxn modelId="{04D91F2C-CC22-4BD7-8DC5-2FBC9F106A5F}" srcId="{A39A3A9E-893E-4012-B7A3-EBEB8500C373}" destId="{EED00126-77BB-4585-9FD2-EB83F27B341F}" srcOrd="0" destOrd="0" parTransId="{CBE0D919-6E3E-43CF-B314-17167C63FE4A}" sibTransId="{846A4C92-E348-48A4-833D-F5CCEDECF8D2}"/>
+    <dgm:cxn modelId="{86B141C4-50B3-4669-B222-6CB41CA0886C}" srcId="{A39A3A9E-893E-4012-B7A3-EBEB8500C373}" destId="{248CA08D-4A1A-4F21-85F8-BA9519BA3604}" srcOrd="3" destOrd="0" parTransId="{E0B8D3BA-1F4F-482B-BB6B-B9B70012B76C}" sibTransId="{8E91ADD4-1ADD-44D8-A100-B2525A67AA17}"/>
+    <dgm:cxn modelId="{C03639BE-18C9-478A-B632-352F8DCCBDC2}" type="presOf" srcId="{C733F71B-8F5F-4C08-A6BB-0AC2945F4ACA}" destId="{3632EED8-E190-437E-8BE6-B9C703C89F37}" srcOrd="0" destOrd="0" presId="urn:microsoft.com/office/officeart/2005/8/layout/cycle6"/>
+    <dgm:cxn modelId="{4A3468FD-4581-4C92-88B3-B0F9AC8C4782}" srcId="{A39A3A9E-893E-4012-B7A3-EBEB8500C373}" destId="{FC46E0E7-3DFD-4E34-B306-8AD6374950E6}" srcOrd="1" destOrd="0" parTransId="{68D971ED-6FBA-46B0-8503-7C44C60D169D}" sibTransId="{C733F71B-8F5F-4C08-A6BB-0AC2945F4ACA}"/>
+    <dgm:cxn modelId="{BE15A86F-6DFB-49D7-B925-CF984768ADDC}" type="presOf" srcId="{A39A3A9E-893E-4012-B7A3-EBEB8500C373}" destId="{C89CD0F2-1938-4B20-B563-C1BA696329B6}" srcOrd="0" destOrd="0" presId="urn:microsoft.com/office/officeart/2005/8/layout/cycle6"/>
+    <dgm:cxn modelId="{5CA8274C-5C56-47B7-86FA-3BBE2476050E}" type="presOf" srcId="{4A11DB4A-BBAA-48B8-9DDC-C61DD541EF1F}" destId="{760C922A-66FE-4DA0-9CD1-E9A9AF38D38C}" srcOrd="0" destOrd="0" presId="urn:microsoft.com/office/officeart/2005/8/layout/cycle6"/>
+    <dgm:cxn modelId="{0D51ECBB-8FD9-4433-A334-09AE7570BFFD}" type="presOf" srcId="{FC46E0E7-3DFD-4E34-B306-8AD6374950E6}" destId="{F30DEF32-5BC4-4151-BBB5-6364AC999D78}" srcOrd="0" destOrd="0" presId="urn:microsoft.com/office/officeart/2005/8/layout/cycle6"/>
+    <dgm:cxn modelId="{B459770B-6E40-45CB-9AB8-807B831C8C16}" type="presOf" srcId="{EED00126-77BB-4585-9FD2-EB83F27B341F}" destId="{DD13513B-3536-45F0-B0A4-914AA4A656D4}" srcOrd="0" destOrd="0" presId="urn:microsoft.com/office/officeart/2005/8/layout/cycle6"/>
+    <dgm:cxn modelId="{C5D07812-34E0-45E6-9E7C-1CEFC7A3F2A4}" type="presOf" srcId="{248CA08D-4A1A-4F21-85F8-BA9519BA3604}" destId="{F2E56863-5E0A-4C20-9818-5FA9D405C4EA}" srcOrd="0" destOrd="0" presId="urn:microsoft.com/office/officeart/2005/8/layout/cycle6"/>
+    <dgm:cxn modelId="{080135EC-E167-4A2A-9BC1-9F73639387EC}" type="presOf" srcId="{1CB8521A-2088-496F-93E7-F5AF4BEDD111}" destId="{4099A425-77CC-4549-AEA0-3D536B58BDCE}" srcOrd="0" destOrd="0" presId="urn:microsoft.com/office/officeart/2005/8/layout/cycle6"/>
+    <dgm:cxn modelId="{BA9BA2EA-5EE4-4D86-B0F7-21CF029EAD71}" type="presOf" srcId="{082ABE53-CFB9-4BE2-93B1-F9376C8B630F}" destId="{CA68DC71-1826-4425-ADA4-AE47429DBBF2}" srcOrd="0" destOrd="0" presId="urn:microsoft.com/office/officeart/2005/8/layout/cycle6"/>
+    <dgm:cxn modelId="{CBF1BBA3-5586-490E-AF57-0E17B68B524F}" type="presOf" srcId="{6CE32D7D-152B-4D14-B7CC-D82DBDD926A3}" destId="{90820B62-13E0-4D4F-9C19-2AEC2FE7DD7E}" srcOrd="0" destOrd="0" presId="urn:microsoft.com/office/officeart/2005/8/layout/cycle6"/>
+    <dgm:cxn modelId="{42473324-5D62-46A2-8ED6-A2F0A2B1E00F}" type="presOf" srcId="{8E91ADD4-1ADD-44D8-A100-B2525A67AA17}" destId="{4EE3685B-9BE2-4582-A9E9-DDC0C9DE2D70}" srcOrd="0" destOrd="0" presId="urn:microsoft.com/office/officeart/2005/8/layout/cycle6"/>
+    <dgm:cxn modelId="{B2AD407A-93E6-401B-B490-C3DA6D5FA4F7}" srcId="{A39A3A9E-893E-4012-B7A3-EBEB8500C373}" destId="{6CE32D7D-152B-4D14-B7CC-D82DBDD926A3}" srcOrd="4" destOrd="0" parTransId="{EBE01EC2-B447-4FB6-B09B-5789984246ED}" sibTransId="{1CB8521A-2088-496F-93E7-F5AF4BEDD111}"/>
+    <dgm:cxn modelId="{059D33EF-DD16-4A10-A6DD-80B0ADB55B1B}" srcId="{A39A3A9E-893E-4012-B7A3-EBEB8500C373}" destId="{082ABE53-CFB9-4BE2-93B1-F9376C8B630F}" srcOrd="2" destOrd="0" parTransId="{9F4F4621-1F61-4DD7-A702-D82981B81705}" sibTransId="{4A11DB4A-BBAA-48B8-9DDC-C61DD541EF1F}"/>
+    <dgm:cxn modelId="{A266CD07-8C8B-4A97-893D-470A99809878}" type="presOf" srcId="{846A4C92-E348-48A4-833D-F5CCEDECF8D2}" destId="{F3470A69-59C7-45F9-AF7F-C598BCDF4A09}" srcOrd="0" destOrd="0" presId="urn:microsoft.com/office/officeart/2005/8/layout/cycle6"/>
+    <dgm:cxn modelId="{C50DE1E5-D2B4-458E-BE3E-286F5AE2AA14}" type="presParOf" srcId="{C89CD0F2-1938-4B20-B563-C1BA696329B6}" destId="{DD13513B-3536-45F0-B0A4-914AA4A656D4}" srcOrd="0" destOrd="0" presId="urn:microsoft.com/office/officeart/2005/8/layout/cycle6"/>
+    <dgm:cxn modelId="{AF9EDD40-4562-4C33-9559-F6F948378433}" type="presParOf" srcId="{C89CD0F2-1938-4B20-B563-C1BA696329B6}" destId="{078F3354-A7B1-4D50-A8A7-9903B347F554}" srcOrd="1" destOrd="0" presId="urn:microsoft.com/office/officeart/2005/8/layout/cycle6"/>
+    <dgm:cxn modelId="{309FB42D-EF71-437D-B708-24C5BD54B9EC}" type="presParOf" srcId="{C89CD0F2-1938-4B20-B563-C1BA696329B6}" destId="{F3470A69-59C7-45F9-AF7F-C598BCDF4A09}" srcOrd="2" destOrd="0" presId="urn:microsoft.com/office/officeart/2005/8/layout/cycle6"/>
+    <dgm:cxn modelId="{80F973DF-0040-4EB8-B36C-FB37E8587A1B}" type="presParOf" srcId="{C89CD0F2-1938-4B20-B563-C1BA696329B6}" destId="{F30DEF32-5BC4-4151-BBB5-6364AC999D78}" srcOrd="3" destOrd="0" presId="urn:microsoft.com/office/officeart/2005/8/layout/cycle6"/>
+    <dgm:cxn modelId="{D7DDF062-5F1A-48CA-8B62-28EE744BAD7B}" type="presParOf" srcId="{C89CD0F2-1938-4B20-B563-C1BA696329B6}" destId="{B2E2F0F9-9586-427A-A279-1FDCDE7CC46B}" srcOrd="4" destOrd="0" presId="urn:microsoft.com/office/officeart/2005/8/layout/cycle6"/>
+    <dgm:cxn modelId="{66BA352F-9B60-4971-B895-27041E922A50}" type="presParOf" srcId="{C89CD0F2-1938-4B20-B563-C1BA696329B6}" destId="{3632EED8-E190-437E-8BE6-B9C703C89F37}" srcOrd="5" destOrd="0" presId="urn:microsoft.com/office/officeart/2005/8/layout/cycle6"/>
+    <dgm:cxn modelId="{EB56EFFC-2EE1-4614-A711-31A1592E3C52}" type="presParOf" srcId="{C89CD0F2-1938-4B20-B563-C1BA696329B6}" destId="{CA68DC71-1826-4425-ADA4-AE47429DBBF2}" srcOrd="6" destOrd="0" presId="urn:microsoft.com/office/officeart/2005/8/layout/cycle6"/>
+    <dgm:cxn modelId="{938F17A6-9659-4CDC-9511-F19BB06A29D1}" type="presParOf" srcId="{C89CD0F2-1938-4B20-B563-C1BA696329B6}" destId="{94C596BC-E6C7-46D5-981F-9A8900E5857D}" srcOrd="7" destOrd="0" presId="urn:microsoft.com/office/officeart/2005/8/layout/cycle6"/>
+    <dgm:cxn modelId="{977198EF-508A-409E-9B1F-3535B613F3E3}" type="presParOf" srcId="{C89CD0F2-1938-4B20-B563-C1BA696329B6}" destId="{760C922A-66FE-4DA0-9CD1-E9A9AF38D38C}" srcOrd="8" destOrd="0" presId="urn:microsoft.com/office/officeart/2005/8/layout/cycle6"/>
+    <dgm:cxn modelId="{EE731D2C-F312-4CC4-959C-29CF8D6FA5E4}" type="presParOf" srcId="{C89CD0F2-1938-4B20-B563-C1BA696329B6}" destId="{F2E56863-5E0A-4C20-9818-5FA9D405C4EA}" srcOrd="9" destOrd="0" presId="urn:microsoft.com/office/officeart/2005/8/layout/cycle6"/>
+    <dgm:cxn modelId="{EBB1241E-7594-40ED-92BF-63E8F27C11F6}" type="presParOf" srcId="{C89CD0F2-1938-4B20-B563-C1BA696329B6}" destId="{98A65F20-7185-4A0B-A8CF-6BE2B56E5D38}" srcOrd="10" destOrd="0" presId="urn:microsoft.com/office/officeart/2005/8/layout/cycle6"/>
+    <dgm:cxn modelId="{8E53CC4F-EC18-49E9-A88F-5F0BF589C5F4}" type="presParOf" srcId="{C89CD0F2-1938-4B20-B563-C1BA696329B6}" destId="{4EE3685B-9BE2-4582-A9E9-DDC0C9DE2D70}" srcOrd="11" destOrd="0" presId="urn:microsoft.com/office/officeart/2005/8/layout/cycle6"/>
+    <dgm:cxn modelId="{8C91B6A1-0F83-4A23-86E4-088B951A0B3E}" type="presParOf" srcId="{C89CD0F2-1938-4B20-B563-C1BA696329B6}" destId="{90820B62-13E0-4D4F-9C19-2AEC2FE7DD7E}" srcOrd="12" destOrd="0" presId="urn:microsoft.com/office/officeart/2005/8/layout/cycle6"/>
+    <dgm:cxn modelId="{AD658B47-037D-4D5E-8D4D-D8241D99B69D}" type="presParOf" srcId="{C89CD0F2-1938-4B20-B563-C1BA696329B6}" destId="{6E4D1CE4-3875-4F1B-923C-B96C9DD82C25}" srcOrd="13" destOrd="0" presId="urn:microsoft.com/office/officeart/2005/8/layout/cycle6"/>
+    <dgm:cxn modelId="{84D88CBC-0F0D-4A08-90C4-D7BDADEEF286}" type="presParOf" srcId="{C89CD0F2-1938-4B20-B563-C1BA696329B6}" destId="{4099A425-77CC-4549-AEA0-3D536B58BDCE}" srcOrd="14" destOrd="0" presId="urn:microsoft.com/office/officeart/2005/8/layout/cycle6"/>
+  </dgm:cxnLst>
+  <dgm:bg/>
+  <dgm:whole/>
+  <dgm:extLst>
+    <a:ext uri="http://schemas.microsoft.com/office/drawing/2008/diagram">
+      <dsp:dataModelExt xmlns:dsp="http://schemas.microsoft.com/office/drawing/2008/diagram" relId="rId6" minVer="http://schemas.openxmlformats.org/drawingml/2006/diagram"/>
+    </a:ext>
+  </dgm:extLst>
+</dgm:dataModel>
+</file>
+
+<file path=ppt/diagrams/drawing1.xml><?xml version="1.0" encoding="utf-8"?>
+<dsp:drawing xmlns:dgm="http://schemas.openxmlformats.org/drawingml/2006/diagram" xmlns:dsp="http://schemas.microsoft.com/office/drawing/2008/diagram" xmlns:a="http://schemas.openxmlformats.org/drawingml/2006/main">
+  <dsp:spTree>
+    <dsp:nvGrpSpPr>
+      <dsp:cNvPr id="0" name=""/>
+      <dsp:cNvGrpSpPr/>
+    </dsp:nvGrpSpPr>
+    <dsp:grpSpPr/>
+    <dsp:sp modelId="{DD13513B-3536-45F0-B0A4-914AA4A656D4}">
+      <dsp:nvSpPr>
+        <dsp:cNvPr id="0" name=""/>
+        <dsp:cNvSpPr/>
+      </dsp:nvSpPr>
+      <dsp:spPr>
+        <a:xfrm>
+          <a:off x="2733280" y="828"/>
+          <a:ext cx="1302191" cy="846424"/>
+        </a:xfrm>
+        <a:prstGeom prst="roundRect">
+          <a:avLst/>
+        </a:prstGeom>
+        <a:solidFill>
+          <a:schemeClr val="accent3">
+            <a:alpha val="90000"/>
+            <a:hueOff val="0"/>
+            <a:satOff val="0"/>
+            <a:lumOff val="0"/>
+            <a:alphaOff val="0"/>
+          </a:schemeClr>
+        </a:solidFill>
+        <a:ln w="13970" cap="flat" cmpd="sng" algn="ctr">
+          <a:solidFill>
+            <a:schemeClr val="lt1">
+              <a:hueOff val="0"/>
+              <a:satOff val="0"/>
+              <a:lumOff val="0"/>
+              <a:alphaOff val="0"/>
+            </a:schemeClr>
+          </a:solidFill>
+          <a:prstDash val="solid"/>
+        </a:ln>
+        <a:effectLst/>
+      </dsp:spPr>
+      <dsp:style>
+        <a:lnRef idx="2">
+          <a:scrgbClr r="0" g="0" b="0"/>
+        </a:lnRef>
+        <a:fillRef idx="1">
+          <a:scrgbClr r="0" g="0" b="0"/>
+        </a:fillRef>
+        <a:effectRef idx="0">
+          <a:scrgbClr r="0" g="0" b="0"/>
+        </a:effectRef>
+        <a:fontRef idx="minor">
+          <a:schemeClr val="lt1"/>
+        </a:fontRef>
+      </dsp:style>
+      <dsp:txBody>
+        <a:bodyPr spcFirstLastPara="0" vert="horz" wrap="square" lIns="68580" tIns="68580" rIns="68580" bIns="68580" numCol="1" spcCol="1270" anchor="ctr" anchorCtr="0">
+          <a:noAutofit/>
+        </a:bodyPr>
+        <a:lstStyle/>
+        <a:p>
+          <a:pPr lvl="0" algn="ctr" defTabSz="800100">
+            <a:lnSpc>
+              <a:spcPct val="90000"/>
+            </a:lnSpc>
+            <a:spcBef>
+              <a:spcPct val="0"/>
+            </a:spcBef>
+            <a:spcAft>
+              <a:spcPct val="35000"/>
+            </a:spcAft>
+          </a:pPr>
+          <a:r>
+            <a:rPr lang="en-US" sz="1800" kern="1200" dirty="0" smtClean="0"/>
+            <a:t>R&amp;D</a:t>
+          </a:r>
+          <a:endParaRPr lang="es-CO" sz="1800" kern="1200" dirty="0"/>
+        </a:p>
+      </dsp:txBody>
+      <dsp:txXfrm>
+        <a:off x="2774599" y="42147"/>
+        <a:ext cx="1219553" cy="763786"/>
+      </dsp:txXfrm>
+    </dsp:sp>
+    <dsp:sp modelId="{F3470A69-59C7-45F9-AF7F-C598BCDF4A09}">
+      <dsp:nvSpPr>
+        <dsp:cNvPr id="0" name=""/>
+        <dsp:cNvSpPr/>
+      </dsp:nvSpPr>
+      <dsp:spPr>
+        <a:xfrm>
+          <a:off x="1694722" y="424040"/>
+          <a:ext cx="3379307" cy="3379307"/>
+        </a:xfrm>
+        <a:custGeom>
+          <a:avLst/>
+          <a:gdLst/>
+          <a:ahLst/>
+          <a:cxnLst/>
+          <a:rect l="0" t="0" r="0" b="0"/>
+          <a:pathLst>
+            <a:path>
+              <a:moveTo>
+                <a:pt x="2349677" y="134244"/>
+              </a:moveTo>
+              <a:arcTo wR="1689653" hR="1689653" stAng="17579609" swAng="1959451"/>
+            </a:path>
+          </a:pathLst>
+        </a:custGeom>
+        <a:noFill/>
+        <a:ln w="9525" cap="flat" cmpd="sng" algn="ctr">
+          <a:solidFill>
+            <a:schemeClr val="accent3">
+              <a:shade val="90000"/>
+              <a:hueOff val="0"/>
+              <a:satOff val="0"/>
+              <a:lumOff val="0"/>
+              <a:alphaOff val="0"/>
+            </a:schemeClr>
+          </a:solidFill>
+          <a:prstDash val="solid"/>
+        </a:ln>
+        <a:effectLst/>
+      </dsp:spPr>
+      <dsp:style>
+        <a:lnRef idx="1">
+          <a:scrgbClr r="0" g="0" b="0"/>
+        </a:lnRef>
+        <a:fillRef idx="0">
+          <a:scrgbClr r="0" g="0" b="0"/>
+        </a:fillRef>
+        <a:effectRef idx="0">
+          <a:scrgbClr r="0" g="0" b="0"/>
+        </a:effectRef>
+        <a:fontRef idx="minor"/>
+      </dsp:style>
+    </dsp:sp>
+    <dsp:sp modelId="{F30DEF32-5BC4-4151-BBB5-6364AC999D78}">
+      <dsp:nvSpPr>
+        <dsp:cNvPr id="0" name=""/>
+        <dsp:cNvSpPr/>
+      </dsp:nvSpPr>
+      <dsp:spPr>
+        <a:xfrm>
+          <a:off x="4340236" y="1168350"/>
+          <a:ext cx="1302191" cy="846424"/>
+        </a:xfrm>
+        <a:prstGeom prst="roundRect">
+          <a:avLst/>
+        </a:prstGeom>
+        <a:solidFill>
+          <a:schemeClr val="accent3">
+            <a:alpha val="90000"/>
+            <a:hueOff val="0"/>
+            <a:satOff val="0"/>
+            <a:lumOff val="0"/>
+            <a:alphaOff val="-10000"/>
+          </a:schemeClr>
+        </a:solidFill>
+        <a:ln w="13970" cap="flat" cmpd="sng" algn="ctr">
+          <a:solidFill>
+            <a:schemeClr val="lt1">
+              <a:hueOff val="0"/>
+              <a:satOff val="0"/>
+              <a:lumOff val="0"/>
+              <a:alphaOff val="0"/>
+            </a:schemeClr>
+          </a:solidFill>
+          <a:prstDash val="solid"/>
+        </a:ln>
+        <a:effectLst/>
+      </dsp:spPr>
+      <dsp:style>
+        <a:lnRef idx="2">
+          <a:scrgbClr r="0" g="0" b="0"/>
+        </a:lnRef>
+        <a:fillRef idx="1">
+          <a:scrgbClr r="0" g="0" b="0"/>
+        </a:fillRef>
+        <a:effectRef idx="0">
+          <a:scrgbClr r="0" g="0" b="0"/>
+        </a:effectRef>
+        <a:fontRef idx="minor">
+          <a:schemeClr val="lt1"/>
+        </a:fontRef>
+      </dsp:style>
+      <dsp:txBody>
+        <a:bodyPr spcFirstLastPara="0" vert="horz" wrap="square" lIns="68580" tIns="68580" rIns="68580" bIns="68580" numCol="1" spcCol="1270" anchor="ctr" anchorCtr="0">
+          <a:noAutofit/>
+        </a:bodyPr>
+        <a:lstStyle/>
+        <a:p>
+          <a:pPr lvl="0" algn="ctr" defTabSz="800100">
+            <a:lnSpc>
+              <a:spcPct val="90000"/>
+            </a:lnSpc>
+            <a:spcBef>
+              <a:spcPct val="0"/>
+            </a:spcBef>
+            <a:spcAft>
+              <a:spcPct val="35000"/>
+            </a:spcAft>
+          </a:pPr>
+          <a:r>
+            <a:rPr lang="en-US" sz="1800" kern="1200" dirty="0" smtClean="0"/>
+            <a:t>Marketing</a:t>
+          </a:r>
+          <a:endParaRPr lang="es-CO" sz="1800" kern="1200" dirty="0"/>
+        </a:p>
+      </dsp:txBody>
+      <dsp:txXfrm>
+        <a:off x="4381555" y="1209669"/>
+        <a:ext cx="1219553" cy="763786"/>
+      </dsp:txXfrm>
+    </dsp:sp>
+    <dsp:sp modelId="{3632EED8-E190-437E-8BE6-B9C703C89F37}">
+      <dsp:nvSpPr>
+        <dsp:cNvPr id="0" name=""/>
+        <dsp:cNvSpPr/>
+      </dsp:nvSpPr>
+      <dsp:spPr>
+        <a:xfrm>
+          <a:off x="1694722" y="424040"/>
+          <a:ext cx="3379307" cy="3379307"/>
+        </a:xfrm>
+        <a:custGeom>
+          <a:avLst/>
+          <a:gdLst/>
+          <a:ahLst/>
+          <a:cxnLst/>
+          <a:rect l="0" t="0" r="0" b="0"/>
+          <a:pathLst>
+            <a:path>
+              <a:moveTo>
+                <a:pt x="3377007" y="1601527"/>
+              </a:moveTo>
+              <a:arcTo wR="1689653" hR="1689653" stAng="21420618" swAng="2194699"/>
+            </a:path>
+          </a:pathLst>
+        </a:custGeom>
+        <a:noFill/>
+        <a:ln w="9525" cap="flat" cmpd="sng" algn="ctr">
+          <a:solidFill>
+            <a:schemeClr val="accent3">
+              <a:shade val="90000"/>
+              <a:hueOff val="-73327"/>
+              <a:satOff val="-6710"/>
+              <a:lumOff val="11443"/>
+              <a:alphaOff val="0"/>
+            </a:schemeClr>
+          </a:solidFill>
+          <a:prstDash val="solid"/>
+        </a:ln>
+        <a:effectLst/>
+      </dsp:spPr>
+      <dsp:style>
+        <a:lnRef idx="1">
+          <a:scrgbClr r="0" g="0" b="0"/>
+        </a:lnRef>
+        <a:fillRef idx="0">
+          <a:scrgbClr r="0" g="0" b="0"/>
+        </a:fillRef>
+        <a:effectRef idx="0">
+          <a:scrgbClr r="0" g="0" b="0"/>
+        </a:effectRef>
+        <a:fontRef idx="minor"/>
+      </dsp:style>
+    </dsp:sp>
+    <dsp:sp modelId="{CA68DC71-1826-4425-ADA4-AE47429DBBF2}">
+      <dsp:nvSpPr>
+        <dsp:cNvPr id="0" name=""/>
+        <dsp:cNvSpPr/>
+      </dsp:nvSpPr>
+      <dsp:spPr>
+        <a:xfrm>
+          <a:off x="3726433" y="3057440"/>
+          <a:ext cx="1302191" cy="846424"/>
+        </a:xfrm>
+        <a:prstGeom prst="roundRect">
+          <a:avLst/>
+        </a:prstGeom>
+        <a:solidFill>
+          <a:schemeClr val="accent3">
+            <a:alpha val="90000"/>
+            <a:hueOff val="0"/>
+            <a:satOff val="0"/>
+            <a:lumOff val="0"/>
+            <a:alphaOff val="-20000"/>
+          </a:schemeClr>
+        </a:solidFill>
+        <a:ln w="13970" cap="flat" cmpd="sng" algn="ctr">
+          <a:solidFill>
+            <a:schemeClr val="lt1">
+              <a:hueOff val="0"/>
+              <a:satOff val="0"/>
+              <a:lumOff val="0"/>
+              <a:alphaOff val="0"/>
+            </a:schemeClr>
+          </a:solidFill>
+          <a:prstDash val="solid"/>
+        </a:ln>
+        <a:effectLst/>
+      </dsp:spPr>
+      <dsp:style>
+        <a:lnRef idx="2">
+          <a:scrgbClr r="0" g="0" b="0"/>
+        </a:lnRef>
+        <a:fillRef idx="1">
+          <a:scrgbClr r="0" g="0" b="0"/>
+        </a:fillRef>
+        <a:effectRef idx="0">
+          <a:scrgbClr r="0" g="0" b="0"/>
+        </a:effectRef>
+        <a:fontRef idx="minor">
+          <a:schemeClr val="lt1"/>
+        </a:fontRef>
+      </dsp:style>
+      <dsp:txBody>
+        <a:bodyPr spcFirstLastPara="0" vert="horz" wrap="square" lIns="68580" tIns="68580" rIns="68580" bIns="68580" numCol="1" spcCol="1270" anchor="ctr" anchorCtr="0">
+          <a:noAutofit/>
+        </a:bodyPr>
+        <a:lstStyle/>
+        <a:p>
+          <a:pPr lvl="0" algn="ctr" defTabSz="800100">
+            <a:lnSpc>
+              <a:spcPct val="90000"/>
+            </a:lnSpc>
+            <a:spcBef>
+              <a:spcPct val="0"/>
+            </a:spcBef>
+            <a:spcAft>
+              <a:spcPct val="35000"/>
+            </a:spcAft>
+          </a:pPr>
+          <a:r>
+            <a:rPr lang="en-US" sz="1800" kern="1200" dirty="0" err="1" smtClean="0"/>
+            <a:t>Producción</a:t>
+          </a:r>
+          <a:endParaRPr lang="es-CO" sz="1800" kern="1200" dirty="0"/>
+        </a:p>
+      </dsp:txBody>
+      <dsp:txXfrm>
+        <a:off x="3767752" y="3098759"/>
+        <a:ext cx="1219553" cy="763786"/>
+      </dsp:txXfrm>
+    </dsp:sp>
+    <dsp:sp modelId="{760C922A-66FE-4DA0-9CD1-E9A9AF38D38C}">
+      <dsp:nvSpPr>
+        <dsp:cNvPr id="0" name=""/>
+        <dsp:cNvSpPr/>
+      </dsp:nvSpPr>
+      <dsp:spPr>
+        <a:xfrm>
+          <a:off x="1694722" y="424040"/>
+          <a:ext cx="3379307" cy="3379307"/>
+        </a:xfrm>
+        <a:custGeom>
+          <a:avLst/>
+          <a:gdLst/>
+          <a:ahLst/>
+          <a:cxnLst/>
+          <a:rect l="0" t="0" r="0" b="0"/>
+          <a:pathLst>
+            <a:path>
+              <a:moveTo>
+                <a:pt x="2025009" y="3345693"/>
+              </a:moveTo>
+              <a:arcTo wR="1689653" hR="1689653" stAng="4713129" swAng="1373742"/>
+            </a:path>
+          </a:pathLst>
+        </a:custGeom>
+        <a:noFill/>
+        <a:ln w="9525" cap="flat" cmpd="sng" algn="ctr">
+          <a:solidFill>
+            <a:schemeClr val="accent3">
+              <a:shade val="90000"/>
+              <a:hueOff val="-146653"/>
+              <a:satOff val="-13421"/>
+              <a:lumOff val="22886"/>
+              <a:alphaOff val="0"/>
+            </a:schemeClr>
+          </a:solidFill>
+          <a:prstDash val="solid"/>
+        </a:ln>
+        <a:effectLst/>
+      </dsp:spPr>
+      <dsp:style>
+        <a:lnRef idx="1">
+          <a:scrgbClr r="0" g="0" b="0"/>
+        </a:lnRef>
+        <a:fillRef idx="0">
+          <a:scrgbClr r="0" g="0" b="0"/>
+        </a:fillRef>
+        <a:effectRef idx="0">
+          <a:scrgbClr r="0" g="0" b="0"/>
+        </a:effectRef>
+        <a:fontRef idx="minor"/>
+      </dsp:style>
+    </dsp:sp>
+    <dsp:sp modelId="{F2E56863-5E0A-4C20-9818-5FA9D405C4EA}">
+      <dsp:nvSpPr>
+        <dsp:cNvPr id="0" name=""/>
+        <dsp:cNvSpPr/>
+      </dsp:nvSpPr>
+      <dsp:spPr>
+        <a:xfrm>
+          <a:off x="1740126" y="3057440"/>
+          <a:ext cx="1302191" cy="846424"/>
+        </a:xfrm>
+        <a:prstGeom prst="roundRect">
+          <a:avLst/>
+        </a:prstGeom>
+        <a:solidFill>
+          <a:schemeClr val="accent3">
+            <a:alpha val="90000"/>
+            <a:hueOff val="0"/>
+            <a:satOff val="0"/>
+            <a:lumOff val="0"/>
+            <a:alphaOff val="-30000"/>
+          </a:schemeClr>
+        </a:solidFill>
+        <a:ln w="13970" cap="flat" cmpd="sng" algn="ctr">
+          <a:solidFill>
+            <a:schemeClr val="lt1">
+              <a:hueOff val="0"/>
+              <a:satOff val="0"/>
+              <a:lumOff val="0"/>
+              <a:alphaOff val="0"/>
+            </a:schemeClr>
+          </a:solidFill>
+          <a:prstDash val="solid"/>
+        </a:ln>
+        <a:effectLst/>
+      </dsp:spPr>
+      <dsp:style>
+        <a:lnRef idx="2">
+          <a:scrgbClr r="0" g="0" b="0"/>
+        </a:lnRef>
+        <a:fillRef idx="1">
+          <a:scrgbClr r="0" g="0" b="0"/>
+        </a:fillRef>
+        <a:effectRef idx="0">
+          <a:scrgbClr r="0" g="0" b="0"/>
+        </a:effectRef>
+        <a:fontRef idx="minor">
+          <a:schemeClr val="lt1"/>
+        </a:fontRef>
+      </dsp:style>
+      <dsp:txBody>
+        <a:bodyPr spcFirstLastPara="0" vert="horz" wrap="square" lIns="68580" tIns="68580" rIns="68580" bIns="68580" numCol="1" spcCol="1270" anchor="ctr" anchorCtr="0">
+          <a:noAutofit/>
+        </a:bodyPr>
+        <a:lstStyle/>
+        <a:p>
+          <a:pPr lvl="0" algn="ctr" defTabSz="800100">
+            <a:lnSpc>
+              <a:spcPct val="90000"/>
+            </a:lnSpc>
+            <a:spcBef>
+              <a:spcPct val="0"/>
+            </a:spcBef>
+            <a:spcAft>
+              <a:spcPct val="35000"/>
+            </a:spcAft>
+          </a:pPr>
+          <a:r>
+            <a:rPr lang="en-US" sz="1800" kern="1200" dirty="0" err="1" smtClean="0"/>
+            <a:t>Finanzas</a:t>
+          </a:r>
+          <a:endParaRPr lang="es-CO" sz="1800" kern="1200" dirty="0"/>
+        </a:p>
+      </dsp:txBody>
+      <dsp:txXfrm>
+        <a:off x="1781445" y="3098759"/>
+        <a:ext cx="1219553" cy="763786"/>
+      </dsp:txXfrm>
+    </dsp:sp>
+    <dsp:sp modelId="{4EE3685B-9BE2-4582-A9E9-DDC0C9DE2D70}">
+      <dsp:nvSpPr>
+        <dsp:cNvPr id="0" name=""/>
+        <dsp:cNvSpPr/>
+      </dsp:nvSpPr>
+      <dsp:spPr>
+        <a:xfrm>
+          <a:off x="1694722" y="424040"/>
+          <a:ext cx="3379307" cy="3379307"/>
+        </a:xfrm>
+        <a:custGeom>
+          <a:avLst/>
+          <a:gdLst/>
+          <a:ahLst/>
+          <a:cxnLst/>
+          <a:rect l="0" t="0" r="0" b="0"/>
+          <a:pathLst>
+            <a:path>
+              <a:moveTo>
+                <a:pt x="282119" y="2624414"/>
+              </a:moveTo>
+              <a:arcTo wR="1689653" hR="1689653" stAng="8784683" swAng="2194699"/>
+            </a:path>
+          </a:pathLst>
+        </a:custGeom>
+        <a:noFill/>
+        <a:ln w="9525" cap="flat" cmpd="sng" algn="ctr">
+          <a:solidFill>
+            <a:schemeClr val="accent3">
+              <a:shade val="90000"/>
+              <a:hueOff val="-219980"/>
+              <a:satOff val="-20131"/>
+              <a:lumOff val="34330"/>
+              <a:alphaOff val="0"/>
+            </a:schemeClr>
+          </a:solidFill>
+          <a:prstDash val="solid"/>
+        </a:ln>
+        <a:effectLst/>
+      </dsp:spPr>
+      <dsp:style>
+        <a:lnRef idx="1">
+          <a:scrgbClr r="0" g="0" b="0"/>
+        </a:lnRef>
+        <a:fillRef idx="0">
+          <a:scrgbClr r="0" g="0" b="0"/>
+        </a:fillRef>
+        <a:effectRef idx="0">
+          <a:scrgbClr r="0" g="0" b="0"/>
+        </a:effectRef>
+        <a:fontRef idx="minor"/>
+      </dsp:style>
+    </dsp:sp>
+    <dsp:sp modelId="{90820B62-13E0-4D4F-9C19-2AEC2FE7DD7E}">
+      <dsp:nvSpPr>
+        <dsp:cNvPr id="0" name=""/>
+        <dsp:cNvSpPr/>
+      </dsp:nvSpPr>
+      <dsp:spPr>
+        <a:xfrm>
+          <a:off x="1126324" y="1168350"/>
+          <a:ext cx="1302191" cy="846424"/>
+        </a:xfrm>
+        <a:prstGeom prst="roundRect">
+          <a:avLst/>
+        </a:prstGeom>
+        <a:solidFill>
+          <a:schemeClr val="accent3">
+            <a:alpha val="90000"/>
+            <a:hueOff val="0"/>
+            <a:satOff val="0"/>
+            <a:lumOff val="0"/>
+            <a:alphaOff val="-40000"/>
+          </a:schemeClr>
+        </a:solidFill>
+        <a:ln w="13970" cap="flat" cmpd="sng" algn="ctr">
+          <a:solidFill>
+            <a:schemeClr val="lt1">
+              <a:hueOff val="0"/>
+              <a:satOff val="0"/>
+              <a:lumOff val="0"/>
+              <a:alphaOff val="0"/>
+            </a:schemeClr>
+          </a:solidFill>
+          <a:prstDash val="solid"/>
+        </a:ln>
+        <a:effectLst/>
+      </dsp:spPr>
+      <dsp:style>
+        <a:lnRef idx="2">
+          <a:scrgbClr r="0" g="0" b="0"/>
+        </a:lnRef>
+        <a:fillRef idx="1">
+          <a:scrgbClr r="0" g="0" b="0"/>
+        </a:fillRef>
+        <a:effectRef idx="0">
+          <a:scrgbClr r="0" g="0" b="0"/>
+        </a:effectRef>
+        <a:fontRef idx="minor">
+          <a:schemeClr val="lt1"/>
+        </a:fontRef>
+      </dsp:style>
+      <dsp:txBody>
+        <a:bodyPr spcFirstLastPara="0" vert="horz" wrap="square" lIns="68580" tIns="68580" rIns="68580" bIns="68580" numCol="1" spcCol="1270" anchor="ctr" anchorCtr="0">
+          <a:noAutofit/>
+        </a:bodyPr>
+        <a:lstStyle/>
+        <a:p>
+          <a:pPr lvl="0" algn="ctr" defTabSz="800100">
+            <a:lnSpc>
+              <a:spcPct val="90000"/>
+            </a:lnSpc>
+            <a:spcBef>
+              <a:spcPct val="0"/>
+            </a:spcBef>
+            <a:spcAft>
+              <a:spcPct val="35000"/>
+            </a:spcAft>
+          </a:pPr>
+          <a:r>
+            <a:rPr lang="en-US" sz="1800" kern="1200" dirty="0" err="1" smtClean="0"/>
+            <a:t>Publicidad</a:t>
+          </a:r>
+          <a:endParaRPr lang="es-CO" sz="1800" kern="1200" dirty="0"/>
+        </a:p>
+      </dsp:txBody>
+      <dsp:txXfrm>
+        <a:off x="1167643" y="1209669"/>
+        <a:ext cx="1219553" cy="763786"/>
+      </dsp:txXfrm>
+    </dsp:sp>
+    <dsp:sp modelId="{4099A425-77CC-4549-AEA0-3D536B58BDCE}">
+      <dsp:nvSpPr>
+        <dsp:cNvPr id="0" name=""/>
+        <dsp:cNvSpPr/>
+      </dsp:nvSpPr>
+      <dsp:spPr>
+        <a:xfrm>
+          <a:off x="1694722" y="424040"/>
+          <a:ext cx="3379307" cy="3379307"/>
+        </a:xfrm>
+        <a:custGeom>
+          <a:avLst/>
+          <a:gdLst/>
+          <a:ahLst/>
+          <a:cxnLst/>
+          <a:rect l="0" t="0" r="0" b="0"/>
+          <a:pathLst>
+            <a:path>
+              <a:moveTo>
+                <a:pt x="294648" y="736296"/>
+              </a:moveTo>
+              <a:arcTo wR="1689653" hR="1689653" stAng="12860939" swAng="1959451"/>
+            </a:path>
+          </a:pathLst>
+        </a:custGeom>
+        <a:noFill/>
+        <a:ln w="9525" cap="flat" cmpd="sng" algn="ctr">
+          <a:solidFill>
+            <a:schemeClr val="accent3">
+              <a:shade val="90000"/>
+              <a:hueOff val="-293306"/>
+              <a:satOff val="-26842"/>
+              <a:lumOff val="45773"/>
+              <a:alphaOff val="0"/>
+            </a:schemeClr>
+          </a:solidFill>
+          <a:prstDash val="solid"/>
+        </a:ln>
+        <a:effectLst/>
+      </dsp:spPr>
+      <dsp:style>
+        <a:lnRef idx="1">
+          <a:scrgbClr r="0" g="0" b="0"/>
+        </a:lnRef>
+        <a:fillRef idx="0">
+          <a:scrgbClr r="0" g="0" b="0"/>
+        </a:fillRef>
+        <a:effectRef idx="0">
+          <a:scrgbClr r="0" g="0" b="0"/>
+        </a:effectRef>
+        <a:fontRef idx="minor"/>
+      </dsp:style>
+    </dsp:sp>
+  </dsp:spTree>
+</dsp:drawing>
+</file>
+
+<file path=ppt/diagrams/layout1.xml><?xml version="1.0" encoding="utf-8"?>
+<dgm:layoutDef xmlns:dgm="http://schemas.openxmlformats.org/drawingml/2006/diagram" xmlns:a="http://schemas.openxmlformats.org/drawingml/2006/main" uniqueId="urn:microsoft.com/office/officeart/2005/8/layout/cycle6">
+  <dgm:title val=""/>
+  <dgm:desc val=""/>
+  <dgm:catLst>
+    <dgm:cat type="cycle" pri="4000"/>
+    <dgm:cat type="relationship" pri="24000"/>
+  </dgm:catLst>
+  <dgm:sampData>
+    <dgm:dataModel>
+      <dgm:ptLst>
+        <dgm:pt modelId="0" type="doc"/>
+        <dgm:pt modelId="1">
+          <dgm:prSet phldr="1"/>
+        </dgm:pt>
+        <dgm:pt modelId="2">
+          <dgm:prSet phldr="1"/>
+        </dgm:pt>
+        <dgm:pt modelId="3">
+          <dgm:prSet phldr="1"/>
+        </dgm:pt>
+        <dgm:pt modelId="4">
+          <dgm:prSet phldr="1"/>
+        </dgm:pt>
+        <dgm:pt modelId="5">
+          <dgm:prSet phldr="1"/>
+        </dgm:pt>
+      </dgm:ptLst>
+      <dgm:cxnLst>
+        <dgm:cxn modelId="6" srcId="0" destId="1" srcOrd="0" destOrd="0"/>
+        <dgm:cxn modelId="7" srcId="0" destId="2" srcOrd="1" destOrd="0"/>
+        <dgm:cxn modelId="8" srcId="0" destId="3" srcOrd="2" destOrd="0"/>
+        <dgm:cxn modelId="9" srcId="0" destId="4" srcOrd="3" destOrd="0"/>
+        <dgm:cxn modelId="10" srcId="0" destId="5" srcOrd="4" destOrd="0"/>
+      </dgm:cxnLst>
+      <dgm:bg/>
+      <dgm:whole/>
+    </dgm:dataModel>
+  </dgm:sampData>
+  <dgm:styleData>
+    <dgm:dataModel>
+      <dgm:ptLst>
+        <dgm:pt modelId="0" type="doc"/>
+        <dgm:pt modelId="1"/>
+        <dgm:pt modelId="2"/>
+        <dgm:pt modelId="3"/>
+      </dgm:ptLst>
+      <dgm:cxnLst>
+        <dgm:cxn modelId="4" srcId="0" destId="1" srcOrd="0" destOrd="0"/>
+        <dgm:cxn modelId="5" srcId="0" destId="2" srcOrd="1" destOrd="0"/>
+        <dgm:cxn modelId="6" srcId="0" destId="3" srcOrd="2" destOrd="0"/>
+      </dgm:cxnLst>
+      <dgm:bg/>
+      <dgm:whole/>
+    </dgm:dataModel>
+  </dgm:styleData>
+  <dgm:clrData>
+    <dgm:dataModel>
+      <dgm:ptLst>
+        <dgm:pt modelId="0" type="doc"/>
+        <dgm:pt modelId="1"/>
+        <dgm:pt modelId="2"/>
+        <dgm:pt modelId="3"/>
+        <dgm:pt modelId="4"/>
+        <dgm:pt modelId="5"/>
+        <dgm:pt modelId="6"/>
+      </dgm:ptLst>
+      <dgm:cxnLst>
+        <dgm:cxn modelId="7" srcId="0" destId="1" srcOrd="0" destOrd="0"/>
+        <dgm:cxn modelId="8" srcId="0" destId="2" srcOrd="1" destOrd="0"/>
+        <dgm:cxn modelId="9" srcId="0" destId="3" srcOrd="2" destOrd="0"/>
+        <dgm:cxn modelId="10" srcId="0" destId="4" srcOrd="3" destOrd="0"/>
+        <dgm:cxn modelId="11" srcId="0" destId="5" srcOrd="4" destOrd="0"/>
+        <dgm:cxn modelId="12" srcId="0" destId="6" srcOrd="5" destOrd="0"/>
+      </dgm:cxnLst>
+      <dgm:bg/>
+      <dgm:whole/>
+    </dgm:dataModel>
+  </dgm:clrData>
+  <dgm:layoutNode name="cycle">
+    <dgm:varLst>
+      <dgm:dir/>
+      <dgm:resizeHandles val="exact"/>
+    </dgm:varLst>
+    <dgm:choose name="Name0">
+      <dgm:if name="Name1" func="var" arg="dir" op="equ" val="norm">
+        <dgm:choose name="Name2">
+          <dgm:if name="Name3" axis="ch" ptType="node" func="cnt" op="gt" val="2">
+            <dgm:alg type="cycle">
+              <dgm:param type="stAng" val="0"/>
+              <dgm:param type="spanAng" val="360"/>
+            </dgm:alg>
+          </dgm:if>
+          <dgm:else name="Name4">
+            <dgm:alg type="cycle">
+              <dgm:param type="stAng" val="-90"/>
+              <dgm:param type="spanAng" val="360"/>
+            </dgm:alg>
+          </dgm:else>
+        </dgm:choose>
+      </dgm:if>
+      <dgm:else name="Name5">
+        <dgm:choose name="Name6">
+          <dgm:if name="Name7" axis="ch" ptType="node" func="cnt" op="gt" val="2">
+            <dgm:alg type="cycle">
+              <dgm:param type="stAng" val="0"/>
+              <dgm:param type="spanAng" val="-360"/>
+            </dgm:alg>
+          </dgm:if>
+          <dgm:else name="Name8">
+            <dgm:alg type="cycle">
+              <dgm:param type="stAng" val="90"/>
+              <dgm:param type="spanAng" val="-360"/>
+            </dgm:alg>
+          </dgm:else>
+        </dgm:choose>
+      </dgm:else>
+    </dgm:choose>
+    <dgm:shape xmlns:r="http://schemas.openxmlformats.org/officeDocument/2006/relationships" r:blip="">
+      <dgm:adjLst/>
+    </dgm:shape>
+    <dgm:presOf/>
+    <dgm:choose name="Name9">
+      <dgm:if name="Name10" func="var" arg="dir" op="equ" val="norm">
+        <dgm:constrLst>
+          <dgm:constr type="w" for="ch" forName="node" refType="w"/>
+          <dgm:constr type="w" for="ch" ptType="sibTrans" refType="w" refFor="ch" refForName="node" op="equ" fact="0.3"/>
+          <dgm:constr type="diam" for="ch" ptType="sibTrans" refType="diam" op="equ"/>
+          <dgm:constr type="sibSp" refType="w" refFor="ch" refForName="node" op="equ" fact="0.15"/>
+          <dgm:constr type="w" for="ch" forName="spNode" refType="sibSp" fact="1.6"/>
+          <dgm:constr type="primFontSz" for="ch" forName="node" op="equ" val="65"/>
+        </dgm:constrLst>
+      </dgm:if>
+      <dgm:else name="Name11">
+        <dgm:constrLst>
+          <dgm:constr type="w" for="ch" forName="node" refType="w"/>
+          <dgm:constr type="w" for="ch" ptType="sibTrans" refType="w" refFor="ch" refForName="node" op="equ" fact="0.3"/>
+          <dgm:constr type="diam" for="ch" ptType="sibTrans" refType="diam" op="equ" fact="-1"/>
+          <dgm:constr type="sibSp" refType="w" refFor="ch" refForName="node" op="equ" fact="0.15"/>
+          <dgm:constr type="w" for="ch" forName="spNode" refType="sibSp" fact="1.6"/>
+          <dgm:constr type="primFontSz" for="ch" forName="node" op="equ" val="65"/>
+        </dgm:constrLst>
+      </dgm:else>
+    </dgm:choose>
+    <dgm:ruleLst/>
+    <dgm:forEach name="Name12" axis="ch" ptType="node">
+      <dgm:layoutNode name="node">
+        <dgm:varLst>
+          <dgm:bulletEnabled val="1"/>
+        </dgm:varLst>
+        <dgm:alg type="tx"/>
+        <dgm:shape xmlns:r="http://schemas.openxmlformats.org/officeDocument/2006/relationships" type="roundRect" r:blip="">
+          <dgm:adjLst/>
+        </dgm:shape>
+        <dgm:presOf axis="desOrSelf" ptType="node"/>
+        <dgm:constrLst>
+          <dgm:constr type="h" refType="w" fact="0.65"/>
+          <dgm:constr type="tMarg" refType="primFontSz" fact="0.3"/>
+          <dgm:constr type="bMarg" refType="primFontSz" fact="0.3"/>
+          <dgm:constr type="lMarg" refType="primFontSz" fact="0.3"/>
+          <dgm:constr type="rMarg" refType="primFontSz" fact="0.3"/>
+        </dgm:constrLst>
+        <dgm:ruleLst>
+          <dgm:rule type="primFontSz" val="5" fact="NaN" max="NaN"/>
+        </dgm:ruleLst>
+      </dgm:layoutNode>
+      <dgm:choose name="Name13">
+        <dgm:if name="Name14" axis="par ch" ptType="doc node" func="cnt" op="gt" val="1">
+          <dgm:layoutNode name="spNode">
+            <dgm:alg type="sp"/>
+            <dgm:shape xmlns:r="http://schemas.openxmlformats.org/officeDocument/2006/relationships" r:blip="">
+              <dgm:adjLst/>
+            </dgm:shape>
+            <dgm:presOf/>
+            <dgm:constrLst>
+              <dgm:constr type="h" refType="w"/>
+            </dgm:constrLst>
+            <dgm:ruleLst/>
+          </dgm:layoutNode>
+          <dgm:forEach name="Name15" axis="followSib" ptType="sibTrans" hideLastTrans="0" cnt="1">
+            <dgm:layoutNode name="sibTrans">
+              <dgm:alg type="conn">
+                <dgm:param type="dim" val="1D"/>
+                <dgm:param type="connRout" val="curve"/>
+                <dgm:param type="begPts" val="radial"/>
+                <dgm:param type="endPts" val="radial"/>
+                <dgm:param type="endSty" val="noArr"/>
+              </dgm:alg>
+              <dgm:shape xmlns:r="http://schemas.openxmlformats.org/officeDocument/2006/relationships" type="conn" r:blip="">
+                <dgm:adjLst/>
+              </dgm:shape>
+              <dgm:presOf axis="self"/>
+              <dgm:constrLst>
+                <dgm:constr type="h" refType="w" fact="0.65"/>
+                <dgm:constr type="connDist"/>
+                <dgm:constr type="begPad" refType="connDist" fact="0.01"/>
+                <dgm:constr type="endPad" refType="connDist" fact="0.01"/>
+              </dgm:constrLst>
+              <dgm:ruleLst/>
+            </dgm:layoutNode>
+          </dgm:forEach>
+        </dgm:if>
+        <dgm:else name="Name16"/>
+      </dgm:choose>
+    </dgm:forEach>
+  </dgm:layoutNode>
+</dgm:layoutDef>
+</file>
+
+<file path=ppt/diagrams/quickStyle1.xml><?xml version="1.0" encoding="utf-8"?>
+<dgm:styleDef xmlns:dgm="http://schemas.openxmlformats.org/drawingml/2006/diagram" xmlns:a="http://schemas.openxmlformats.org/drawingml/2006/main" uniqueId="urn:microsoft.com/office/officeart/2005/8/quickstyle/simple1">
+  <dgm:title val=""/>
+  <dgm:desc val=""/>
+  <dgm:catLst>
+    <dgm:cat type="simple" pri="10100"/>
+  </dgm:catLst>
+  <dgm:scene3d>
+    <a:camera prst="orthographicFront"/>
+    <a:lightRig rig="threePt" dir="t"/>
+  </dgm:scene3d>
+  <dgm:styleLbl name="node0">
+    <dgm:scene3d>
+      <a:camera prst="orthographicFront"/>
+      <a:lightRig rig="threePt" dir="t"/>
+    </dgm:scene3d>
+    <dgm:sp3d/>
+    <dgm:txPr/>
+    <dgm:style>
+      <a:lnRef idx="2">
+        <a:scrgbClr r="0" g="0" b="0"/>
+      </a:lnRef>
+      <a:fillRef idx="1">
+        <a:scrgbClr r="0" g="0" b="0"/>
+      </a:fillRef>
+      <a:effectRef idx="0">
+        <a:scrgbClr r="0" g="0" b="0"/>
+      </a:effectRef>
+      <a:fontRef idx="minor">
+        <a:schemeClr val="lt1"/>
+      </a:fontRef>
+    </dgm:style>
+  </dgm:styleLbl>
+  <dgm:styleLbl name="lnNode1">
+    <dgm:scene3d>
+      <a:camera prst="orthographicFront"/>
+      <a:lightRig rig="threePt" dir="t"/>
+    </dgm:scene3d>
+    <dgm:sp3d/>
+    <dgm:txPr/>
+    <dgm:style>
+      <a:lnRef idx="2">
+        <a:scrgbClr r="0" g="0" b="0"/>
+      </a:lnRef>
+      <a:fillRef idx="1">
+        <a:scrgbClr r="0" g="0" b="0"/>
+      </a:fillRef>
+      <a:effectRef idx="0">
+        <a:scrgbClr r="0" g="0" b="0"/>
+      </a:effectRef>
+      <a:fontRef idx="minor">
+        <a:schemeClr val="lt1"/>
+      </a:fontRef>
+    </dgm:style>
+  </dgm:styleLbl>
+  <dgm:styleLbl name="vennNode1">
+    <dgm:scene3d>
+      <a:camera prst="orthographicFront"/>
+      <a:lightRig rig="threePt" dir="t"/>
+    </dgm:scene3d>
+    <dgm:sp3d/>
+    <dgm:txPr/>
+    <dgm:style>
+      <a:lnRef idx="2">
+        <a:scrgbClr r="0" g="0" b="0"/>
+      </a:lnRef>
+      <a:fillRef idx="1">
+        <a:scrgbClr r="0" g="0" b="0"/>
+      </a:fillRef>
+      <a:effectRef idx="0">
+        <a:scrgbClr r="0" g="0" b="0"/>
+      </a:effectRef>
+      <a:fontRef idx="minor">
+        <a:schemeClr val="tx1"/>
+      </a:fontRef>
+    </dgm:style>
+  </dgm:styleLbl>
+  <dgm:styleLbl name="alignNode1">
+    <dgm:scene3d>
+      <a:camera prst="orthographicFront"/>
+      <a:lightRig rig="threePt" dir="t"/>
+    </dgm:scene3d>
+    <dgm:sp3d/>
+    <dgm:txPr/>
+    <dgm:style>
+      <a:lnRef idx="2">
+        <a:scrgbClr r="0" g="0" b="0"/>
+      </a:lnRef>
+      <a:fillRef idx="1">
+        <a:scrgbClr r="0" g="0" b="0"/>
+      </a:fillRef>
+      <a:effectRef idx="0">
+        <a:scrgbClr r="0" g="0" b="0"/>
+      </a:effectRef>
+      <a:fontRef idx="minor">
+        <a:schemeClr val="lt1"/>
+      </a:fontRef>
+    </dgm:style>
+  </dgm:styleLbl>
+  <dgm:styleLbl name="node1">
+    <dgm:scene3d>
+      <a:camera prst="orthographicFront"/>
+      <a:lightRig rig="threePt" dir="t"/>
+    </dgm:scene3d>
+    <dgm:sp3d/>
+    <dgm:txPr/>
+    <dgm:style>
+      <a:lnRef idx="2">
+        <a:scrgbClr r="0" g="0" b="0"/>
+      </a:lnRef>
+      <a:fillRef idx="1">
+        <a:scrgbClr r="0" g="0" b="0"/>
+      </a:fillRef>
+      <a:effectRef idx="0">
+        <a:scrgbClr r="0" g="0" b="0"/>
+      </a:effectRef>
+      <a:fontRef idx="minor">
+        <a:schemeClr val="lt1"/>
+      </a:fontRef>
+    </dgm:style>
+  </dgm:styleLbl>
+  <dgm:styleLbl name="node2">
+    <dgm:scene3d>
+      <a:camera prst="orthographicFront"/>
+      <a:lightRig rig="threePt" dir="t"/>
+    </dgm:scene3d>
+    <dgm:sp3d/>
+    <dgm:txPr/>
+    <dgm:style>
+      <a:lnRef idx="2">
+        <a:scrgbClr r="0" g="0" b="0"/>
+      </a:lnRef>
+      <a:fillRef idx="1">
+        <a:scrgbClr r="0" g="0" b="0"/>
+      </a:fillRef>
+      <a:effectRef idx="0">
+        <a:scrgbClr r="0" g="0" b="0"/>
+      </a:effectRef>
+      <a:fontRef idx="minor">
+        <a:schemeClr val="lt1"/>
+      </a:fontRef>
+    </dgm:style>
+  </dgm:styleLbl>
+  <dgm:styleLbl name="node3">
+    <dgm:scene3d>
+      <a:camera prst="orthographicFront"/>
+      <a:lightRig rig="threePt" dir="t"/>
+    </dgm:scene3d>
+    <dgm:sp3d/>
+    <dgm:txPr/>
+    <dgm:style>
+      <a:lnRef idx="2">
+        <a:scrgbClr r="0" g="0" b="0"/>
+      </a:lnRef>
+      <a:fillRef idx="1">
+        <a:scrgbClr r="0" g="0" b="0"/>
+      </a:fillRef>
+      <a:effectRef idx="0">
+        <a:scrgbClr r="0" g="0" b="0"/>
+      </a:effectRef>
+      <a:fontRef idx="minor">
+        <a:schemeClr val="lt1"/>
+      </a:fontRef>
+    </dgm:style>
+  </dgm:styleLbl>
+  <dgm:styleLbl name="node4">
+    <dgm:scene3d>
+      <a:camera prst="orthographicFront"/>
+      <a:lightRig rig="threePt" dir="t"/>
+    </dgm:scene3d>
+    <dgm:sp3d/>
+    <dgm:txPr/>
+    <dgm:style>
+      <a:lnRef idx="2">
+        <a:scrgbClr r="0" g="0" b="0"/>
+      </a:lnRef>
+      <a:fillRef idx="1">
+        <a:scrgbClr r="0" g="0" b="0"/>
+      </a:fillRef>
+      <a:effectRef idx="0">
+        <a:scrgbClr r="0" g="0" b="0"/>
+      </a:effectRef>
+      <a:fontRef idx="minor">
+        <a:schemeClr val="lt1"/>
+      </a:fontRef>
+    </dgm:style>
+  </dgm:styleLbl>
+  <dgm:styleLbl name="fgImgPlace1">
+    <dgm:scene3d>
+      <a:camera prst="orthographicFront"/>
+      <a:lightRig rig="threePt" dir="t"/>
+    </dgm:scene3d>
+    <dgm:sp3d/>
+    <dgm:txPr/>
+    <dgm:style>
+      <a:lnRef idx="2">
+        <a:scrgbClr r="0" g="0" b="0"/>
+      </a:lnRef>
+      <a:fillRef idx="1">
+        <a:scrgbClr r="0" g="0" b="0"/>
+      </a:fillRef>
+      <a:effectRef idx="0">
+        <a:scrgbClr r="0" g="0" b="0"/>
+      </a:effectRef>
+      <a:fontRef idx="minor"/>
+    </dgm:style>
+  </dgm:styleLbl>
+  <dgm:styleLbl name="alignImgPlace1">
+    <dgm:scene3d>
+      <a:camera prst="orthographicFront"/>
+      <a:lightRig rig="threePt" dir="t"/>
+    </dgm:scene3d>
+    <dgm:sp3d/>
+    <dgm:txPr/>
+    <dgm:style>
+      <a:lnRef idx="2">
+        <a:scrgbClr r="0" g="0" b="0"/>
+      </a:lnRef>
+      <a:fillRef idx="1">
+        <a:scrgbClr r="0" g="0" b="0"/>
+      </a:fillRef>
+      <a:effectRef idx="0">
+        <a:scrgbClr r="0" g="0" b="0"/>
+      </a:effectRef>
+      <a:fontRef idx="minor"/>
+    </dgm:style>
+  </dgm:styleLbl>
+  <dgm:styleLbl name="bgImgPlace1">
+    <dgm:scene3d>
+      <a:camera prst="orthographicFront"/>
+      <a:lightRig rig="threePt" dir="t"/>
+    </dgm:scene3d>
+    <dgm:sp3d/>
+    <dgm:txPr/>
+    <dgm:style>
+      <a:lnRef idx="2">
+        <a:scrgbClr r="0" g="0" b="0"/>
+      </a:lnRef>
+      <a:fillRef idx="1">
+        <a:scrgbClr r="0" g="0" b="0"/>
+      </a:fillRef>
+      <a:effectRef idx="0">
+        <a:scrgbClr r="0" g="0" b="0"/>
+      </a:effectRef>
+      <a:fontRef idx="minor"/>
+    </dgm:style>
+  </dgm:styleLbl>
+  <dgm:styleLbl name="sibTrans2D1">
+    <dgm:scene3d>
+      <a:camera prst="orthographicFront"/>
+      <a:lightRig rig="threePt" dir="t"/>
+    </dgm:scene3d>
+    <dgm:sp3d/>
+    <dgm:txPr/>
+    <dgm:style>
+      <a:lnRef idx="0">
+        <a:scrgbClr r="0" g="0" b="0"/>
+      </a:lnRef>
+      <a:fillRef idx="1">
+        <a:scrgbClr r="0" g="0" b="0"/>
+      </a:fillRef>
+      <a:effectRef idx="0">
+        <a:scrgbClr r="0" g="0" b="0"/>
+      </a:effectRef>
+      <a:fontRef idx="minor">
+        <a:schemeClr val="lt1"/>
+      </a:fontRef>
+    </dgm:style>
+  </dgm:styleLbl>
+  <dgm:styleLbl name="fgSibTrans2D1">
+    <dgm:scene3d>
+      <a:camera prst="orthographicFront"/>
+      <a:lightRig rig="threePt" dir="t"/>
+    </dgm:scene3d>
+    <dgm:sp3d/>
+    <dgm:txPr/>
+    <dgm:style>
+      <a:lnRef idx="0">
+        <a:scrgbClr r="0" g="0" b="0"/>
+      </a:lnRef>
+      <a:fillRef idx="1">
+        <a:scrgbClr r="0" g="0" b="0"/>
+      </a:fillRef>
+      <a:effectRef idx="0">
+        <a:scrgbClr r="0" g="0" b="0"/>
+      </a:effectRef>
+      <a:fontRef idx="minor">
+        <a:schemeClr val="lt1"/>
+      </a:fontRef>
+    </dgm:style>
+  </dgm:styleLbl>
+  <dgm:styleLbl name="bgSibTrans2D1">
+    <dgm:scene3d>
+      <a:camera prst="orthographicFront"/>
+      <a:lightRig rig="threePt" dir="t"/>
+    </dgm:scene3d>
+    <dgm:sp3d/>
+    <dgm:txPr/>
+    <dgm:style>
+      <a:lnRef idx="0">
+        <a:scrgbClr r="0" g="0" b="0"/>
+      </a:lnRef>
+      <a:fillRef idx="1">
+        <a:scrgbClr r="0" g="0" b="0"/>
+      </a:fillRef>
+      <a:effectRef idx="0">
+        <a:scrgbClr r="0" g="0" b="0"/>
+      </a:effectRef>
+      <a:fontRef idx="minor">
+        <a:schemeClr val="lt1"/>
+      </a:fontRef>
+    </dgm:style>
+  </dgm:styleLbl>
+  <dgm:styleLbl name="sibTrans1D1">
+    <dgm:scene3d>
+      <a:camera prst="orthographicFront"/>
+      <a:lightRig rig="threePt" dir="t"/>
+    </dgm:scene3d>
+    <dgm:sp3d/>
+    <dgm:txPr/>
+    <dgm:style>
+      <a:lnRef idx="1">
+        <a:scrgbClr r="0" g="0" b="0"/>
+      </a:lnRef>
+      <a:fillRef idx="0">
+        <a:scrgbClr r="0" g="0" b="0"/>
+      </a:fillRef>
+      <a:effectRef idx="0">
+        <a:scrgbClr r="0" g="0" b="0"/>
+      </a:effectRef>
+      <a:fontRef idx="minor"/>
+    </dgm:style>
+  </dgm:styleLbl>
+  <dgm:styleLbl name="callout">
+    <dgm:scene3d>
+      <a:camera prst="orthographicFront"/>
+      <a:lightRig rig="threePt" dir="t"/>
+    </dgm:scene3d>
+    <dgm:sp3d/>
+    <dgm:txPr/>
+    <dgm:style>
+      <a:lnRef idx="2">
+        <a:scrgbClr r="0" g="0" b="0"/>
+      </a:lnRef>
+      <a:fillRef idx="1">
+        <a:scrgbClr r="0" g="0" b="0"/>
+      </a:fillRef>
+      <a:effectRef idx="0">
+        <a:scrgbClr r="0" g="0" b="0"/>
+      </a:effectRef>
+      <a:fontRef idx="minor"/>
+    </dgm:style>
+  </dgm:styleLbl>
+  <dgm:styleLbl name="asst0">
+    <dgm:scene3d>
+      <a:camera prst="orthographicFront"/>
+      <a:lightRig rig="threePt" dir="t"/>
+    </dgm:scene3d>
+    <dgm:sp3d/>
+    <dgm:txPr/>
+    <dgm:style>
+      <a:lnRef idx="2">
+        <a:scrgbClr r="0" g="0" b="0"/>
+      </a:lnRef>
+      <a:fillRef idx="1">
+        <a:scrgbClr r="0" g="0" b="0"/>
+      </a:fillRef>
+      <a:effectRef idx="0">
+        <a:scrgbClr r="0" g="0" b="0"/>
+      </a:effectRef>
+      <a:fontRef idx="minor">
+        <a:schemeClr val="lt1"/>
+      </a:fontRef>
+    </dgm:style>
+  </dgm:styleLbl>
+  <dgm:styleLbl name="asst1">
+    <dgm:scene3d>
+      <a:camera prst="orthographicFront"/>
+      <a:lightRig rig="threePt" dir="t"/>
+    </dgm:scene3d>
+    <dgm:sp3d/>
+    <dgm:txPr/>
+    <dgm:style>
+      <a:lnRef idx="2">
+        <a:scrgbClr r="0" g="0" b="0"/>
+      </a:lnRef>
+      <a:fillRef idx="1">
+        <a:scrgbClr r="0" g="0" b="0"/>
+      </a:fillRef>
+      <a:effectRef idx="0">
+        <a:scrgbClr r="0" g="0" b="0"/>
+      </a:effectRef>
+      <a:fontRef idx="minor">
+        <a:schemeClr val="lt1"/>
+      </a:fontRef>
+    </dgm:style>
+  </dgm:styleLbl>
+  <dgm:styleLbl name="asst2">
+    <dgm:scene3d>
+      <a:camera prst="orthographicFront"/>
+      <a:lightRig rig="threePt" dir="t"/>
+    </dgm:scene3d>
+    <dgm:sp3d/>
+    <dgm:txPr/>
+    <dgm:style>
+      <a:lnRef idx="2">
+        <a:scrgbClr r="0" g="0" b="0"/>
+      </a:lnRef>
+      <a:fillRef idx="1">
+        <a:scrgbClr r="0" g="0" b="0"/>
+      </a:fillRef>
+      <a:effectRef idx="0">
+        <a:scrgbClr r="0" g="0" b="0"/>
+      </a:effectRef>
+      <a:fontRef idx="minor">
+        <a:schemeClr val="lt1"/>
+      </a:fontRef>
+    </dgm:style>
+  </dgm:styleLbl>
+  <dgm:styleLbl name="asst3">
+    <dgm:scene3d>
+      <a:camera prst="orthographicFront"/>
+      <a:lightRig rig="threePt" dir="t"/>
+    </dgm:scene3d>
+    <dgm:sp3d/>
+    <dgm:txPr/>
+    <dgm:style>
+      <a:lnRef idx="2">
+        <a:scrgbClr r="0" g="0" b="0"/>
+      </a:lnRef>
+      <a:fillRef idx="1">
+        <a:scrgbClr r="0" g="0" b="0"/>
+      </a:fillRef>
+      <a:effectRef idx="0">
+        <a:scrgbClr r="0" g="0" b="0"/>
+      </a:effectRef>
+      <a:fontRef idx="minor">
+        <a:schemeClr val="lt1"/>
+      </a:fontRef>
+    </dgm:style>
+  </dgm:styleLbl>
+  <dgm:styleLbl name="asst4">
+    <dgm:scene3d>
+      <a:camera prst="orthographicFront"/>
+      <a:lightRig rig="threePt" dir="t"/>
+    </dgm:scene3d>
+    <dgm:sp3d/>
+    <dgm:txPr/>
+    <dgm:style>
+      <a:lnRef idx="2">
+        <a:scrgbClr r="0" g="0" b="0"/>
+      </a:lnRef>
+      <a:fillRef idx="1">
+        <a:scrgbClr r="0" g="0" b="0"/>
+      </a:fillRef>
+      <a:effectRef idx="0">
+        <a:scrgbClr r="0" g="0" b="0"/>
+      </a:effectRef>
+      <a:fontRef idx="minor">
+        <a:schemeClr val="lt1"/>
+      </a:fontRef>
+    </dgm:style>
+  </dgm:styleLbl>
+  <dgm:styleLbl name="parChTrans2D1">
+    <dgm:scene3d>
+      <a:camera prst="orthographicFront"/>
+      <a:lightRig rig="threePt" dir="t"/>
+    </dgm:scene3d>
+    <dgm:sp3d/>
+    <dgm:txPr/>
+    <dgm:style>
+      <a:lnRef idx="2">
+        <a:scrgbClr r="0" g="0" b="0"/>
+      </a:lnRef>
+      <a:fillRef idx="1">
+        <a:scrgbClr r="0" g="0" b="0"/>
+      </a:fillRef>
+      <a:effectRef idx="0">
+        <a:scrgbClr r="0" g="0" b="0"/>
+      </a:effectRef>
+      <a:fontRef idx="minor">
+        <a:schemeClr val="lt1"/>
+      </a:fontRef>
+    </dgm:style>
+  </dgm:styleLbl>
+  <dgm:styleLbl name="parChTrans2D2">
+    <dgm:scene3d>
+      <a:camera prst="orthographicFront"/>
+      <a:lightRig rig="threePt" dir="t"/>
+    </dgm:scene3d>
+    <dgm:sp3d/>
+    <dgm:txPr/>
+    <dgm:style>
+      <a:lnRef idx="2">
+        <a:scrgbClr r="0" g="0" b="0"/>
+      </a:lnRef>
+      <a:fillRef idx="1">
+        <a:scrgbClr r="0" g="0" b="0"/>
+      </a:fillRef>
+      <a:effectRef idx="0">
+        <a:scrgbClr r="0" g="0" b="0"/>
+      </a:effectRef>
+      <a:fontRef idx="minor">
+        <a:schemeClr val="lt1"/>
+      </a:fontRef>
+    </dgm:style>
+  </dgm:styleLbl>
+  <dgm:styleLbl name="parChTrans2D3">
+    <dgm:scene3d>
+      <a:camera prst="orthographicFront"/>
+      <a:lightRig rig="threePt" dir="t"/>
+    </dgm:scene3d>
+    <dgm:sp3d/>
+    <dgm:txPr/>
+    <dgm:style>
+      <a:lnRef idx="2">
+        <a:scrgbClr r="0" g="0" b="0"/>
+      </a:lnRef>
+      <a:fillRef idx="1">
+        <a:scrgbClr r="0" g="0" b="0"/>
+      </a:fillRef>
+      <a:effectRef idx="0">
+        <a:scrgbClr r="0" g="0" b="0"/>
+      </a:effectRef>
+      <a:fontRef idx="minor">
+        <a:schemeClr val="lt1"/>
+      </a:fontRef>
+    </dgm:style>
+  </dgm:styleLbl>
+  <dgm:styleLbl name="parChTrans2D4">
+    <dgm:scene3d>
+      <a:camera prst="orthographicFront"/>
+      <a:lightRig rig="threePt" dir="t"/>
+    </dgm:scene3d>
+    <dgm:sp3d/>
+    <dgm:txPr/>
+    <dgm:style>
+      <a:lnRef idx="2">
+        <a:scrgbClr r="0" g="0" b="0"/>
+      </a:lnRef>
+      <a:fillRef idx="1">
+        <a:scrgbClr r="0" g="0" b="0"/>
+      </a:fillRef>
+      <a:effectRef idx="0">
+        <a:scrgbClr r="0" g="0" b="0"/>
+      </a:effectRef>
+      <a:fontRef idx="minor">
+        <a:schemeClr val="lt1"/>
+      </a:fontRef>
+    </dgm:style>
+  </dgm:styleLbl>
+  <dgm:styleLbl name="parChTrans1D1">
+    <dgm:scene3d>
+      <a:camera prst="orthographicFront"/>
+      <a:lightRig rig="threePt" dir="t"/>
+    </dgm:scene3d>
+    <dgm:sp3d/>
+    <dgm:txPr/>
+    <dgm:style>
+      <a:lnRef idx="2">
+        <a:scrgbClr r="0" g="0" b="0"/>
+      </a:lnRef>
+      <a:fillRef idx="0">
+        <a:scrgbClr r="0" g="0" b="0"/>
+      </a:fillRef>
+      <a:effectRef idx="0">
+        <a:scrgbClr r="0" g="0" b="0"/>
+      </a:effectRef>
+      <a:fontRef idx="minor"/>
+    </dgm:style>
+  </dgm:styleLbl>
+  <dgm:styleLbl name="parChTrans1D2">
+    <dgm:scene3d>
+      <a:camera prst="orthographicFront"/>
+      <a:lightRig rig="threePt" dir="t"/>
+    </dgm:scene3d>
+    <dgm:sp3d/>
+    <dgm:txPr/>
+    <dgm:style>
+      <a:lnRef idx="2">
+        <a:scrgbClr r="0" g="0" b="0"/>
+      </a:lnRef>
+      <a:fillRef idx="0">
+        <a:scrgbClr r="0" g="0" b="0"/>
+      </a:fillRef>
+      <a:effectRef idx="0">
+        <a:scrgbClr r="0" g="0" b="0"/>
+      </a:effectRef>
+      <a:fontRef idx="minor"/>
+    </dgm:style>
+  </dgm:styleLbl>
+  <dgm:styleLbl name="parChTrans1D3">
+    <dgm:scene3d>
+      <a:camera prst="orthographicFront"/>
+      <a:lightRig rig="threePt" dir="t"/>
+    </dgm:scene3d>
+    <dgm:sp3d/>
+    <dgm:txPr/>
+    <dgm:style>
+      <a:lnRef idx="2">
+        <a:scrgbClr r="0" g="0" b="0"/>
+      </a:lnRef>
+      <a:fillRef idx="0">
+        <a:scrgbClr r="0" g="0" b="0"/>
+      </a:fillRef>
+      <a:effectRef idx="0">
+        <a:scrgbClr r="0" g="0" b="0"/>
+      </a:effectRef>
+      <a:fontRef idx="minor"/>
+    </dgm:style>
+  </dgm:styleLbl>
+  <dgm:styleLbl name="parChTrans1D4">
+    <dgm:scene3d>
+      <a:camera prst="orthographicFront"/>
+      <a:lightRig rig="threePt" dir="t"/>
+    </dgm:scene3d>
+    <dgm:sp3d/>
+    <dgm:txPr/>
+    <dgm:style>
+      <a:lnRef idx="2">
+        <a:scrgbClr r="0" g="0" b="0"/>
+      </a:lnRef>
+      <a:fillRef idx="0">
+        <a:scrgbClr r="0" g="0" b="0"/>
+      </a:fillRef>
+      <a:effectRef idx="0">
+        <a:scrgbClr r="0" g="0" b="0"/>
+      </a:effectRef>
+      <a:fontRef idx="minor"/>
+    </dgm:style>
+  </dgm:styleLbl>
+  <dgm:styleLbl name="fgAcc1">
+    <dgm:scene3d>
+      <a:camera prst="orthographicFront"/>
+      <a:lightRig rig="threePt" dir="t"/>
+    </dgm:scene3d>
+    <dgm:sp3d/>
+    <dgm:txPr/>
+    <dgm:style>
+      <a:lnRef idx="2">
+        <a:scrgbClr r="0" g="0" b="0"/>
+      </a:lnRef>
+      <a:fillRef idx="1">
+        <a:scrgbClr r="0" g="0" b="0"/>
+      </a:fillRef>
+      <a:effectRef idx="0">
+        <a:scrgbClr r="0" g="0" b="0"/>
+      </a:effectRef>
+      <a:fontRef idx="minor"/>
+    </dgm:style>
+  </dgm:styleLbl>
+  <dgm:styleLbl name="conFgAcc1">
+    <dgm:scene3d>
+      <a:camera prst="orthographicFront"/>
+      <a:lightRig rig="threePt" dir="t"/>
+    </dgm:scene3d>
+    <dgm:sp3d/>
+    <dgm:txPr/>
+    <dgm:style>
+      <a:lnRef idx="2">
+        <a:scrgbClr r="0" g="0" b="0"/>
+      </a:lnRef>
+      <a:fillRef idx="1">
+        <a:scrgbClr r="0" g="0" b="0"/>
+      </a:fillRef>
+      <a:effectRef idx="0">
+        <a:scrgbClr r="0" g="0" b="0"/>
+      </a:effectRef>
+      <a:fontRef idx="minor"/>
+    </dgm:style>
+  </dgm:styleLbl>
+  <dgm:styleLbl name="alignAcc1">
+    <dgm:scene3d>
+      <a:camera prst="orthographicFront"/>
+      <a:lightRig rig="threePt" dir="t"/>
+    </dgm:scene3d>
+    <dgm:sp3d/>
+    <dgm:txPr/>
+    <dgm:style>
+      <a:lnRef idx="2">
+        <a:scrgbClr r="0" g="0" b="0"/>
+      </a:lnRef>
+      <a:fillRef idx="1">
+        <a:scrgbClr r="0" g="0" b="0"/>
+      </a:fillRef>
+      <a:effectRef idx="0">
+        <a:scrgbClr r="0" g="0" b="0"/>
+      </a:effectRef>
+      <a:fontRef idx="minor"/>
+    </dgm:style>
+  </dgm:styleLbl>
+  <dgm:styleLbl name="trAlignAcc1">
+    <dgm:scene3d>
+      <a:camera prst="orthographicFront"/>
+      <a:lightRig rig="threePt" dir="t"/>
+    </dgm:scene3d>
+    <dgm:sp3d/>
+    <dgm:txPr/>
+    <dgm:style>
+      <a:lnRef idx="1">
+        <a:scrgbClr r="0" g="0" b="0"/>
+      </a:lnRef>
+      <a:fillRef idx="1">
+        <a:scrgbClr r="0" g="0" b="0"/>
+      </a:fillRef>
+      <a:effectRef idx="0">
+        <a:scrgbClr r="0" g="0" b="0"/>
+      </a:effectRef>
+      <a:fontRef idx="minor"/>
+    </dgm:style>
+  </dgm:styleLbl>
+  <dgm:styleLbl name="bgAcc1">
+    <dgm:scene3d>
+      <a:camera prst="orthographicFront"/>
+      <a:lightRig rig="threePt" dir="t"/>
+    </dgm:scene3d>
+    <dgm:sp3d/>
+    <dgm:txPr/>
+    <dgm:style>
+      <a:lnRef idx="2">
+        <a:scrgbClr r="0" g="0" b="0"/>
+      </a:lnRef>
+      <a:fillRef idx="1">
+        <a:scrgbClr r="0" g="0" b="0"/>
+      </a:fillRef>
+      <a:effectRef idx="0">
+        <a:scrgbClr r="0" g="0" b="0"/>
+      </a:effectRef>
+      <a:fontRef idx="minor"/>
+    </dgm:style>
+  </dgm:styleLbl>
+  <dgm:styleLbl name="solidFgAcc1">
+    <dgm:scene3d>
+      <a:camera prst="orthographicFront"/>
+      <a:lightRig rig="threePt" dir="t"/>
+    </dgm:scene3d>
+    <dgm:sp3d/>
+    <dgm:txPr/>
+    <dgm:style>
+      <a:lnRef idx="2">
+        <a:scrgbClr r="0" g="0" b="0"/>
+      </a:lnRef>
+      <a:fillRef idx="1">
+        <a:scrgbClr r="0" g="0" b="0"/>
+      </a:fillRef>
+      <a:effectRef idx="0">
+        <a:scrgbClr r="0" g="0" b="0"/>
+      </a:effectRef>
+      <a:fontRef idx="minor"/>
+    </dgm:style>
+  </dgm:styleLbl>
+  <dgm:styleLbl name="solidAlignAcc1">
+    <dgm:scene3d>
+      <a:camera prst="orthographicFront"/>
+      <a:lightRig rig="threePt" dir="t"/>
+    </dgm:scene3d>
+    <dgm:sp3d/>
+    <dgm:txPr/>
+    <dgm:style>
+      <a:lnRef idx="2">
+        <a:scrgbClr r="0" g="0" b="0"/>
+      </a:lnRef>
+      <a:fillRef idx="1">
+        <a:scrgbClr r="0" g="0" b="0"/>
+      </a:fillRef>
+      <a:effectRef idx="0">
+        <a:scrgbClr r="0" g="0" b="0"/>
+      </a:effectRef>
+      <a:fontRef idx="minor"/>
+    </dgm:style>
+  </dgm:styleLbl>
+  <dgm:styleLbl name="solidBgAcc1">
+    <dgm:scene3d>
+      <a:camera prst="orthographicFront"/>
+      <a:lightRig rig="threePt" dir="t"/>
+    </dgm:scene3d>
+    <dgm:sp3d/>
+    <dgm:txPr/>
+    <dgm:style>
+      <a:lnRef idx="2">
+        <a:scrgbClr r="0" g="0" b="0"/>
+      </a:lnRef>
+      <a:fillRef idx="1">
+        <a:scrgbClr r="0" g="0" b="0"/>
+      </a:fillRef>
+      <a:effectRef idx="0">
+        <a:scrgbClr r="0" g="0" b="0"/>
+      </a:effectRef>
+      <a:fontRef idx="minor"/>
+    </dgm:style>
+  </dgm:styleLbl>
+  <dgm:styleLbl name="fgAccFollowNode1">
+    <dgm:scene3d>
+      <a:camera prst="orthographicFront"/>
+      <a:lightRig rig="threePt" dir="t"/>
+    </dgm:scene3d>
+    <dgm:sp3d/>
+    <dgm:txPr/>
+    <dgm:style>
+      <a:lnRef idx="2">
+        <a:scrgbClr r="0" g="0" b="0"/>
+      </a:lnRef>
+      <a:fillRef idx="1">
+        <a:scrgbClr r="0" g="0" b="0"/>
+      </a:fillRef>
+      <a:effectRef idx="0">
+        <a:scrgbClr r="0" g="0" b="0"/>
+      </a:effectRef>
+      <a:fontRef idx="minor"/>
+    </dgm:style>
+  </dgm:styleLbl>
+  <dgm:styleLbl name="alignAccFollowNode1">
+    <dgm:scene3d>
+      <a:camera prst="orthographicFront"/>
+      <a:lightRig rig="threePt" dir="t"/>
+    </dgm:scene3d>
+    <dgm:sp3d/>
+    <dgm:txPr/>
+    <dgm:style>
+      <a:lnRef idx="2">
+        <a:scrgbClr r="0" g="0" b="0"/>
+      </a:lnRef>
+      <a:fillRef idx="1">
+        <a:scrgbClr r="0" g="0" b="0"/>
+      </a:fillRef>
+      <a:effectRef idx="0">
+        <a:scrgbClr r="0" g="0" b="0"/>
+      </a:effectRef>
+      <a:fontRef idx="minor"/>
+    </dgm:style>
+  </dgm:styleLbl>
+  <dgm:styleLbl name="bgAccFollowNode1">
+    <dgm:scene3d>
+      <a:camera prst="orthographicFront"/>
+      <a:lightRig rig="threePt" dir="t"/>
+    </dgm:scene3d>
+    <dgm:sp3d/>
+    <dgm:txPr/>
+    <dgm:style>
+      <a:lnRef idx="2">
+        <a:scrgbClr r="0" g="0" b="0"/>
+      </a:lnRef>
+      <a:fillRef idx="1">
+        <a:scrgbClr r="0" g="0" b="0"/>
+      </a:fillRef>
+      <a:effectRef idx="0">
+        <a:scrgbClr r="0" g="0" b="0"/>
+      </a:effectRef>
+      <a:fontRef idx="minor"/>
+    </dgm:style>
+  </dgm:styleLbl>
+  <dgm:styleLbl name="fgAcc0">
+    <dgm:scene3d>
+      <a:camera prst="orthographicFront"/>
+      <a:lightRig rig="threePt" dir="t"/>
+    </dgm:scene3d>
+    <dgm:sp3d/>
+    <dgm:txPr/>
+    <dgm:style>
+      <a:lnRef idx="2">
+        <a:scrgbClr r="0" g="0" b="0"/>
+      </a:lnRef>
+      <a:fillRef idx="1">
+        <a:scrgbClr r="0" g="0" b="0"/>
+      </a:fillRef>
+      <a:effectRef idx="0">
+        <a:scrgbClr r="0" g="0" b="0"/>
+      </a:effectRef>
+      <a:fontRef idx="minor"/>
+    </dgm:style>
+  </dgm:styleLbl>
+  <dgm:styleLbl name="fgAcc2">
+    <dgm:scene3d>
+      <a:camera prst="orthographicFront"/>
+      <a:lightRig rig="threePt" dir="t"/>
+    </dgm:scene3d>
+    <dgm:sp3d/>
+    <dgm:txPr/>
+    <dgm:style>
+      <a:lnRef idx="2">
+        <a:scrgbClr r="0" g="0" b="0"/>
+      </a:lnRef>
+      <a:fillRef idx="1">
+        <a:scrgbClr r="0" g="0" b="0"/>
+      </a:fillRef>
+      <a:effectRef idx="0">
+        <a:scrgbClr r="0" g="0" b="0"/>
+      </a:effectRef>
+      <a:fontRef idx="minor"/>
+    </dgm:style>
+  </dgm:styleLbl>
+  <dgm:styleLbl name="fgAcc3">
+    <dgm:scene3d>
+      <a:camera prst="orthographicFront"/>
+      <a:lightRig rig="threePt" dir="t"/>
+    </dgm:scene3d>
+    <dgm:sp3d/>
+    <dgm:txPr/>
+    <dgm:style>
+      <a:lnRef idx="2">
+        <a:scrgbClr r="0" g="0" b="0"/>
+      </a:lnRef>
+      <a:fillRef idx="1">
+        <a:scrgbClr r="0" g="0" b="0"/>
+      </a:fillRef>
+      <a:effectRef idx="0">
+        <a:scrgbClr r="0" g="0" b="0"/>
+      </a:effectRef>
+      <a:fontRef idx="minor"/>
+    </dgm:style>
+  </dgm:styleLbl>
+  <dgm:styleLbl name="fgAcc4">
+    <dgm:scene3d>
+      <a:camera prst="orthographicFront"/>
+      <a:lightRig rig="threePt" dir="t"/>
+    </dgm:scene3d>
+    <dgm:sp3d/>
+    <dgm:txPr/>
+    <dgm:style>
+      <a:lnRef idx="2">
+        <a:scrgbClr r="0" g="0" b="0"/>
+      </a:lnRef>
+      <a:fillRef idx="1">
+        <a:scrgbClr r="0" g="0" b="0"/>
+      </a:fillRef>
+      <a:effectRef idx="0">
+        <a:scrgbClr r="0" g="0" b="0"/>
+      </a:effectRef>
+      <a:fontRef idx="minor"/>
+    </dgm:style>
+  </dgm:styleLbl>
+  <dgm:styleLbl name="bgShp">
+    <dgm:scene3d>
+      <a:camera prst="orthographicFront"/>
+      <a:lightRig rig="threePt" dir="t"/>
+    </dgm:scene3d>
+    <dgm:sp3d/>
+    <dgm:txPr/>
+    <dgm:style>
+      <a:lnRef idx="0">
+        <a:scrgbClr r="0" g="0" b="0"/>
+      </a:lnRef>
+      <a:fillRef idx="1">
+        <a:scrgbClr r="0" g="0" b="0"/>
+      </a:fillRef>
+      <a:effectRef idx="0">
+        <a:scrgbClr r="0" g="0" b="0"/>
+      </a:effectRef>
+      <a:fontRef idx="minor"/>
+    </dgm:style>
+  </dgm:styleLbl>
+  <dgm:styleLbl name="dkBgShp">
+    <dgm:scene3d>
+      <a:camera prst="orthographicFront"/>
+      <a:lightRig rig="threePt" dir="t"/>
+    </dgm:scene3d>
+    <dgm:sp3d/>
+    <dgm:txPr/>
+    <dgm:style>
+      <a:lnRef idx="0">
+        <a:scrgbClr r="0" g="0" b="0"/>
+      </a:lnRef>
+      <a:fillRef idx="1">
+        <a:scrgbClr r="0" g="0" b="0"/>
+      </a:fillRef>
+      <a:effectRef idx="0">
+        <a:scrgbClr r="0" g="0" b="0"/>
+      </a:effectRef>
+      <a:fontRef idx="minor"/>
+    </dgm:style>
+  </dgm:styleLbl>
+  <dgm:styleLbl name="trBgShp">
+    <dgm:scene3d>
+      <a:camera prst="orthographicFront"/>
+      <a:lightRig rig="threePt" dir="t"/>
+    </dgm:scene3d>
+    <dgm:sp3d/>
+    <dgm:txPr/>
+    <dgm:style>
+      <a:lnRef idx="0">
+        <a:scrgbClr r="0" g="0" b="0"/>
+      </a:lnRef>
+      <a:fillRef idx="1">
+        <a:scrgbClr r="0" g="0" b="0"/>
+      </a:fillRef>
+      <a:effectRef idx="0">
+        <a:scrgbClr r="0" g="0" b="0"/>
+      </a:effectRef>
+      <a:fontRef idx="minor"/>
+    </dgm:style>
+  </dgm:styleLbl>
+  <dgm:styleLbl name="fgShp">
+    <dgm:scene3d>
+      <a:camera prst="orthographicFront"/>
+      <a:lightRig rig="threePt" dir="t"/>
+    </dgm:scene3d>
+    <dgm:sp3d/>
+    <dgm:txPr/>
+    <dgm:style>
+      <a:lnRef idx="2">
+        <a:scrgbClr r="0" g="0" b="0"/>
+      </a:lnRef>
+      <a:fillRef idx="1">
+        <a:scrgbClr r="0" g="0" b="0"/>
+      </a:fillRef>
+      <a:effectRef idx="0">
+        <a:scrgbClr r="0" g="0" b="0"/>
+      </a:effectRef>
+      <a:fontRef idx="minor"/>
+    </dgm:style>
+  </dgm:styleLbl>
+  <dgm:styleLbl name="revTx">
+    <dgm:scene3d>
+      <a:camera prst="orthographicFront"/>
+      <a:lightRig rig="threePt" dir="t"/>
+    </dgm:scene3d>
+    <dgm:sp3d/>
+    <dgm:txPr/>
+    <dgm:style>
+      <a:lnRef idx="0">
+        <a:scrgbClr r="0" g="0" b="0"/>
+      </a:lnRef>
+      <a:fillRef idx="0">
+        <a:scrgbClr r="0" g="0" b="0"/>
+      </a:fillRef>
+      <a:effectRef idx="0">
+        <a:scrgbClr r="0" g="0" b="0"/>
+      </a:effectRef>
+      <a:fontRef idx="minor"/>
+    </dgm:style>
+  </dgm:styleLbl>
+</dgm:styleDef>
 </file>
 
 <file path=ppt/slideLayouts/slideLayout1.xml><?xml version="1.0" encoding="utf-8"?>
@@ -5801,10 +8933,10 @@
           <a:lstStyle/>
           <a:p>
             <a:r>
-              <a:rPr lang="es-CO" noProof="0" dirty="0" smtClean="0"/>
-              <a:t>Resultados</a:t>
-            </a:r>
-            <a:endParaRPr lang="es-CO" noProof="0" dirty="0"/>
+              <a:rPr lang="es-CO" noProof="0" smtClean="0"/>
+              <a:t>Metodología</a:t>
+            </a:r>
+            <a:endParaRPr lang="es-CO" noProof="0"/>
           </a:p>
         </p:txBody>
       </p:sp>
@@ -5823,7 +8955,429 @@
           <a:bodyPr/>
           <a:lstStyle/>
           <a:p>
-            <a:endParaRPr lang="es-CO"/>
+            <a:r>
+              <a:rPr lang="es-CO" noProof="0" dirty="0" smtClean="0"/>
+              <a:t>Modelos</a:t>
+            </a:r>
+            <a:r>
+              <a:rPr lang="es-CO" baseline="0" noProof="0" dirty="0" smtClean="0"/>
+              <a:t> Estadísticos</a:t>
+            </a:r>
+          </a:p>
+          <a:p>
+            <a:pPr lvl="1"/>
+            <a:r>
+              <a:rPr lang="es-CO" baseline="0" noProof="0" dirty="0" smtClean="0"/>
+              <a:t>MANOVA</a:t>
+            </a:r>
+          </a:p>
+          <a:p>
+            <a:pPr lvl="1"/>
+            <a:r>
+              <a:rPr lang="es-CO" baseline="0" noProof="0" dirty="0" smtClean="0"/>
+              <a:t>Segmentación</a:t>
+            </a:r>
+          </a:p>
+          <a:p>
+            <a:pPr marL="1314450" lvl="3" indent="0">
+              <a:buNone/>
+            </a:pPr>
+            <a:r>
+              <a:rPr lang="en-US" sz="1400" b="0" i="0" kern="1200" baseline="0" noProof="0" dirty="0" smtClean="0">
+                <a:solidFill>
+                  <a:schemeClr val="tx2"/>
+                </a:solidFill>
+                <a:effectLst/>
+                <a:latin typeface="+mn-lt"/>
+                <a:ea typeface="+mn-ea"/>
+                <a:cs typeface="+mn-cs"/>
+              </a:rPr>
+              <a:t>"EII": spherical, equal volume </a:t>
+            </a:r>
+            <a:r>
+              <a:rPr lang="en-US" sz="1600" noProof="0" dirty="0" smtClean="0"/>
+              <a:t/>
+            </a:r>
+            <a:br>
+              <a:rPr lang="en-US" sz="1600" noProof="0" dirty="0" smtClean="0"/>
+            </a:br>
+            <a:r>
+              <a:rPr lang="en-US" sz="1400" b="0" i="0" kern="1200" baseline="0" noProof="0" dirty="0" smtClean="0">
+                <a:solidFill>
+                  <a:schemeClr val="tx2"/>
+                </a:solidFill>
+                <a:effectLst/>
+                <a:latin typeface="+mn-lt"/>
+                <a:ea typeface="+mn-ea"/>
+                <a:cs typeface="+mn-cs"/>
+              </a:rPr>
+              <a:t>"VII": spherical, unequal volume </a:t>
+            </a:r>
+            <a:r>
+              <a:rPr lang="en-US" sz="1600" noProof="0" dirty="0" smtClean="0"/>
+              <a:t/>
+            </a:r>
+            <a:br>
+              <a:rPr lang="en-US" sz="1600" noProof="0" dirty="0" smtClean="0"/>
+            </a:br>
+            <a:r>
+              <a:rPr lang="en-US" sz="1400" b="0" i="0" kern="1200" baseline="0" noProof="0" dirty="0" smtClean="0">
+                <a:solidFill>
+                  <a:schemeClr val="tx2"/>
+                </a:solidFill>
+                <a:effectLst/>
+                <a:latin typeface="+mn-lt"/>
+                <a:ea typeface="+mn-ea"/>
+                <a:cs typeface="+mn-cs"/>
+              </a:rPr>
+              <a:t>"EEI": diagonal, equal volume and shape</a:t>
+            </a:r>
+            <a:r>
+              <a:rPr lang="en-US" sz="1600" noProof="0" dirty="0" smtClean="0"/>
+              <a:t/>
+            </a:r>
+            <a:br>
+              <a:rPr lang="en-US" sz="1600" noProof="0" dirty="0" smtClean="0"/>
+            </a:br>
+            <a:r>
+              <a:rPr lang="en-US" sz="1400" b="0" i="0" kern="1200" baseline="0" noProof="0" dirty="0" smtClean="0">
+                <a:solidFill>
+                  <a:schemeClr val="tx2"/>
+                </a:solidFill>
+                <a:effectLst/>
+                <a:latin typeface="+mn-lt"/>
+                <a:ea typeface="+mn-ea"/>
+                <a:cs typeface="+mn-cs"/>
+              </a:rPr>
+              <a:t>"VEI": diagonal, varying volume, equal shape</a:t>
+            </a:r>
+            <a:r>
+              <a:rPr lang="en-US" sz="1600" noProof="0" dirty="0" smtClean="0"/>
+              <a:t/>
+            </a:r>
+            <a:br>
+              <a:rPr lang="en-US" sz="1600" noProof="0" dirty="0" smtClean="0"/>
+            </a:br>
+            <a:r>
+              <a:rPr lang="en-US" sz="1400" b="0" i="0" kern="1200" baseline="0" noProof="0" dirty="0" smtClean="0">
+                <a:solidFill>
+                  <a:schemeClr val="tx2"/>
+                </a:solidFill>
+                <a:effectLst/>
+                <a:latin typeface="+mn-lt"/>
+                <a:ea typeface="+mn-ea"/>
+                <a:cs typeface="+mn-cs"/>
+              </a:rPr>
+              <a:t>"EVI": diagonal, equal volume, varying shape </a:t>
+            </a:r>
+            <a:r>
+              <a:rPr lang="en-US" sz="1600" noProof="0" dirty="0" smtClean="0"/>
+              <a:t/>
+            </a:r>
+            <a:br>
+              <a:rPr lang="en-US" sz="1600" noProof="0" dirty="0" smtClean="0"/>
+            </a:br>
+            <a:r>
+              <a:rPr lang="en-US" sz="1400" b="0" i="0" kern="1200" baseline="0" noProof="0" dirty="0" smtClean="0">
+                <a:solidFill>
+                  <a:schemeClr val="tx2"/>
+                </a:solidFill>
+                <a:effectLst/>
+                <a:latin typeface="+mn-lt"/>
+                <a:ea typeface="+mn-ea"/>
+                <a:cs typeface="+mn-cs"/>
+              </a:rPr>
+              <a:t>"VVI": diagonal, varying volume and shape </a:t>
+            </a:r>
+            <a:r>
+              <a:rPr lang="en-US" sz="1600" noProof="0" dirty="0" smtClean="0"/>
+              <a:t/>
+            </a:r>
+            <a:br>
+              <a:rPr lang="en-US" sz="1600" noProof="0" dirty="0" smtClean="0"/>
+            </a:br>
+            <a:r>
+              <a:rPr lang="en-US" sz="1400" b="0" i="0" kern="1200" baseline="0" noProof="0" dirty="0" smtClean="0">
+                <a:solidFill>
+                  <a:schemeClr val="tx2"/>
+                </a:solidFill>
+                <a:effectLst/>
+                <a:latin typeface="+mn-lt"/>
+                <a:ea typeface="+mn-ea"/>
+                <a:cs typeface="+mn-cs"/>
+              </a:rPr>
+              <a:t>"EEE": ellipsoidal, equal volume, shape, and orientation </a:t>
+            </a:r>
+            <a:r>
+              <a:rPr lang="en-US" sz="1600" noProof="0" dirty="0" smtClean="0"/>
+              <a:t/>
+            </a:r>
+            <a:br>
+              <a:rPr lang="en-US" sz="1600" noProof="0" dirty="0" smtClean="0"/>
+            </a:br>
+            <a:r>
+              <a:rPr lang="en-US" sz="1400" b="0" i="0" kern="1200" baseline="0" noProof="0" dirty="0" smtClean="0">
+                <a:solidFill>
+                  <a:schemeClr val="tx2"/>
+                </a:solidFill>
+                <a:effectLst/>
+                <a:latin typeface="+mn-lt"/>
+                <a:ea typeface="+mn-ea"/>
+                <a:cs typeface="+mn-cs"/>
+              </a:rPr>
+              <a:t>"EEV": ellipsoidal, equal volume and equal shape</a:t>
+            </a:r>
+            <a:r>
+              <a:rPr lang="en-US" sz="1600" noProof="0" dirty="0" smtClean="0"/>
+              <a:t/>
+            </a:r>
+            <a:br>
+              <a:rPr lang="en-US" sz="1600" noProof="0" dirty="0" smtClean="0"/>
+            </a:br>
+            <a:r>
+              <a:rPr lang="en-US" sz="1400" b="0" i="0" kern="1200" baseline="0" noProof="0" dirty="0" smtClean="0">
+                <a:solidFill>
+                  <a:schemeClr val="tx2"/>
+                </a:solidFill>
+                <a:effectLst/>
+                <a:latin typeface="+mn-lt"/>
+                <a:ea typeface="+mn-ea"/>
+                <a:cs typeface="+mn-cs"/>
+              </a:rPr>
+              <a:t>"VEV": ellipsoidal, equal shape </a:t>
+            </a:r>
+            <a:r>
+              <a:rPr lang="en-US" sz="1600" noProof="0" dirty="0" smtClean="0"/>
+              <a:t/>
+            </a:r>
+            <a:br>
+              <a:rPr lang="en-US" sz="1600" noProof="0" dirty="0" smtClean="0"/>
+            </a:br>
+            <a:r>
+              <a:rPr lang="en-US" sz="1400" b="0" i="0" kern="1200" baseline="0" noProof="0" dirty="0" smtClean="0">
+                <a:solidFill>
+                  <a:schemeClr val="tx2"/>
+                </a:solidFill>
+                <a:effectLst/>
+                <a:latin typeface="+mn-lt"/>
+                <a:ea typeface="+mn-ea"/>
+                <a:cs typeface="+mn-cs"/>
+              </a:rPr>
+              <a:t>"VVV": ellipsoidal, varying volume, shape, and orientation</a:t>
+            </a:r>
+            <a:endParaRPr lang="en-US" sz="1600" baseline="0" noProof="0" dirty="0" smtClean="0"/>
+          </a:p>
+        </p:txBody>
+      </p:sp>
+    </p:spTree>
+    <p:extLst>
+      <p:ext uri="{BB962C8B-B14F-4D97-AF65-F5344CB8AC3E}">
+        <p14:creationId xmlns:p14="http://schemas.microsoft.com/office/powerpoint/2010/main" val="1272388084"/>
+      </p:ext>
+    </p:extLst>
+  </p:cSld>
+  <p:clrMapOvr>
+    <a:masterClrMapping/>
+  </p:clrMapOvr>
+  <p:timing>
+    <p:tnLst>
+      <p:par>
+        <p:cTn id="1" dur="indefinite" restart="never" nodeType="tmRoot"/>
+      </p:par>
+    </p:tnLst>
+  </p:timing>
+</p:sld>
+</file>
+
+<file path=ppt/slides/slide11.xml><?xml version="1.0" encoding="utf-8"?>
+<p:sld xmlns:a="http://schemas.openxmlformats.org/drawingml/2006/main" xmlns:r="http://schemas.openxmlformats.org/officeDocument/2006/relationships" xmlns:p="http://schemas.openxmlformats.org/presentationml/2006/main">
+  <p:cSld>
+    <p:spTree>
+      <p:nvGrpSpPr>
+        <p:cNvPr id="1" name=""/>
+        <p:cNvGrpSpPr/>
+        <p:nvPr/>
+      </p:nvGrpSpPr>
+      <p:grpSpPr>
+        <a:xfrm>
+          <a:off x="0" y="0"/>
+          <a:ext cx="0" cy="0"/>
+          <a:chOff x="0" y="0"/>
+          <a:chExt cx="0" cy="0"/>
+        </a:xfrm>
+      </p:grpSpPr>
+      <p:sp>
+        <p:nvSpPr>
+          <p:cNvPr id="2" name="Title 1"/>
+          <p:cNvSpPr>
+            <a:spLocks noGrp="1"/>
+          </p:cNvSpPr>
+          <p:nvPr>
+            <p:ph type="title"/>
+          </p:nvPr>
+        </p:nvSpPr>
+        <p:spPr/>
+        <p:txBody>
+          <a:bodyPr/>
+          <a:lstStyle/>
+          <a:p>
+            <a:r>
+              <a:rPr lang="es-CO" noProof="0" dirty="0" smtClean="0"/>
+              <a:t>Resultados</a:t>
+            </a:r>
+            <a:endParaRPr lang="es-CO" noProof="0" dirty="0"/>
+          </a:p>
+        </p:txBody>
+      </p:sp>
+      <p:sp>
+        <p:nvSpPr>
+          <p:cNvPr id="3" name="Content Placeholder 2"/>
+          <p:cNvSpPr>
+            <a:spLocks noGrp="1"/>
+          </p:cNvSpPr>
+          <p:nvPr>
+            <p:ph idx="1"/>
+          </p:nvPr>
+        </p:nvSpPr>
+        <p:spPr/>
+        <p:txBody>
+          <a:bodyPr/>
+          <a:lstStyle/>
+          <a:p>
+            <a:pPr rtl="0" eaLnBrk="1" latinLnBrk="0" hangingPunct="1"/>
+            <a:r>
+              <a:rPr lang="es-CO" sz="2000" kern="1200" baseline="0" noProof="0" smtClean="0">
+                <a:solidFill>
+                  <a:schemeClr val="tx2"/>
+                </a:solidFill>
+                <a:effectLst/>
+                <a:latin typeface="+mn-lt"/>
+                <a:ea typeface="+mn-ea"/>
+                <a:cs typeface="+mn-cs"/>
+              </a:rPr>
+              <a:t>Características de la Herramienta:</a:t>
+            </a:r>
+          </a:p>
+          <a:p>
+            <a:pPr marL="400050" lvl="1" indent="0" rtl="0" eaLnBrk="1" latinLnBrk="0" hangingPunct="1">
+              <a:buNone/>
+            </a:pPr>
+            <a:r>
+              <a:rPr lang="es-CO" sz="1600" kern="1200" baseline="0" noProof="0" smtClean="0">
+                <a:solidFill>
+                  <a:schemeClr val="tx2"/>
+                </a:solidFill>
+                <a:effectLst/>
+                <a:latin typeface="+mn-lt"/>
+                <a:ea typeface="+mn-ea"/>
+                <a:cs typeface="+mn-cs"/>
+              </a:rPr>
+              <a:t>Se quiere que la herramienta realice un informe que contenga:</a:t>
+            </a:r>
+            <a:endParaRPr lang="es-CO" noProof="0" smtClean="0">
+              <a:effectLst/>
+            </a:endParaRPr>
+          </a:p>
+          <a:p>
+            <a:pPr marL="685800" lvl="1" indent="-285750" rtl="0" eaLnBrk="1" latinLnBrk="0" hangingPunct="1"/>
+            <a:r>
+              <a:rPr lang="es-CO" sz="1600" kern="1200" baseline="0" noProof="0" smtClean="0">
+                <a:solidFill>
+                  <a:schemeClr val="tx2"/>
+                </a:solidFill>
+                <a:effectLst/>
+                <a:latin typeface="+mn-lt"/>
+                <a:ea typeface="+mn-ea"/>
+                <a:cs typeface="+mn-cs"/>
+              </a:rPr>
+              <a:t>Segmentación del mercado para la categoría a analizar.</a:t>
+            </a:r>
+            <a:endParaRPr lang="es-CO" noProof="0" smtClean="0">
+              <a:effectLst/>
+            </a:endParaRPr>
+          </a:p>
+          <a:p>
+            <a:pPr lvl="1" rtl="0" eaLnBrk="1" latinLnBrk="0" hangingPunct="1"/>
+            <a:r>
+              <a:rPr lang="es-CO" sz="1600" kern="1200" baseline="0" noProof="0" smtClean="0">
+                <a:solidFill>
+                  <a:schemeClr val="tx2"/>
+                </a:solidFill>
+                <a:effectLst/>
+                <a:latin typeface="+mn-lt"/>
+                <a:ea typeface="+mn-ea"/>
+                <a:cs typeface="+mn-cs"/>
+              </a:rPr>
+              <a:t>Características de los segmentos del mercado.</a:t>
+            </a:r>
+            <a:endParaRPr lang="es-CO" noProof="0" smtClean="0">
+              <a:effectLst/>
+            </a:endParaRPr>
+          </a:p>
+          <a:p>
+            <a:pPr lvl="1" rtl="0" eaLnBrk="1" latinLnBrk="0" hangingPunct="1"/>
+            <a:r>
+              <a:rPr lang="es-CO" sz="1600" kern="1200" baseline="0" noProof="0" smtClean="0">
+                <a:solidFill>
+                  <a:schemeClr val="tx2"/>
+                </a:solidFill>
+                <a:effectLst/>
+                <a:latin typeface="+mn-lt"/>
+                <a:ea typeface="+mn-ea"/>
+                <a:cs typeface="+mn-cs"/>
+              </a:rPr>
+              <a:t>Recomendación de mercados para el nuevo producto.</a:t>
+            </a:r>
+            <a:endParaRPr lang="es-CO" noProof="0" smtClean="0">
+              <a:effectLst/>
+            </a:endParaRPr>
+          </a:p>
+          <a:p>
+            <a:pPr lvl="1" rtl="0" eaLnBrk="1" latinLnBrk="0" hangingPunct="1"/>
+            <a:r>
+              <a:rPr lang="es-CO" sz="1600" kern="1200" baseline="0" noProof="0" smtClean="0">
+                <a:solidFill>
+                  <a:schemeClr val="tx2"/>
+                </a:solidFill>
+                <a:effectLst/>
+                <a:latin typeface="+mn-lt"/>
+                <a:ea typeface="+mn-ea"/>
+                <a:cs typeface="+mn-cs"/>
+              </a:rPr>
+              <a:t>Características claves para el nuevo producto.</a:t>
+            </a:r>
+            <a:endParaRPr lang="es-CO" noProof="0" smtClean="0">
+              <a:effectLst/>
+            </a:endParaRPr>
+          </a:p>
+          <a:p>
+            <a:pPr lvl="1" rtl="0" eaLnBrk="1" latinLnBrk="0" hangingPunct="1"/>
+            <a:r>
+              <a:rPr lang="es-CO" sz="1600" kern="1200" baseline="0" noProof="0" smtClean="0">
+                <a:solidFill>
+                  <a:schemeClr val="tx2"/>
+                </a:solidFill>
+                <a:effectLst/>
+                <a:latin typeface="+mn-lt"/>
+                <a:ea typeface="+mn-ea"/>
+                <a:cs typeface="+mn-cs"/>
+              </a:rPr>
+              <a:t>Características del estilo de vida de cada segmento.</a:t>
+            </a:r>
+          </a:p>
+          <a:p>
+            <a:pPr marL="457200" lvl="1" indent="0" rtl="0" eaLnBrk="1" latinLnBrk="0" hangingPunct="1">
+              <a:buNone/>
+            </a:pPr>
+            <a:r>
+              <a:rPr lang="es-CO" noProof="0" smtClean="0">
+                <a:effectLst/>
+              </a:rPr>
+              <a:t>Amigable al usuario.</a:t>
+            </a:r>
+          </a:p>
+          <a:p>
+            <a:endParaRPr lang="es-CO" noProof="0"/>
           </a:p>
         </p:txBody>
       </p:sp>
@@ -5831,6 +9385,217 @@
     <p:extLst>
       <p:ext uri="{BB962C8B-B14F-4D97-AF65-F5344CB8AC3E}">
         <p14:creationId xmlns:p14="http://schemas.microsoft.com/office/powerpoint/2010/main" val="486726677"/>
+      </p:ext>
+    </p:extLst>
+  </p:cSld>
+  <p:clrMapOvr>
+    <a:masterClrMapping/>
+  </p:clrMapOvr>
+  <p:timing>
+    <p:tnLst>
+      <p:par>
+        <p:cTn id="1" dur="indefinite" restart="never" nodeType="tmRoot"/>
+      </p:par>
+    </p:tnLst>
+  </p:timing>
+</p:sld>
+</file>
+
+<file path=ppt/slides/slide12.xml><?xml version="1.0" encoding="utf-8"?>
+<p:sld xmlns:a="http://schemas.openxmlformats.org/drawingml/2006/main" xmlns:r="http://schemas.openxmlformats.org/officeDocument/2006/relationships" xmlns:p="http://schemas.openxmlformats.org/presentationml/2006/main">
+  <p:cSld>
+    <p:spTree>
+      <p:nvGrpSpPr>
+        <p:cNvPr id="1" name=""/>
+        <p:cNvGrpSpPr/>
+        <p:nvPr/>
+      </p:nvGrpSpPr>
+      <p:grpSpPr>
+        <a:xfrm>
+          <a:off x="0" y="0"/>
+          <a:ext cx="0" cy="0"/>
+          <a:chOff x="0" y="0"/>
+          <a:chExt cx="0" cy="0"/>
+        </a:xfrm>
+      </p:grpSpPr>
+      <p:sp>
+        <p:nvSpPr>
+          <p:cNvPr id="2" name="Title 1"/>
+          <p:cNvSpPr>
+            <a:spLocks noGrp="1"/>
+          </p:cNvSpPr>
+          <p:nvPr>
+            <p:ph type="title"/>
+          </p:nvPr>
+        </p:nvSpPr>
+        <p:spPr/>
+        <p:txBody>
+          <a:bodyPr>
+            <a:normAutofit/>
+          </a:bodyPr>
+          <a:lstStyle/>
+          <a:p>
+            <a:r>
+              <a:rPr lang="es-CO" noProof="0" smtClean="0"/>
+              <a:t>Resultados</a:t>
+            </a:r>
+            <a:endParaRPr lang="es-CO" noProof="0"/>
+          </a:p>
+        </p:txBody>
+      </p:sp>
+      <p:sp>
+        <p:nvSpPr>
+          <p:cNvPr id="3" name="Content Placeholder 2"/>
+          <p:cNvSpPr>
+            <a:spLocks noGrp="1"/>
+          </p:cNvSpPr>
+          <p:nvPr>
+            <p:ph idx="1"/>
+          </p:nvPr>
+        </p:nvSpPr>
+        <p:spPr/>
+        <p:txBody>
+          <a:bodyPr/>
+          <a:lstStyle/>
+          <a:p>
+            <a:endParaRPr lang="es-CO"/>
+          </a:p>
+        </p:txBody>
+      </p:sp>
+    </p:spTree>
+    <p:extLst>
+      <p:ext uri="{BB962C8B-B14F-4D97-AF65-F5344CB8AC3E}">
+        <p14:creationId xmlns:p14="http://schemas.microsoft.com/office/powerpoint/2010/main" val="2455409311"/>
+      </p:ext>
+    </p:extLst>
+  </p:cSld>
+  <p:clrMapOvr>
+    <a:masterClrMapping/>
+  </p:clrMapOvr>
+  <p:timing>
+    <p:tnLst>
+      <p:par>
+        <p:cTn id="1" dur="indefinite" restart="never" nodeType="tmRoot"/>
+      </p:par>
+    </p:tnLst>
+  </p:timing>
+</p:sld>
+</file>
+
+<file path=ppt/slides/slide13.xml><?xml version="1.0" encoding="utf-8"?>
+<p:sld xmlns:a="http://schemas.openxmlformats.org/drawingml/2006/main" xmlns:r="http://schemas.openxmlformats.org/officeDocument/2006/relationships" xmlns:p="http://schemas.openxmlformats.org/presentationml/2006/main">
+  <p:cSld>
+    <p:spTree>
+      <p:nvGrpSpPr>
+        <p:cNvPr id="1" name=""/>
+        <p:cNvGrpSpPr/>
+        <p:nvPr/>
+      </p:nvGrpSpPr>
+      <p:grpSpPr>
+        <a:xfrm>
+          <a:off x="0" y="0"/>
+          <a:ext cx="0" cy="0"/>
+          <a:chOff x="0" y="0"/>
+          <a:chExt cx="0" cy="0"/>
+        </a:xfrm>
+      </p:grpSpPr>
+      <p:sp>
+        <p:nvSpPr>
+          <p:cNvPr id="2" name="Title 1"/>
+          <p:cNvSpPr>
+            <a:spLocks noGrp="1"/>
+          </p:cNvSpPr>
+          <p:nvPr>
+            <p:ph type="title"/>
+          </p:nvPr>
+        </p:nvSpPr>
+        <p:spPr/>
+        <p:txBody>
+          <a:bodyPr/>
+          <a:lstStyle/>
+          <a:p>
+            <a:r>
+              <a:rPr lang="es-CO" noProof="0" dirty="0" smtClean="0"/>
+              <a:t>Resultados</a:t>
+            </a:r>
+            <a:endParaRPr lang="es-CO" noProof="0" dirty="0"/>
+          </a:p>
+        </p:txBody>
+      </p:sp>
+      <p:sp>
+        <p:nvSpPr>
+          <p:cNvPr id="3" name="Content Placeholder 2"/>
+          <p:cNvSpPr>
+            <a:spLocks noGrp="1"/>
+          </p:cNvSpPr>
+          <p:nvPr>
+            <p:ph idx="1"/>
+          </p:nvPr>
+        </p:nvSpPr>
+        <p:spPr/>
+        <p:txBody>
+          <a:bodyPr/>
+          <a:lstStyle/>
+          <a:p>
+            <a:pPr marL="0" indent="0">
+              <a:buNone/>
+            </a:pPr>
+            <a:r>
+              <a:rPr lang="es-CO" noProof="0" dirty="0" smtClean="0"/>
+              <a:t>Beneficios:</a:t>
+            </a:r>
+          </a:p>
+          <a:p>
+            <a:pPr marL="0" indent="0">
+              <a:buNone/>
+            </a:pPr>
+            <a:endParaRPr lang="es-CO" noProof="0" dirty="0" smtClean="0"/>
+          </a:p>
+          <a:p>
+            <a:pPr marL="342900" indent="-342900"/>
+            <a:r>
+              <a:rPr lang="es-CO" noProof="0" dirty="0" smtClean="0"/>
+              <a:t>Usabilidad.</a:t>
+            </a:r>
+          </a:p>
+          <a:p>
+            <a:pPr marL="342900" indent="-342900"/>
+            <a:r>
+              <a:rPr lang="es-CO" noProof="0" dirty="0" smtClean="0"/>
+              <a:t>No</a:t>
+            </a:r>
+            <a:r>
+              <a:rPr lang="es-CO" baseline="0" noProof="0" dirty="0" smtClean="0"/>
+              <a:t> requiere conocimientos estadísticos.</a:t>
+            </a:r>
+          </a:p>
+          <a:p>
+            <a:pPr marL="342900" indent="-342900"/>
+            <a:r>
+              <a:rPr lang="es-CO" baseline="0" noProof="0" dirty="0" smtClean="0"/>
+              <a:t>Ofrece información rápida y útil sobre una categoría.</a:t>
+            </a:r>
+          </a:p>
+          <a:p>
+            <a:pPr marL="342900" indent="-342900"/>
+            <a:r>
+              <a:rPr lang="es-CO" baseline="0" noProof="0" dirty="0" smtClean="0"/>
+              <a:t>Información clave para el desarrollo de nuevo producto.</a:t>
+            </a:r>
+          </a:p>
+          <a:p>
+            <a:pPr marL="342900" indent="-342900"/>
+            <a:r>
+              <a:rPr lang="es-CO" baseline="0" noProof="0" dirty="0" smtClean="0"/>
+              <a:t>Versatilidad.</a:t>
+            </a:r>
+          </a:p>
+        </p:txBody>
+      </p:sp>
+    </p:spTree>
+    <p:extLst>
+      <p:ext uri="{BB962C8B-B14F-4D97-AF65-F5344CB8AC3E}">
+        <p14:creationId xmlns:p14="http://schemas.microsoft.com/office/powerpoint/2010/main" val="2849507084"/>
       </p:ext>
     </p:extLst>
   </p:cSld>
@@ -6008,7 +9773,7 @@
             </a:r>
             <a:r>
               <a:rPr lang="es-CO" b="1" baseline="0" noProof="0" smtClean="0"/>
-              <a:t>. Selección de Software</a:t>
+              <a:t>. Solución</a:t>
             </a:r>
           </a:p>
           <a:p>
@@ -6423,10 +10188,10 @@
           <a:lstStyle/>
           <a:p>
             <a:r>
-              <a:rPr lang="es-CO" noProof="0" dirty="0" smtClean="0"/>
+              <a:rPr lang="es-CO" noProof="0" smtClean="0"/>
               <a:t>Marco Teórico</a:t>
             </a:r>
-            <a:endParaRPr lang="es-CO" noProof="0" dirty="0"/>
+            <a:endParaRPr lang="es-CO" noProof="0"/>
           </a:p>
         </p:txBody>
       </p:sp>
@@ -6445,10 +10210,72 @@
           <a:bodyPr/>
           <a:lstStyle/>
           <a:p>
-            <a:pPr marL="0" indent="0">
-              <a:buNone/>
-            </a:pPr>
-            <a:endParaRPr lang="es-CO" dirty="0"/>
+            <a:pPr marL="342900" indent="-342900"/>
+            <a:r>
+              <a:rPr lang="es-CO" noProof="0" smtClean="0"/>
+              <a:t>Información</a:t>
+            </a:r>
+            <a:r>
+              <a:rPr lang="es-CO" baseline="0" noProof="0" smtClean="0"/>
+              <a:t> del Mercado</a:t>
+            </a:r>
+            <a:br>
+              <a:rPr lang="es-CO" baseline="0" noProof="0" smtClean="0"/>
+            </a:br>
+            <a:r>
+              <a:rPr lang="es-CO" baseline="0" noProof="0" smtClean="0"/>
+              <a:t>Diferentes tipos de procesos de investigación con distintas finalidades.</a:t>
+            </a:r>
+          </a:p>
+          <a:p>
+            <a:pPr marL="742950" lvl="1" indent="-342900"/>
+            <a:r>
+              <a:rPr lang="es-CO" sz="1800" baseline="0" noProof="0" smtClean="0"/>
+              <a:t>Exploratorio</a:t>
+            </a:r>
+            <a:br>
+              <a:rPr lang="es-CO" sz="1800" baseline="0" noProof="0" smtClean="0"/>
+            </a:br>
+            <a:r>
+              <a:rPr lang="es-CO" sz="1800" baseline="0" noProof="0" smtClean="0"/>
+              <a:t>Visión global del problema con poca especificidad.</a:t>
+            </a:r>
+          </a:p>
+          <a:p>
+            <a:pPr marL="742950" lvl="1" indent="-342900"/>
+            <a:endParaRPr lang="es-CO" sz="1800" baseline="0" noProof="0" smtClean="0"/>
+          </a:p>
+          <a:p>
+            <a:pPr marL="742950" lvl="1" indent="-342900"/>
+            <a:r>
+              <a:rPr lang="es-CO" sz="1800" baseline="0" noProof="0" smtClean="0"/>
+              <a:t>Descriptivo</a:t>
+            </a:r>
+            <a:br>
+              <a:rPr lang="es-CO" sz="1800" baseline="0" noProof="0" smtClean="0"/>
+            </a:br>
+            <a:r>
+              <a:rPr lang="es-CO" sz="1800" baseline="0" noProof="0" smtClean="0"/>
+              <a:t>Información específica sobre el mercado.</a:t>
+            </a:r>
+          </a:p>
+          <a:p>
+            <a:pPr marL="742950" lvl="1" indent="-342900"/>
+            <a:endParaRPr lang="es-CO" sz="1800" baseline="0" noProof="0" smtClean="0"/>
+          </a:p>
+          <a:p>
+            <a:pPr marL="742950" lvl="1" indent="-342900"/>
+            <a:r>
+              <a:rPr lang="es-CO" sz="1800" baseline="0" noProof="0" smtClean="0"/>
+              <a:t>Causal</a:t>
+            </a:r>
+            <a:br>
+              <a:rPr lang="es-CO" sz="1800" baseline="0" noProof="0" smtClean="0"/>
+            </a:br>
+            <a:r>
+              <a:rPr lang="es-CO" sz="1800" baseline="0" noProof="0" smtClean="0"/>
+              <a:t>Causalidad de una variable sobre otra en el mercado.</a:t>
+            </a:r>
           </a:p>
         </p:txBody>
       </p:sp>
@@ -6527,10 +10354,120 @@
           <a:bodyPr/>
           <a:lstStyle/>
           <a:p>
-            <a:pPr marL="0" indent="0">
-              <a:buNone/>
-            </a:pPr>
-            <a:endParaRPr lang="es-CO" dirty="0"/>
+            <a:pPr rtl="0" eaLnBrk="1" latinLnBrk="0" hangingPunct="1"/>
+            <a:r>
+              <a:rPr lang="es-CO" sz="2000" kern="1200" baseline="0" noProof="0" smtClean="0">
+                <a:solidFill>
+                  <a:schemeClr val="tx2"/>
+                </a:solidFill>
+                <a:effectLst/>
+                <a:latin typeface="+mn-lt"/>
+                <a:ea typeface="+mn-ea"/>
+                <a:cs typeface="+mn-cs"/>
+              </a:rPr>
+              <a:t>Segmentación de Mercados</a:t>
+            </a:r>
+            <a:endParaRPr lang="es-CO" sz="2800" kern="1200" baseline="0" noProof="0" smtClean="0">
+              <a:solidFill>
+                <a:schemeClr val="tx2"/>
+              </a:solidFill>
+              <a:effectLst/>
+              <a:latin typeface="+mn-lt"/>
+              <a:ea typeface="+mn-ea"/>
+              <a:cs typeface="+mn-cs"/>
+            </a:endParaRPr>
+          </a:p>
+          <a:p>
+            <a:pPr lvl="1" rtl="0" eaLnBrk="1" latinLnBrk="0" hangingPunct="1"/>
+            <a:r>
+              <a:rPr lang="es-CO" sz="2000" kern="1200" baseline="0" noProof="0" smtClean="0">
+                <a:solidFill>
+                  <a:schemeClr val="tx2"/>
+                </a:solidFill>
+                <a:effectLst/>
+                <a:latin typeface="+mn-lt"/>
+                <a:ea typeface="+mn-ea"/>
+                <a:cs typeface="+mn-cs"/>
+              </a:rPr>
+              <a:t>Realización de segmentos por características.</a:t>
+            </a:r>
+          </a:p>
+          <a:p>
+            <a:pPr lvl="1" rtl="0" eaLnBrk="1" latinLnBrk="0" hangingPunct="1"/>
+            <a:r>
+              <a:rPr lang="es-CO" sz="2000" noProof="0" smtClean="0">
+                <a:effectLst/>
+              </a:rPr>
+              <a:t>Ofrecer</a:t>
+            </a:r>
+            <a:r>
+              <a:rPr lang="es-CO" sz="2000" baseline="0" noProof="0" smtClean="0">
+                <a:effectLst/>
+              </a:rPr>
+              <a:t> mejores soluciones para necesidades similares.</a:t>
+            </a:r>
+          </a:p>
+          <a:p>
+            <a:pPr lvl="1" rtl="0" eaLnBrk="1" latinLnBrk="0" hangingPunct="1"/>
+            <a:r>
+              <a:rPr lang="es-CO" sz="2000" baseline="0" noProof="0" smtClean="0">
+                <a:solidFill>
+                  <a:srgbClr val="FF0000"/>
+                </a:solidFill>
+                <a:effectLst/>
+              </a:rPr>
+              <a:t>Error común: No es para facilitar la campaña publicitaria.</a:t>
+            </a:r>
+          </a:p>
+          <a:p>
+            <a:pPr lvl="1" rtl="0" eaLnBrk="1" latinLnBrk="0" hangingPunct="1"/>
+            <a:endParaRPr lang="es-CO" sz="1800" noProof="0" smtClean="0">
+              <a:solidFill>
+                <a:srgbClr val="FF0000"/>
+              </a:solidFill>
+              <a:effectLst/>
+            </a:endParaRPr>
+          </a:p>
+          <a:p>
+            <a:pPr rtl="0" eaLnBrk="1" latinLnBrk="0" hangingPunct="1"/>
+            <a:r>
+              <a:rPr lang="es-CO" sz="2000" kern="1200" baseline="0" noProof="0" smtClean="0">
+                <a:solidFill>
+                  <a:schemeClr val="tx2"/>
+                </a:solidFill>
+                <a:effectLst/>
+                <a:latin typeface="+mn-lt"/>
+                <a:ea typeface="+mn-ea"/>
+                <a:cs typeface="+mn-cs"/>
+              </a:rPr>
+              <a:t>Metodología</a:t>
+            </a:r>
+            <a:br>
+              <a:rPr lang="es-CO" sz="2000" kern="1200" baseline="0" noProof="0" smtClean="0">
+                <a:solidFill>
+                  <a:schemeClr val="tx2"/>
+                </a:solidFill>
+                <a:effectLst/>
+                <a:latin typeface="+mn-lt"/>
+                <a:ea typeface="+mn-ea"/>
+                <a:cs typeface="+mn-cs"/>
+              </a:rPr>
+            </a:br>
+            <a:r>
+              <a:rPr lang="es-CO" sz="2000" kern="1200" baseline="0" noProof="0" smtClean="0">
+                <a:solidFill>
+                  <a:schemeClr val="tx2"/>
+                </a:solidFill>
+                <a:effectLst/>
+                <a:latin typeface="+mn-lt"/>
+                <a:ea typeface="+mn-ea"/>
+                <a:cs typeface="+mn-cs"/>
+              </a:rPr>
+              <a:t>Minimizar varianza dentro de grupos maximizando varianza entre grupos.</a:t>
+            </a:r>
+            <a:endParaRPr lang="es-CO" noProof="0" smtClean="0">
+              <a:effectLst/>
+            </a:endParaRPr>
           </a:p>
         </p:txBody>
       </p:sp>
@@ -6609,10 +10546,117 @@
           <a:bodyPr/>
           <a:lstStyle/>
           <a:p>
+            <a:pPr rtl="0" eaLnBrk="1" latinLnBrk="0" hangingPunct="1"/>
+            <a:r>
+              <a:rPr lang="es-CO" sz="2000" kern="1200" baseline="0" noProof="0" smtClean="0">
+                <a:solidFill>
+                  <a:schemeClr val="tx2"/>
+                </a:solidFill>
+                <a:effectLst/>
+                <a:latin typeface="+mn-lt"/>
+                <a:ea typeface="+mn-ea"/>
+                <a:cs typeface="+mn-cs"/>
+              </a:rPr>
+              <a:t>Intención de Compra</a:t>
+            </a:r>
+            <a:endParaRPr lang="es-CO" sz="2000" noProof="0" smtClean="0">
+              <a:effectLst/>
+            </a:endParaRPr>
+          </a:p>
+          <a:p>
+            <a:pPr marL="400050" lvl="1" indent="0" rtl="0" eaLnBrk="1" latinLnBrk="0" hangingPunct="1">
+              <a:buNone/>
+            </a:pPr>
+            <a:r>
+              <a:rPr lang="es-CO" sz="1600" kern="1200" baseline="0" noProof="0" smtClean="0">
+                <a:solidFill>
+                  <a:schemeClr val="tx2"/>
+                </a:solidFill>
+                <a:effectLst/>
+                <a:latin typeface="+mn-lt"/>
+                <a:ea typeface="+mn-ea"/>
+                <a:cs typeface="+mn-cs"/>
+              </a:rPr>
+              <a:t>Difícil de medir y muy útil de saber.</a:t>
+            </a:r>
+            <a:endParaRPr lang="es-CO" noProof="0" smtClean="0">
+              <a:effectLst/>
+            </a:endParaRPr>
+          </a:p>
+          <a:p>
+            <a:pPr marL="400050" lvl="1" indent="0" rtl="0" eaLnBrk="1" latinLnBrk="0" hangingPunct="1">
+              <a:buNone/>
+            </a:pPr>
+            <a:r>
+              <a:rPr lang="es-CO" sz="1600" kern="1200" baseline="0" noProof="0" smtClean="0">
+                <a:solidFill>
+                  <a:schemeClr val="tx2"/>
+                </a:solidFill>
+                <a:effectLst/>
+                <a:latin typeface="+mn-lt"/>
+                <a:ea typeface="+mn-ea"/>
+                <a:cs typeface="+mn-cs"/>
+              </a:rPr>
+              <a:t>Se consigue por medio de encuestas.</a:t>
+            </a:r>
+            <a:endParaRPr lang="es-CO" noProof="0" smtClean="0">
+              <a:effectLst/>
+            </a:endParaRPr>
+          </a:p>
+          <a:p>
+            <a:pPr marL="400050" lvl="1" indent="0" rtl="0" eaLnBrk="1" latinLnBrk="0" hangingPunct="1">
+              <a:buNone/>
+            </a:pPr>
+            <a:endParaRPr lang="es-CO" noProof="0" smtClean="0">
+              <a:effectLst/>
+            </a:endParaRPr>
+          </a:p>
+          <a:p>
+            <a:pPr rtl="0" eaLnBrk="1" latinLnBrk="0" hangingPunct="1"/>
+            <a:r>
+              <a:rPr lang="es-CO" sz="2000" kern="1200" baseline="0" noProof="0" smtClean="0">
+                <a:solidFill>
+                  <a:schemeClr val="tx2"/>
+                </a:solidFill>
+                <a:effectLst/>
+                <a:latin typeface="+mn-lt"/>
+                <a:ea typeface="+mn-ea"/>
+                <a:cs typeface="+mn-cs"/>
+              </a:rPr>
+              <a:t>Beneficio de saber</a:t>
+            </a:r>
+            <a:br>
+              <a:rPr lang="es-CO" sz="2000" kern="1200" baseline="0" noProof="0" smtClean="0">
+                <a:solidFill>
+                  <a:schemeClr val="tx2"/>
+                </a:solidFill>
+                <a:effectLst/>
+                <a:latin typeface="+mn-lt"/>
+                <a:ea typeface="+mn-ea"/>
+                <a:cs typeface="+mn-cs"/>
+              </a:rPr>
+            </a:br>
+            <a:r>
+              <a:rPr lang="es-CO" sz="2000" kern="1200" baseline="0" noProof="0" smtClean="0">
+                <a:solidFill>
+                  <a:schemeClr val="tx2"/>
+                </a:solidFill>
+                <a:effectLst/>
+                <a:latin typeface="+mn-lt"/>
+                <a:ea typeface="+mn-ea"/>
+                <a:cs typeface="+mn-cs"/>
+              </a:rPr>
+              <a:t>Si se entiende el por qué de la intención de compra de los consumidores se puede intentar ofrecer un producto que satisfaga las necesidades y por tanto el cliente deseará comprarlo.</a:t>
+            </a:r>
+            <a:endParaRPr lang="es-CO" noProof="0" smtClean="0">
+              <a:effectLst/>
+            </a:endParaRPr>
+          </a:p>
+          <a:p>
             <a:pPr marL="0" indent="0">
               <a:buNone/>
             </a:pPr>
-            <a:endParaRPr lang="es-CO" dirty="0"/>
+            <a:endParaRPr lang="es-CO" noProof="0"/>
           </a:p>
         </p:txBody>
       </p:sp>
@@ -6691,13 +10735,42 @@
           <a:bodyPr/>
           <a:lstStyle/>
           <a:p>
-            <a:pPr marL="0" indent="0">
+            <a:pPr marL="342900" indent="-342900"/>
+            <a:r>
+              <a:rPr lang="es-CO" noProof="0" smtClean="0"/>
+              <a:t>Desarrollo de Nuevo Producto</a:t>
+            </a:r>
+          </a:p>
+          <a:p>
+            <a:pPr marL="400050" lvl="1" indent="0">
               <a:buNone/>
             </a:pPr>
-            <a:endParaRPr lang="es-CO" dirty="0"/>
+            <a:endParaRPr lang="es-CO" noProof="0"/>
           </a:p>
         </p:txBody>
       </p:sp>
+      <p:graphicFrame>
+        <p:nvGraphicFramePr>
+          <p:cNvPr id="4" name="Diagram 3"/>
+          <p:cNvGraphicFramePr/>
+          <p:nvPr>
+            <p:extLst>
+              <p:ext uri="{D42A27DB-BD31-4B8C-83A1-F6EECF244321}">
+                <p14:modId xmlns:p14="http://schemas.microsoft.com/office/powerpoint/2010/main" val="1565915819"/>
+              </p:ext>
+            </p:extLst>
+          </p:nvPr>
+        </p:nvGraphicFramePr>
+        <p:xfrm>
+          <a:off x="1043608" y="2492896"/>
+          <a:ext cx="6768752" cy="3960440"/>
+        </p:xfrm>
+        <a:graphic>
+          <a:graphicData uri="http://schemas.openxmlformats.org/drawingml/2006/diagram">
+            <dgm:relIds xmlns:dgm="http://schemas.openxmlformats.org/drawingml/2006/diagram" xmlns:r="http://schemas.openxmlformats.org/officeDocument/2006/relationships" r:dm="rId2" r:lo="rId3" r:qs="rId4" r:cs="rId5"/>
+          </a:graphicData>
+        </a:graphic>
+      </p:graphicFrame>
     </p:spTree>
     <p:extLst>
       <p:ext uri="{BB962C8B-B14F-4D97-AF65-F5344CB8AC3E}">
@@ -6768,15 +10841,507 @@
             <p:ph idx="1"/>
           </p:nvPr>
         </p:nvSpPr>
-        <p:spPr/>
+        <p:spPr>
+          <a:xfrm>
+            <a:off x="457200" y="1981200"/>
+            <a:ext cx="4114800" cy="4144963"/>
+          </a:xfrm>
+        </p:spPr>
         <p:txBody>
-          <a:bodyPr/>
+          <a:bodyPr numCol="1"/>
           <a:lstStyle/>
           <a:p>
-            <a:pPr marL="0" indent="0">
+            <a:pPr marL="342900" indent="-342900"/>
+            <a:r>
+              <a:rPr lang="es-CO" noProof="0" smtClean="0"/>
+              <a:t>Exito de Nuevo Producto</a:t>
+            </a:r>
+          </a:p>
+          <a:p>
+            <a:pPr marL="400050" lvl="1" indent="0">
               <a:buNone/>
             </a:pPr>
-            <a:endParaRPr lang="es-CO" dirty="0"/>
+            <a:endParaRPr lang="es-CO" noProof="0" smtClean="0"/>
+          </a:p>
+          <a:p>
+            <a:pPr marL="400050" lvl="1" indent="0">
+              <a:buNone/>
+            </a:pPr>
+            <a:r>
+              <a:rPr lang="es-CO" noProof="0" smtClean="0"/>
+              <a:t>Factores de Éxito</a:t>
+            </a:r>
+          </a:p>
+          <a:p>
+            <a:pPr marL="685800" lvl="1" indent="-285750"/>
+            <a:r>
+              <a:rPr lang="es-CO" noProof="0" smtClean="0"/>
+              <a:t>Definición de una estrategia</a:t>
+            </a:r>
+          </a:p>
+          <a:p>
+            <a:pPr marL="685800" lvl="1" indent="-285750"/>
+            <a:r>
+              <a:rPr lang="es-CO" u="sng" noProof="0" smtClean="0"/>
+              <a:t>Aprendizaje del mercado</a:t>
+            </a:r>
+          </a:p>
+          <a:p>
+            <a:pPr marL="685800" lvl="1" indent="-285750"/>
+            <a:r>
+              <a:rPr lang="es-CO" u="sng" noProof="0" smtClean="0"/>
+              <a:t>Población objetivo</a:t>
+            </a:r>
+          </a:p>
+          <a:p>
+            <a:pPr marL="685800" lvl="1" indent="-285750"/>
+            <a:r>
+              <a:rPr lang="es-CO" noProof="0" smtClean="0"/>
+              <a:t>Nivel de competencia</a:t>
+            </a:r>
+            <a:r>
+              <a:rPr lang="es-CO" baseline="0" noProof="0" smtClean="0"/>
+              <a:t> del mercado</a:t>
+            </a:r>
+          </a:p>
+          <a:p>
+            <a:pPr marL="685800" lvl="1" indent="-285750"/>
+            <a:r>
+              <a:rPr lang="es-CO" baseline="0" noProof="0" smtClean="0"/>
+              <a:t>Tiempo de desarrollo</a:t>
+            </a:r>
+          </a:p>
+          <a:p>
+            <a:pPr marL="685800" lvl="1" indent="-285750"/>
+            <a:r>
+              <a:rPr lang="es-CO" u="sng" baseline="0" noProof="0" smtClean="0"/>
+              <a:t>Superioridad del producto</a:t>
+            </a:r>
+            <a:endParaRPr lang="es-CO" u="sng" noProof="0"/>
+          </a:p>
+        </p:txBody>
+      </p:sp>
+      <p:sp>
+        <p:nvSpPr>
+          <p:cNvPr id="4" name="Content Placeholder 2"/>
+          <p:cNvSpPr txBox="1">
+            <a:spLocks/>
+          </p:cNvSpPr>
+          <p:nvPr/>
+        </p:nvSpPr>
+        <p:spPr>
+          <a:xfrm>
+            <a:off x="4705672" y="2092349"/>
+            <a:ext cx="4114800" cy="4144963"/>
+          </a:xfrm>
+          <a:prstGeom prst="rect">
+            <a:avLst/>
+          </a:prstGeom>
+        </p:spPr>
+        <p:txBody>
+          <a:bodyPr vert="horz" lIns="0" tIns="45720" rIns="0" bIns="45720" numCol="1" rtlCol="0">
+            <a:normAutofit lnSpcReduction="10000"/>
+          </a:bodyPr>
+          <a:lstStyle>
+            <a:lvl1pPr marL="342900" indent="-342900" algn="l" defTabSz="914400" rtl="0" eaLnBrk="1" latinLnBrk="0" hangingPunct="1">
+              <a:lnSpc>
+                <a:spcPct val="100000"/>
+              </a:lnSpc>
+              <a:spcBef>
+                <a:spcPct val="20000"/>
+              </a:spcBef>
+              <a:spcAft>
+                <a:spcPts val="600"/>
+              </a:spcAft>
+              <a:buFont typeface="Wingdings" pitchFamily="2" charset="2"/>
+              <a:buChar char="§"/>
+              <a:defRPr sz="2000" kern="1200" baseline="0">
+                <a:solidFill>
+                  <a:schemeClr val="tx2"/>
+                </a:solidFill>
+                <a:latin typeface="+mn-lt"/>
+                <a:ea typeface="+mn-ea"/>
+                <a:cs typeface="+mn-cs"/>
+              </a:defRPr>
+            </a:lvl1pPr>
+            <a:lvl2pPr marL="742950" indent="-285750" algn="l" defTabSz="914400" rtl="0" eaLnBrk="1" latinLnBrk="0" hangingPunct="1">
+              <a:lnSpc>
+                <a:spcPct val="100000"/>
+              </a:lnSpc>
+              <a:spcBef>
+                <a:spcPct val="20000"/>
+              </a:spcBef>
+              <a:spcAft>
+                <a:spcPts val="600"/>
+              </a:spcAft>
+              <a:buClr>
+                <a:schemeClr val="tx1">
+                  <a:lumMod val="50000"/>
+                  <a:lumOff val="50000"/>
+                </a:schemeClr>
+              </a:buClr>
+              <a:buFont typeface="Wingdings" pitchFamily="2" charset="2"/>
+              <a:buChar char="§"/>
+              <a:defRPr sz="1600" kern="1200" baseline="0">
+                <a:solidFill>
+                  <a:schemeClr val="tx2"/>
+                </a:solidFill>
+                <a:latin typeface="+mn-lt"/>
+                <a:ea typeface="+mn-ea"/>
+                <a:cs typeface="+mn-cs"/>
+              </a:defRPr>
+            </a:lvl2pPr>
+            <a:lvl3pPr marL="1143000" indent="-228600" algn="l" defTabSz="914400" rtl="0" eaLnBrk="1" latinLnBrk="0" hangingPunct="1">
+              <a:lnSpc>
+                <a:spcPct val="100000"/>
+              </a:lnSpc>
+              <a:spcBef>
+                <a:spcPct val="20000"/>
+              </a:spcBef>
+              <a:spcAft>
+                <a:spcPts val="600"/>
+              </a:spcAft>
+              <a:buFont typeface="Wingdings" pitchFamily="2" charset="2"/>
+              <a:buNone/>
+              <a:defRPr sz="1400" kern="1200" baseline="0">
+                <a:solidFill>
+                  <a:schemeClr val="tx2"/>
+                </a:solidFill>
+                <a:latin typeface="+mn-lt"/>
+                <a:ea typeface="+mn-ea"/>
+                <a:cs typeface="+mn-cs"/>
+              </a:defRPr>
+            </a:lvl3pPr>
+            <a:lvl4pPr marL="1600200" indent="-228600" algn="l" defTabSz="914400" rtl="0" eaLnBrk="1" latinLnBrk="0" hangingPunct="1">
+              <a:lnSpc>
+                <a:spcPct val="100000"/>
+              </a:lnSpc>
+              <a:spcBef>
+                <a:spcPct val="20000"/>
+              </a:spcBef>
+              <a:spcAft>
+                <a:spcPts val="600"/>
+              </a:spcAft>
+              <a:buClr>
+                <a:schemeClr val="tx1">
+                  <a:lumMod val="50000"/>
+                  <a:lumOff val="50000"/>
+                </a:schemeClr>
+              </a:buClr>
+              <a:buFont typeface="Wingdings" pitchFamily="2" charset="2"/>
+              <a:buNone/>
+              <a:defRPr sz="1400" kern="1200" baseline="0">
+                <a:solidFill>
+                  <a:schemeClr val="tx2"/>
+                </a:solidFill>
+                <a:latin typeface="+mn-lt"/>
+                <a:ea typeface="+mn-ea"/>
+                <a:cs typeface="+mn-cs"/>
+              </a:defRPr>
+            </a:lvl4pPr>
+            <a:lvl5pPr marL="2057400" indent="-228600" algn="l" defTabSz="914400" rtl="0" eaLnBrk="1" latinLnBrk="0" hangingPunct="1">
+              <a:lnSpc>
+                <a:spcPct val="100000"/>
+              </a:lnSpc>
+              <a:spcBef>
+                <a:spcPct val="20000"/>
+              </a:spcBef>
+              <a:spcAft>
+                <a:spcPts val="600"/>
+              </a:spcAft>
+              <a:buClr>
+                <a:schemeClr val="tx1">
+                  <a:lumMod val="50000"/>
+                  <a:lumOff val="50000"/>
+                </a:schemeClr>
+              </a:buClr>
+              <a:buFont typeface="Wingdings" pitchFamily="2" charset="2"/>
+              <a:buNone/>
+              <a:defRPr sz="1400" kern="1200" baseline="0">
+                <a:solidFill>
+                  <a:schemeClr val="tx2"/>
+                </a:solidFill>
+                <a:latin typeface="+mn-lt"/>
+                <a:ea typeface="+mn-ea"/>
+                <a:cs typeface="+mn-cs"/>
+              </a:defRPr>
+            </a:lvl5pPr>
+            <a:lvl6pPr marL="2514600" indent="-228600" algn="l" defTabSz="914400" rtl="0" eaLnBrk="1" latinLnBrk="0" hangingPunct="1">
+              <a:lnSpc>
+                <a:spcPct val="100000"/>
+              </a:lnSpc>
+              <a:spcBef>
+                <a:spcPct val="20000"/>
+              </a:spcBef>
+              <a:spcAft>
+                <a:spcPts val="600"/>
+              </a:spcAft>
+              <a:buFontTx/>
+              <a:buNone/>
+              <a:defRPr sz="1400" kern="1200">
+                <a:solidFill>
+                  <a:schemeClr val="tx2"/>
+                </a:solidFill>
+                <a:latin typeface="+mn-lt"/>
+                <a:ea typeface="+mn-ea"/>
+                <a:cs typeface="+mn-cs"/>
+              </a:defRPr>
+            </a:lvl6pPr>
+            <a:lvl7pPr marL="2971800" indent="-228600" algn="l" defTabSz="914400" rtl="0" eaLnBrk="1" latinLnBrk="0" hangingPunct="1">
+              <a:lnSpc>
+                <a:spcPct val="100000"/>
+              </a:lnSpc>
+              <a:spcBef>
+                <a:spcPct val="20000"/>
+              </a:spcBef>
+              <a:spcAft>
+                <a:spcPts val="600"/>
+              </a:spcAft>
+              <a:buFontTx/>
+              <a:buNone/>
+              <a:defRPr sz="1400" kern="1200">
+                <a:solidFill>
+                  <a:schemeClr val="tx2"/>
+                </a:solidFill>
+                <a:latin typeface="+mn-lt"/>
+                <a:ea typeface="+mn-ea"/>
+                <a:cs typeface="+mn-cs"/>
+              </a:defRPr>
+            </a:lvl7pPr>
+            <a:lvl8pPr marL="3429000" indent="-228600" algn="l" defTabSz="914400" rtl="0" eaLnBrk="1" latinLnBrk="0" hangingPunct="1">
+              <a:lnSpc>
+                <a:spcPct val="100000"/>
+              </a:lnSpc>
+              <a:spcBef>
+                <a:spcPct val="20000"/>
+              </a:spcBef>
+              <a:spcAft>
+                <a:spcPts val="600"/>
+              </a:spcAft>
+              <a:buFontTx/>
+              <a:buNone/>
+              <a:defRPr sz="1400" kern="1200">
+                <a:solidFill>
+                  <a:schemeClr val="tx2"/>
+                </a:solidFill>
+                <a:latin typeface="+mn-lt"/>
+                <a:ea typeface="+mn-ea"/>
+                <a:cs typeface="+mn-cs"/>
+              </a:defRPr>
+            </a:lvl8pPr>
+            <a:lvl9pPr marL="3886200" indent="-228600" algn="l" defTabSz="914400" rtl="0" eaLnBrk="1" latinLnBrk="0" hangingPunct="1">
+              <a:lnSpc>
+                <a:spcPct val="100000"/>
+              </a:lnSpc>
+              <a:spcBef>
+                <a:spcPct val="20000"/>
+              </a:spcBef>
+              <a:spcAft>
+                <a:spcPts val="600"/>
+              </a:spcAft>
+              <a:buFontTx/>
+              <a:buNone/>
+              <a:defRPr sz="1400" kern="1200">
+                <a:solidFill>
+                  <a:schemeClr val="tx2"/>
+                </a:solidFill>
+                <a:latin typeface="+mn-lt"/>
+                <a:ea typeface="+mn-ea"/>
+                <a:cs typeface="+mn-cs"/>
+              </a:defRPr>
+            </a:lvl9pPr>
+          </a:lstStyle>
+          <a:p>
+            <a:endParaRPr lang="en-US" dirty="0" smtClean="0"/>
+          </a:p>
+          <a:p>
+            <a:pPr marL="400050" lvl="1" indent="0">
+              <a:buFont typeface="Wingdings" pitchFamily="2" charset="2"/>
+              <a:buNone/>
+            </a:pPr>
+            <a:endParaRPr lang="en-US" dirty="0" smtClean="0"/>
+          </a:p>
+          <a:p>
+            <a:pPr marL="400050" lvl="1" indent="0">
+              <a:buFont typeface="Wingdings" pitchFamily="2" charset="2"/>
+              <a:buNone/>
+            </a:pPr>
+            <a:r>
+              <a:rPr lang="en-US" dirty="0" err="1" smtClean="0"/>
+              <a:t>Factores</a:t>
+            </a:r>
+            <a:r>
+              <a:rPr lang="en-US" dirty="0" smtClean="0"/>
+              <a:t> de </a:t>
+            </a:r>
+            <a:r>
+              <a:rPr lang="en-US" dirty="0" err="1" smtClean="0"/>
+              <a:t>Fracaso</a:t>
+            </a:r>
+            <a:endParaRPr lang="en-US" dirty="0" smtClean="0"/>
+          </a:p>
+          <a:p>
+            <a:pPr marL="685800" lvl="1"/>
+            <a:r>
+              <a:rPr lang="en-US" dirty="0" err="1" smtClean="0"/>
+              <a:t>Potencial</a:t>
+            </a:r>
+            <a:r>
+              <a:rPr lang="en-US" dirty="0" smtClean="0"/>
+              <a:t> mal </a:t>
+            </a:r>
+            <a:r>
+              <a:rPr lang="en-US" dirty="0" err="1" smtClean="0"/>
+              <a:t>calculado</a:t>
+            </a:r>
+            <a:endParaRPr lang="en-US" dirty="0" smtClean="0"/>
+          </a:p>
+          <a:p>
+            <a:pPr marL="685800" lvl="1"/>
+            <a:r>
+              <a:rPr lang="en-US" u="sng" dirty="0" smtClean="0"/>
+              <a:t>“Timing” – </a:t>
+            </a:r>
+            <a:r>
+              <a:rPr lang="en-US" u="sng" dirty="0" err="1" smtClean="0"/>
+              <a:t>Cambio</a:t>
+            </a:r>
+            <a:r>
+              <a:rPr lang="en-US" u="sng" dirty="0" smtClean="0"/>
+              <a:t> </a:t>
+            </a:r>
+            <a:r>
+              <a:rPr lang="en-US" u="sng" dirty="0" err="1" smtClean="0"/>
+              <a:t>tecnológico</a:t>
+            </a:r>
+            <a:endParaRPr lang="en-US" u="sng" dirty="0" smtClean="0"/>
+          </a:p>
+          <a:p>
+            <a:pPr marL="685800" lvl="1"/>
+            <a:r>
+              <a:rPr lang="en-US" dirty="0" smtClean="0"/>
+              <a:t>Mala </a:t>
+            </a:r>
+            <a:r>
+              <a:rPr lang="en-US" dirty="0" err="1" smtClean="0"/>
+              <a:t>Calidad</a:t>
+            </a:r>
+            <a:endParaRPr lang="en-US" dirty="0" smtClean="0"/>
+          </a:p>
+          <a:p>
+            <a:pPr marL="685800" lvl="1"/>
+            <a:r>
+              <a:rPr lang="en-US" u="sng" dirty="0" err="1" smtClean="0"/>
+              <a:t>Mercadeo</a:t>
+            </a:r>
+            <a:endParaRPr lang="en-US" u="sng" dirty="0" smtClean="0"/>
+          </a:p>
+          <a:p>
+            <a:pPr marL="1085850" lvl="2"/>
+            <a:r>
+              <a:rPr lang="en-US" dirty="0" smtClean="0"/>
+              <a:t>Mala </a:t>
+            </a:r>
+            <a:r>
+              <a:rPr lang="en-US" dirty="0" err="1" smtClean="0"/>
+              <a:t>Publicidad</a:t>
+            </a:r>
+            <a:endParaRPr lang="en-US" dirty="0" smtClean="0"/>
+          </a:p>
+          <a:p>
+            <a:pPr marL="1085850" lvl="2"/>
+            <a:r>
+              <a:rPr lang="en-US" dirty="0" err="1" smtClean="0"/>
+              <a:t>Divulgación</a:t>
+            </a:r>
+            <a:r>
+              <a:rPr lang="en-US" dirty="0" smtClean="0"/>
+              <a:t> </a:t>
+            </a:r>
+            <a:r>
+              <a:rPr lang="en-US" dirty="0" err="1" smtClean="0"/>
+              <a:t>poco</a:t>
+            </a:r>
+            <a:r>
+              <a:rPr lang="en-US" dirty="0" smtClean="0"/>
+              <a:t> </a:t>
+            </a:r>
+            <a:r>
+              <a:rPr lang="en-US" dirty="0" err="1" smtClean="0"/>
+              <a:t>atractiva</a:t>
+            </a:r>
+            <a:endParaRPr lang="en-US" dirty="0" smtClean="0"/>
+          </a:p>
+          <a:p>
+            <a:pPr marL="1085850" lvl="2"/>
+            <a:r>
+              <a:rPr lang="en-US" u="sng" dirty="0" smtClean="0"/>
+              <a:t>Canales de </a:t>
+            </a:r>
+            <a:r>
+              <a:rPr lang="en-US" u="sng" dirty="0" err="1" smtClean="0"/>
+              <a:t>distribución</a:t>
+            </a:r>
+            <a:r>
+              <a:rPr lang="en-US" u="sng" dirty="0" smtClean="0"/>
+              <a:t> y </a:t>
+            </a:r>
+            <a:r>
+              <a:rPr lang="en-US" u="sng" dirty="0" err="1" smtClean="0"/>
+              <a:t>comercialización</a:t>
+            </a:r>
+            <a:r>
+              <a:rPr lang="en-US" u="sng" dirty="0" smtClean="0"/>
+              <a:t> </a:t>
+            </a:r>
+            <a:r>
+              <a:rPr lang="en-US" u="sng" dirty="0" err="1" smtClean="0"/>
+              <a:t>obsoletos</a:t>
+            </a:r>
+            <a:r>
+              <a:rPr lang="en-US" u="sng" dirty="0" smtClean="0"/>
+              <a:t> o </a:t>
+            </a:r>
+            <a:r>
+              <a:rPr lang="en-US" u="sng" dirty="0" err="1" smtClean="0"/>
+              <a:t>poco</a:t>
+            </a:r>
+            <a:r>
+              <a:rPr lang="en-US" u="sng" dirty="0" smtClean="0"/>
+              <a:t> </a:t>
+            </a:r>
+            <a:r>
+              <a:rPr lang="en-US" u="sng" dirty="0" err="1" smtClean="0"/>
+              <a:t>efectivos</a:t>
+            </a:r>
+            <a:endParaRPr lang="en-US" u="sng" dirty="0"/>
+          </a:p>
+          <a:p>
+            <a:pPr lvl="1">
+              <a:buFont typeface="Arial" pitchFamily="34" charset="0"/>
+              <a:buChar char="•"/>
+            </a:pPr>
+            <a:r>
+              <a:rPr lang="en-US" dirty="0" err="1" smtClean="0"/>
+              <a:t>Análisis</a:t>
+            </a:r>
+            <a:r>
+              <a:rPr lang="en-US" dirty="0" smtClean="0"/>
+              <a:t> </a:t>
+            </a:r>
+            <a:r>
+              <a:rPr lang="en-US" dirty="0" err="1" smtClean="0"/>
+              <a:t>inadecuado</a:t>
+            </a:r>
+            <a:r>
+              <a:rPr lang="en-US" dirty="0" smtClean="0"/>
+              <a:t> del </a:t>
+            </a:r>
+            <a:r>
+              <a:rPr lang="en-US" dirty="0" err="1" smtClean="0"/>
+              <a:t>entorno</a:t>
+            </a:r>
+            <a:endParaRPr lang="es-CO" dirty="0" smtClean="0"/>
           </a:p>
         </p:txBody>
       </p:sp>
@@ -6833,10 +11398,10 @@
           <a:lstStyle/>
           <a:p>
             <a:r>
-              <a:rPr lang="es-CO" noProof="0" dirty="0" smtClean="0"/>
+              <a:rPr lang="es-CO" noProof="0" smtClean="0"/>
               <a:t>Metodología</a:t>
             </a:r>
-            <a:endParaRPr lang="es-CO" noProof="0" dirty="0"/>
+            <a:endParaRPr lang="es-CO" noProof="0"/>
           </a:p>
         </p:txBody>
       </p:sp>
@@ -6852,14 +11417,10 @@
         </p:nvSpPr>
         <p:spPr/>
         <p:txBody>
-          <a:bodyPr/>
+          <a:bodyPr>
+            <a:normAutofit/>
+          </a:bodyPr>
           <a:lstStyle/>
-          <a:p>
-            <a:pPr rtl="0" eaLnBrk="1" latinLnBrk="0" hangingPunct="1"/>
-            <a:endParaRPr lang="es-CO" noProof="0" smtClean="0">
-              <a:effectLst/>
-            </a:endParaRPr>
-          </a:p>
           <a:p>
             <a:pPr rtl="0" eaLnBrk="1" latinLnBrk="0" hangingPunct="1"/>
             <a:r>
@@ -6872,14 +11433,37 @@
                 <a:ea typeface="+mn-ea"/>
                 <a:cs typeface="+mn-cs"/>
               </a:rPr>
-              <a:t>Se quiere que la herramienta realice un informe que contenga:</a:t>
-            </a:r>
-            <a:endParaRPr lang="es-CO" noProof="0" smtClean="0">
+              <a:t>Solución</a:t>
+            </a:r>
+          </a:p>
+          <a:p>
+            <a:pPr marL="400050" lvl="1" indent="0" rtl="0" eaLnBrk="1" latinLnBrk="0" hangingPunct="1">
+              <a:buNone/>
+            </a:pPr>
+            <a:r>
+              <a:rPr lang="es-CO" sz="1600" kern="1200" baseline="0" noProof="0" smtClean="0">
+                <a:solidFill>
+                  <a:schemeClr val="tx2"/>
+                </a:solidFill>
+                <a:effectLst/>
+                <a:latin typeface="+mn-lt"/>
+                <a:ea typeface="+mn-ea"/>
+                <a:cs typeface="+mn-cs"/>
+              </a:rPr>
+              <a:t>Utilizar de la mejor manera la información de encuestas para conocer mejor el mercado y así tener mayores bases para la toma de decisiones.</a:t>
+            </a:r>
+            <a:endParaRPr lang="es-CO" sz="2000" kern="1200" baseline="0" noProof="0" smtClean="0">
+              <a:solidFill>
+                <a:schemeClr val="tx2"/>
+              </a:solidFill>
               <a:effectLst/>
+              <a:latin typeface="+mn-lt"/>
+              <a:ea typeface="+mn-ea"/>
+              <a:cs typeface="+mn-cs"/>
             </a:endParaRPr>
           </a:p>
           <a:p>
-            <a:pPr rtl="0" eaLnBrk="1" latinLnBrk="0" hangingPunct="1"/>
+            <a:pPr marL="285750" lvl="0" indent="-285750" rtl="0" eaLnBrk="1" latinLnBrk="0" hangingPunct="1"/>
             <a:r>
               <a:rPr lang="es-CO" sz="2000" kern="1200" baseline="0" noProof="0" smtClean="0">
                 <a:solidFill>
@@ -6890,16 +11474,16 @@
                 <a:ea typeface="+mn-ea"/>
                 <a:cs typeface="+mn-cs"/>
               </a:rPr>
-              <a:t>Segmentación del mercado para la categoría a analizar.</a:t>
-            </a:r>
-            <a:endParaRPr lang="es-CO" noProof="0" smtClean="0">
-              <a:effectLst/>
-            </a:endParaRPr>
-          </a:p>
-          <a:p>
-            <a:pPr rtl="0" eaLnBrk="1" latinLnBrk="0" hangingPunct="1"/>
-            <a:r>
-              <a:rPr lang="es-CO" sz="2000" kern="1200" baseline="0" noProof="0" smtClean="0">
+              <a:t>Proceso</a:t>
+            </a:r>
+          </a:p>
+          <a:p>
+            <a:pPr marL="742950" lvl="1" indent="-342900" rtl="0" eaLnBrk="1" latinLnBrk="0" hangingPunct="1">
+              <a:buFont typeface="+mj-lt"/>
+              <a:buAutoNum type="arabicPeriod"/>
+            </a:pPr>
+            <a:r>
+              <a:rPr lang="es-CO" sz="1600" kern="1200" baseline="0" noProof="0" smtClean="0">
                 <a:solidFill>
                   <a:schemeClr val="tx2"/>
                 </a:solidFill>
@@ -6908,16 +11492,16 @@
                 <a:ea typeface="+mn-ea"/>
                 <a:cs typeface="+mn-cs"/>
               </a:rPr>
-              <a:t>Características de los segmentos del mercado.</a:t>
-            </a:r>
-            <a:endParaRPr lang="es-CO" noProof="0" smtClean="0">
-              <a:effectLst/>
-            </a:endParaRPr>
-          </a:p>
-          <a:p>
-            <a:pPr rtl="0" eaLnBrk="1" latinLnBrk="0" hangingPunct="1"/>
-            <a:r>
-              <a:rPr lang="es-CO" sz="2000" kern="1200" baseline="0" noProof="0" smtClean="0">
+              <a:t>Análisis global del mercado con análisis multivariado.</a:t>
+            </a:r>
+          </a:p>
+          <a:p>
+            <a:pPr marL="742950" lvl="1" indent="-342900" rtl="0" eaLnBrk="1" latinLnBrk="0" hangingPunct="1">
+              <a:buFont typeface="+mj-lt"/>
+              <a:buAutoNum type="arabicPeriod"/>
+            </a:pPr>
+            <a:r>
+              <a:rPr lang="es-CO" sz="1600" kern="1200" baseline="0" noProof="0" smtClean="0">
                 <a:solidFill>
                   <a:schemeClr val="tx2"/>
                 </a:solidFill>
@@ -6926,16 +11510,16 @@
                 <a:ea typeface="+mn-ea"/>
                 <a:cs typeface="+mn-cs"/>
               </a:rPr>
-              <a:t>Recomendación de mercados para el nuevo producto.</a:t>
-            </a:r>
-            <a:endParaRPr lang="es-CO" noProof="0" smtClean="0">
-              <a:effectLst/>
-            </a:endParaRPr>
-          </a:p>
-          <a:p>
-            <a:pPr rtl="0" eaLnBrk="1" latinLnBrk="0" hangingPunct="1"/>
-            <a:r>
-              <a:rPr lang="es-CO" sz="2000" kern="1200" baseline="0" noProof="0" smtClean="0">
+              <a:t>Segmentación del mercado por preferencias de compra.</a:t>
+            </a:r>
+          </a:p>
+          <a:p>
+            <a:pPr marL="742950" lvl="1" indent="-342900" rtl="0" eaLnBrk="1" latinLnBrk="0" hangingPunct="1">
+              <a:buFont typeface="+mj-lt"/>
+              <a:buAutoNum type="arabicPeriod"/>
+            </a:pPr>
+            <a:r>
+              <a:rPr lang="es-CO" sz="1600" kern="1200" baseline="0" noProof="0" smtClean="0">
                 <a:solidFill>
                   <a:schemeClr val="tx2"/>
                 </a:solidFill>
@@ -6944,16 +11528,16 @@
                 <a:ea typeface="+mn-ea"/>
                 <a:cs typeface="+mn-cs"/>
               </a:rPr>
-              <a:t>Características claves para el nuevo producto.</a:t>
-            </a:r>
-            <a:endParaRPr lang="es-CO" noProof="0" smtClean="0">
-              <a:effectLst/>
-            </a:endParaRPr>
-          </a:p>
-          <a:p>
-            <a:pPr rtl="0" eaLnBrk="1" latinLnBrk="0" hangingPunct="1"/>
-            <a:r>
-              <a:rPr lang="es-CO" sz="2000" kern="1200" baseline="0" noProof="0" smtClean="0">
+              <a:t>Análisis por segmento con análisis multivariado.</a:t>
+            </a:r>
+          </a:p>
+          <a:p>
+            <a:pPr marL="742950" lvl="1" indent="-342900" rtl="0" eaLnBrk="1" latinLnBrk="0" hangingPunct="1">
+              <a:buFont typeface="+mj-lt"/>
+              <a:buAutoNum type="arabicPeriod"/>
+            </a:pPr>
+            <a:r>
+              <a:rPr lang="es-CO" sz="1600" kern="1200" baseline="0" noProof="0" smtClean="0">
                 <a:solidFill>
                   <a:schemeClr val="tx2"/>
                 </a:solidFill>
@@ -6962,16 +11546,16 @@
                 <a:ea typeface="+mn-ea"/>
                 <a:cs typeface="+mn-cs"/>
               </a:rPr>
-              <a:t>Características del estilo de vida de cada segmento.</a:t>
-            </a:r>
-            <a:endParaRPr lang="es-CO" noProof="0" smtClean="0">
-              <a:effectLst/>
-            </a:endParaRPr>
-          </a:p>
-          <a:p>
-            <a:pPr rtl="0" eaLnBrk="1" latinLnBrk="0" hangingPunct="1"/>
-            <a:r>
-              <a:rPr lang="es-CO" sz="2000" kern="1200" baseline="0" noProof="0" smtClean="0">
+              <a:t>Características de identidad por segmento.</a:t>
+            </a:r>
+          </a:p>
+          <a:p>
+            <a:pPr marL="742950" lvl="1" indent="-342900" rtl="0" eaLnBrk="1" latinLnBrk="0" hangingPunct="1">
+              <a:buFont typeface="+mj-lt"/>
+              <a:buAutoNum type="arabicPeriod"/>
+            </a:pPr>
+            <a:r>
+              <a:rPr lang="es-CO" sz="1600" kern="1200" baseline="0" noProof="0" smtClean="0">
                 <a:solidFill>
                   <a:schemeClr val="tx2"/>
                 </a:solidFill>
@@ -6980,38 +11564,8 @@
                 <a:ea typeface="+mn-ea"/>
                 <a:cs typeface="+mn-cs"/>
               </a:rPr>
-              <a:t>Mostrar un análisis de la categoría </a:t>
-            </a:r>
-            <a:r>
-              <a:rPr lang="es-CO" sz="2000" u="sng" kern="1200" baseline="0" noProof="0" smtClean="0">
-                <a:solidFill>
-                  <a:schemeClr val="tx2"/>
-                </a:solidFill>
-                <a:effectLst/>
-                <a:latin typeface="+mn-lt"/>
-                <a:ea typeface="+mn-ea"/>
-                <a:cs typeface="+mn-cs"/>
-              </a:rPr>
-              <a:t>blablabla</a:t>
-            </a:r>
-            <a:r>
-              <a:rPr lang="es-CO" sz="2000" kern="1200" baseline="0" noProof="0" smtClean="0">
-                <a:solidFill>
-                  <a:schemeClr val="tx2"/>
-                </a:solidFill>
-                <a:effectLst/>
-                <a:latin typeface="+mn-lt"/>
-                <a:ea typeface="+mn-ea"/>
-                <a:cs typeface="+mn-cs"/>
-              </a:rPr>
-              <a:t> para realizar una prueba de la herramienta mostrando todas sus funcionalidades.</a:t>
-            </a:r>
-            <a:endParaRPr lang="es-CO" noProof="0" smtClean="0">
-              <a:effectLst/>
-            </a:endParaRPr>
-          </a:p>
-          <a:p>
-            <a:endParaRPr lang="es-CO" noProof="0"/>
+              <a:t>Características de mercadeo por segmento.</a:t>
+            </a:r>
           </a:p>
         </p:txBody>
       </p:sp>

--- a/SegMart/docs/Presentación Sustentación.pptx
+++ b/SegMart/docs/Presentación Sustentación.pptx
@@ -15,9 +15,10 @@
     <p:sldId id="266" r:id="rId9"/>
     <p:sldId id="261" r:id="rId10"/>
     <p:sldId id="268" r:id="rId11"/>
-    <p:sldId id="262" r:id="rId12"/>
-    <p:sldId id="269" r:id="rId13"/>
-    <p:sldId id="270" r:id="rId14"/>
+    <p:sldId id="271" r:id="rId12"/>
+    <p:sldId id="262" r:id="rId13"/>
+    <p:sldId id="269" r:id="rId14"/>
+    <p:sldId id="270" r:id="rId15"/>
   </p:sldIdLst>
   <p:sldSz cx="9144000" cy="6858000" type="screen4x3"/>
   <p:notesSz cx="6858000" cy="9144000"/>
@@ -8769,10 +8770,10 @@
           <a:lstStyle/>
           <a:p>
             <a:r>
-              <a:rPr lang="es-CO" sz="2800" noProof="0" smtClean="0"/>
+              <a:rPr lang="es-CO" sz="2800" noProof="0" dirty="0" smtClean="0"/>
               <a:t>Herramienta para determinar y utilizar el porqué de la intención de compra de los clientes de una categoría</a:t>
             </a:r>
-            <a:endParaRPr lang="es-CO" sz="2800" noProof="0"/>
+            <a:endParaRPr lang="es-CO" sz="2800" noProof="0" dirty="0"/>
           </a:p>
         </p:txBody>
       </p:sp>
@@ -8933,10 +8934,10 @@
           <a:lstStyle/>
           <a:p>
             <a:r>
-              <a:rPr lang="es-CO" noProof="0" smtClean="0"/>
+              <a:rPr lang="es-CO" noProof="0" dirty="0" smtClean="0"/>
               <a:t>Metodología</a:t>
             </a:r>
-            <a:endParaRPr lang="es-CO" noProof="0"/>
+            <a:endParaRPr lang="es-CO" noProof="0" dirty="0"/>
           </a:p>
         </p:txBody>
       </p:sp>
@@ -9222,10 +9223,10 @@
           <a:lstStyle/>
           <a:p>
             <a:r>
-              <a:rPr lang="es-CO" noProof="0" dirty="0" smtClean="0"/>
-              <a:t>Resultados</a:t>
-            </a:r>
-            <a:endParaRPr lang="es-CO" noProof="0" dirty="0"/>
+              <a:rPr lang="es-CO" noProof="0" smtClean="0"/>
+              <a:t>Metodología</a:t>
+            </a:r>
+            <a:endParaRPr lang="es-CO" noProof="0"/>
           </a:p>
         </p:txBody>
       </p:sp>
@@ -9241,150 +9242,107 @@
         </p:nvSpPr>
         <p:spPr/>
         <p:txBody>
-          <a:bodyPr/>
+          <a:bodyPr>
+            <a:normAutofit/>
+          </a:bodyPr>
           <a:lstStyle/>
           <a:p>
-            <a:pPr rtl="0" eaLnBrk="1" latinLnBrk="0" hangingPunct="1"/>
-            <a:r>
-              <a:rPr lang="es-CO" sz="2000" kern="1200" baseline="0" noProof="0" smtClean="0">
-                <a:solidFill>
-                  <a:schemeClr val="tx2"/>
-                </a:solidFill>
-                <a:effectLst/>
-                <a:latin typeface="+mn-lt"/>
-                <a:ea typeface="+mn-ea"/>
-                <a:cs typeface="+mn-cs"/>
-              </a:rPr>
-              <a:t>Características de la Herramienta:</a:t>
-            </a:r>
-          </a:p>
-          <a:p>
-            <a:pPr marL="400050" lvl="1" indent="0" rtl="0" eaLnBrk="1" latinLnBrk="0" hangingPunct="1">
-              <a:buNone/>
-            </a:pPr>
-            <a:r>
-              <a:rPr lang="es-CO" sz="1600" kern="1200" baseline="0" noProof="0" smtClean="0">
-                <a:solidFill>
-                  <a:schemeClr val="tx2"/>
-                </a:solidFill>
-                <a:effectLst/>
-                <a:latin typeface="+mn-lt"/>
-                <a:ea typeface="+mn-ea"/>
-                <a:cs typeface="+mn-cs"/>
-              </a:rPr>
-              <a:t>Se quiere que la herramienta realice un informe que contenga:</a:t>
-            </a:r>
-            <a:endParaRPr lang="es-CO" noProof="0" smtClean="0">
-              <a:effectLst/>
-            </a:endParaRPr>
-          </a:p>
-          <a:p>
-            <a:pPr marL="685800" lvl="1" indent="-285750" rtl="0" eaLnBrk="1" latinLnBrk="0" hangingPunct="1"/>
-            <a:r>
-              <a:rPr lang="es-CO" sz="1600" kern="1200" baseline="0" noProof="0" smtClean="0">
-                <a:solidFill>
-                  <a:schemeClr val="tx2"/>
-                </a:solidFill>
-                <a:effectLst/>
-                <a:latin typeface="+mn-lt"/>
-                <a:ea typeface="+mn-ea"/>
-                <a:cs typeface="+mn-cs"/>
-              </a:rPr>
-              <a:t>Segmentación del mercado para la categoría a analizar.</a:t>
-            </a:r>
-            <a:endParaRPr lang="es-CO" noProof="0" smtClean="0">
-              <a:effectLst/>
-            </a:endParaRPr>
-          </a:p>
-          <a:p>
-            <a:pPr lvl="1" rtl="0" eaLnBrk="1" latinLnBrk="0" hangingPunct="1"/>
-            <a:r>
-              <a:rPr lang="es-CO" sz="1600" kern="1200" baseline="0" noProof="0" smtClean="0">
-                <a:solidFill>
-                  <a:schemeClr val="tx2"/>
-                </a:solidFill>
-                <a:effectLst/>
-                <a:latin typeface="+mn-lt"/>
-                <a:ea typeface="+mn-ea"/>
-                <a:cs typeface="+mn-cs"/>
-              </a:rPr>
-              <a:t>Características de los segmentos del mercado.</a:t>
-            </a:r>
-            <a:endParaRPr lang="es-CO" noProof="0" smtClean="0">
-              <a:effectLst/>
-            </a:endParaRPr>
-          </a:p>
-          <a:p>
-            <a:pPr lvl="1" rtl="0" eaLnBrk="1" latinLnBrk="0" hangingPunct="1"/>
-            <a:r>
-              <a:rPr lang="es-CO" sz="1600" kern="1200" baseline="0" noProof="0" smtClean="0">
-                <a:solidFill>
-                  <a:schemeClr val="tx2"/>
-                </a:solidFill>
-                <a:effectLst/>
-                <a:latin typeface="+mn-lt"/>
-                <a:ea typeface="+mn-ea"/>
-                <a:cs typeface="+mn-cs"/>
-              </a:rPr>
-              <a:t>Recomendación de mercados para el nuevo producto.</a:t>
-            </a:r>
-            <a:endParaRPr lang="es-CO" noProof="0" smtClean="0">
-              <a:effectLst/>
-            </a:endParaRPr>
-          </a:p>
-          <a:p>
-            <a:pPr lvl="1" rtl="0" eaLnBrk="1" latinLnBrk="0" hangingPunct="1"/>
-            <a:r>
-              <a:rPr lang="es-CO" sz="1600" kern="1200" baseline="0" noProof="0" smtClean="0">
-                <a:solidFill>
-                  <a:schemeClr val="tx2"/>
-                </a:solidFill>
-                <a:effectLst/>
-                <a:latin typeface="+mn-lt"/>
-                <a:ea typeface="+mn-ea"/>
-                <a:cs typeface="+mn-cs"/>
-              </a:rPr>
-              <a:t>Características claves para el nuevo producto.</a:t>
-            </a:r>
-            <a:endParaRPr lang="es-CO" noProof="0" smtClean="0">
-              <a:effectLst/>
-            </a:endParaRPr>
-          </a:p>
-          <a:p>
-            <a:pPr lvl="1" rtl="0" eaLnBrk="1" latinLnBrk="0" hangingPunct="1"/>
-            <a:r>
-              <a:rPr lang="es-CO" sz="1600" kern="1200" baseline="0" noProof="0" smtClean="0">
-                <a:solidFill>
-                  <a:schemeClr val="tx2"/>
-                </a:solidFill>
-                <a:effectLst/>
-                <a:latin typeface="+mn-lt"/>
-                <a:ea typeface="+mn-ea"/>
-                <a:cs typeface="+mn-cs"/>
-              </a:rPr>
-              <a:t>Características del estilo de vida de cada segmento.</a:t>
-            </a:r>
-          </a:p>
-          <a:p>
-            <a:pPr marL="457200" lvl="1" indent="0" rtl="0" eaLnBrk="1" latinLnBrk="0" hangingPunct="1">
-              <a:buNone/>
-            </a:pPr>
-            <a:r>
-              <a:rPr lang="es-CO" noProof="0" smtClean="0">
-                <a:effectLst/>
-              </a:rPr>
-              <a:t>Amigable al usuario.</a:t>
-            </a:r>
-          </a:p>
-          <a:p>
-            <a:endParaRPr lang="es-CO" noProof="0"/>
+            <a:r>
+              <a:rPr lang="es-CO" sz="2400" noProof="0" smtClean="0"/>
+              <a:t>Programación en Visual Basic para Aplicaciones aplicada en Excel para cruzar</a:t>
+            </a:r>
+            <a:r>
+              <a:rPr lang="es-CO" sz="2400" baseline="0" noProof="0" smtClean="0"/>
+              <a:t> información de tablas.</a:t>
+            </a:r>
+          </a:p>
+          <a:p>
+            <a:endParaRPr lang="es-CO" sz="2400" baseline="0" noProof="0" smtClean="0"/>
+          </a:p>
+          <a:p>
+            <a:r>
+              <a:rPr lang="es-CO" sz="2400" noProof="0" smtClean="0"/>
+              <a:t>Programación en R para correr modelos estadísticos.</a:t>
+            </a:r>
+          </a:p>
+          <a:p>
+            <a:endParaRPr lang="es-CO" sz="2400" noProof="0" smtClean="0"/>
+          </a:p>
+          <a:p>
+            <a:r>
+              <a:rPr lang="es-CO" sz="2400" noProof="0" smtClean="0"/>
+              <a:t>Programación en Java para mostrar una interfaz amigable y para realizar un reporte fácil de leer a diferencia de la información de R.</a:t>
+            </a:r>
+            <a:endParaRPr lang="es-CO" sz="2400" noProof="0"/>
           </a:p>
         </p:txBody>
       </p:sp>
+      <p:pic>
+        <p:nvPicPr>
+          <p:cNvPr id="1026" name="Picture 2"/>
+          <p:cNvPicPr>
+            <a:picLocks noChangeAspect="1" noChangeArrowheads="1"/>
+          </p:cNvPicPr>
+          <p:nvPr/>
+        </p:nvPicPr>
+        <p:blipFill rotWithShape="1">
+          <a:blip r:embed="rId2">
+            <a:extLst>
+              <a:ext uri="{28A0092B-C50C-407E-A947-70E740481C1C}">
+                <a14:useLocalDpi xmlns:a14="http://schemas.microsoft.com/office/drawing/2010/main" val="0"/>
+              </a:ext>
+            </a:extLst>
+          </a:blip>
+          <a:srcRect l="2459" t="43537" r="55602" b="36599"/>
+          <a:stretch/>
+        </p:blipFill>
+        <p:spPr bwMode="auto">
+          <a:xfrm>
+            <a:off x="3329935" y="5198784"/>
+            <a:ext cx="5113176" cy="1362270"/>
+          </a:xfrm>
+          <a:prstGeom prst="rect">
+            <a:avLst/>
+          </a:prstGeom>
+          <a:noFill/>
+          <a:ln>
+            <a:noFill/>
+          </a:ln>
+          <a:effectLst/>
+          <a:extLst>
+            <a:ext uri="{909E8E84-426E-40DD-AFC4-6F175D3DCCD1}">
+              <a14:hiddenFill xmlns:a14="http://schemas.microsoft.com/office/drawing/2010/main">
+                <a:solidFill>
+                  <a:schemeClr val="accent1"/>
+                </a:solidFill>
+              </a14:hiddenFill>
+            </a:ext>
+            <a:ext uri="{91240B29-F687-4F45-9708-019B960494DF}">
+              <a14:hiddenLine xmlns:a14="http://schemas.microsoft.com/office/drawing/2010/main" w="9525">
+                <a:solidFill>
+                  <a:schemeClr val="tx1"/>
+                </a:solidFill>
+                <a:miter lim="800000"/>
+                <a:headEnd/>
+                <a:tailEnd/>
+              </a14:hiddenLine>
+            </a:ext>
+            <a:ext uri="{AF507438-7753-43E0-B8FC-AC1667EBCBE1}">
+              <a14:hiddenEffects xmlns:a14="http://schemas.microsoft.com/office/drawing/2010/main">
+                <a:effectLst>
+                  <a:outerShdw dist="35921" dir="2700000" algn="ctr" rotWithShape="0">
+                    <a:schemeClr val="bg2"/>
+                  </a:outerShdw>
+                </a:effectLst>
+              </a14:hiddenEffects>
+            </a:ext>
+          </a:extLst>
+        </p:spPr>
+      </p:pic>
     </p:spTree>
     <p:extLst>
       <p:ext uri="{BB962C8B-B14F-4D97-AF65-F5344CB8AC3E}">
-        <p14:creationId xmlns:p14="http://schemas.microsoft.com/office/powerpoint/2010/main" val="486726677"/>
+        <p14:creationId xmlns:p14="http://schemas.microsoft.com/office/powerpoint/2010/main" val="2794251471"/>
       </p:ext>
     </p:extLst>
   </p:cSld>
@@ -9430,16 +9388,14 @@
         </p:nvSpPr>
         <p:spPr/>
         <p:txBody>
-          <a:bodyPr>
-            <a:normAutofit/>
-          </a:bodyPr>
+          <a:bodyPr/>
           <a:lstStyle/>
           <a:p>
             <a:r>
-              <a:rPr lang="es-CO" noProof="0" smtClean="0"/>
+              <a:rPr lang="es-CO" noProof="0" dirty="0" smtClean="0"/>
               <a:t>Resultados</a:t>
             </a:r>
-            <a:endParaRPr lang="es-CO" noProof="0"/>
+            <a:endParaRPr lang="es-CO" noProof="0" dirty="0"/>
           </a:p>
         </p:txBody>
       </p:sp>
@@ -9458,10 +9414,234 @@
           <a:bodyPr/>
           <a:lstStyle/>
           <a:p>
-            <a:endParaRPr lang="es-CO"/>
+            <a:pPr rtl="0" eaLnBrk="1" latinLnBrk="0" hangingPunct="1"/>
+            <a:r>
+              <a:rPr lang="es-CO" sz="2000" kern="1200" baseline="0" noProof="0" dirty="0" smtClean="0">
+                <a:solidFill>
+                  <a:schemeClr val="tx2"/>
+                </a:solidFill>
+                <a:effectLst/>
+                <a:latin typeface="+mn-lt"/>
+                <a:ea typeface="+mn-ea"/>
+                <a:cs typeface="+mn-cs"/>
+              </a:rPr>
+              <a:t>Características de la Herramienta:</a:t>
+            </a:r>
+          </a:p>
+          <a:p>
+            <a:pPr marL="400050" lvl="1" indent="0" rtl="0" eaLnBrk="1" latinLnBrk="0" hangingPunct="1">
+              <a:buNone/>
+            </a:pPr>
+            <a:r>
+              <a:rPr lang="es-CO" sz="1600" kern="1200" baseline="0" noProof="0" dirty="0" smtClean="0">
+                <a:solidFill>
+                  <a:schemeClr val="tx2"/>
+                </a:solidFill>
+                <a:effectLst/>
+                <a:latin typeface="+mn-lt"/>
+                <a:ea typeface="+mn-ea"/>
+                <a:cs typeface="+mn-cs"/>
+              </a:rPr>
+              <a:t>Se quiere que la herramienta realice un informe que contenga:</a:t>
+            </a:r>
+            <a:endParaRPr lang="es-CO" noProof="0" dirty="0" smtClean="0">
+              <a:effectLst/>
+            </a:endParaRPr>
+          </a:p>
+          <a:p>
+            <a:pPr marL="685800" lvl="1" indent="-285750" rtl="0" eaLnBrk="1" latinLnBrk="0" hangingPunct="1"/>
+            <a:r>
+              <a:rPr lang="es-CO" sz="1600" kern="1200" baseline="0" noProof="0" dirty="0" smtClean="0">
+                <a:solidFill>
+                  <a:schemeClr val="tx2"/>
+                </a:solidFill>
+                <a:effectLst/>
+                <a:latin typeface="+mn-lt"/>
+                <a:ea typeface="+mn-ea"/>
+                <a:cs typeface="+mn-cs"/>
+              </a:rPr>
+              <a:t>Segmentación del mercado para la categoría a analizar.</a:t>
+            </a:r>
+            <a:endParaRPr lang="es-CO" noProof="0" dirty="0" smtClean="0">
+              <a:effectLst/>
+            </a:endParaRPr>
+          </a:p>
+          <a:p>
+            <a:pPr lvl="1" rtl="0" eaLnBrk="1" latinLnBrk="0" hangingPunct="1"/>
+            <a:r>
+              <a:rPr lang="es-CO" sz="1600" kern="1200" baseline="0" noProof="0" dirty="0" smtClean="0">
+                <a:solidFill>
+                  <a:schemeClr val="tx2"/>
+                </a:solidFill>
+                <a:effectLst/>
+                <a:latin typeface="+mn-lt"/>
+                <a:ea typeface="+mn-ea"/>
+                <a:cs typeface="+mn-cs"/>
+              </a:rPr>
+              <a:t>Características de los segmentos del mercado.</a:t>
+            </a:r>
+            <a:endParaRPr lang="es-CO" noProof="0" dirty="0" smtClean="0">
+              <a:effectLst/>
+            </a:endParaRPr>
+          </a:p>
+          <a:p>
+            <a:pPr lvl="1" rtl="0" eaLnBrk="1" latinLnBrk="0" hangingPunct="1"/>
+            <a:r>
+              <a:rPr lang="es-CO" sz="1600" kern="1200" baseline="0" noProof="0" dirty="0" smtClean="0">
+                <a:solidFill>
+                  <a:schemeClr val="tx2"/>
+                </a:solidFill>
+                <a:effectLst/>
+                <a:latin typeface="+mn-lt"/>
+                <a:ea typeface="+mn-ea"/>
+                <a:cs typeface="+mn-cs"/>
+              </a:rPr>
+              <a:t>Recomendación de mercados para el nuevo producto.</a:t>
+            </a:r>
+            <a:endParaRPr lang="es-CO" noProof="0" dirty="0" smtClean="0">
+              <a:effectLst/>
+            </a:endParaRPr>
+          </a:p>
+          <a:p>
+            <a:pPr lvl="1" rtl="0" eaLnBrk="1" latinLnBrk="0" hangingPunct="1"/>
+            <a:r>
+              <a:rPr lang="es-CO" sz="1600" kern="1200" baseline="0" noProof="0" dirty="0" smtClean="0">
+                <a:solidFill>
+                  <a:schemeClr val="tx2"/>
+                </a:solidFill>
+                <a:effectLst/>
+                <a:latin typeface="+mn-lt"/>
+                <a:ea typeface="+mn-ea"/>
+                <a:cs typeface="+mn-cs"/>
+              </a:rPr>
+              <a:t>Características claves para el nuevo producto.</a:t>
+            </a:r>
+            <a:endParaRPr lang="es-CO" noProof="0" dirty="0" smtClean="0">
+              <a:effectLst/>
+            </a:endParaRPr>
+          </a:p>
+          <a:p>
+            <a:pPr lvl="1" rtl="0" eaLnBrk="1" latinLnBrk="0" hangingPunct="1"/>
+            <a:r>
+              <a:rPr lang="es-CO" sz="1600" kern="1200" baseline="0" noProof="0" dirty="0" smtClean="0">
+                <a:solidFill>
+                  <a:schemeClr val="tx2"/>
+                </a:solidFill>
+                <a:effectLst/>
+                <a:latin typeface="+mn-lt"/>
+                <a:ea typeface="+mn-ea"/>
+                <a:cs typeface="+mn-cs"/>
+              </a:rPr>
+              <a:t>Características del estilo de vida de cada segmento.</a:t>
+            </a:r>
+          </a:p>
+          <a:p>
+            <a:pPr marL="457200" lvl="1" indent="0" rtl="0" eaLnBrk="1" latinLnBrk="0" hangingPunct="1">
+              <a:buNone/>
+            </a:pPr>
+            <a:r>
+              <a:rPr lang="es-CO" noProof="0" dirty="0" smtClean="0">
+                <a:effectLst/>
+              </a:rPr>
+              <a:t>Amigable al usuario.</a:t>
+            </a:r>
+          </a:p>
+          <a:p>
+            <a:endParaRPr lang="es-CO" noProof="0" dirty="0"/>
           </a:p>
         </p:txBody>
       </p:sp>
+    </p:spTree>
+    <p:extLst>
+      <p:ext uri="{BB962C8B-B14F-4D97-AF65-F5344CB8AC3E}">
+        <p14:creationId xmlns:p14="http://schemas.microsoft.com/office/powerpoint/2010/main" val="486726677"/>
+      </p:ext>
+    </p:extLst>
+  </p:cSld>
+  <p:clrMapOvr>
+    <a:masterClrMapping/>
+  </p:clrMapOvr>
+  <p:timing>
+    <p:tnLst>
+      <p:par>
+        <p:cTn id="1" dur="indefinite" restart="never" nodeType="tmRoot"/>
+      </p:par>
+    </p:tnLst>
+  </p:timing>
+</p:sld>
+</file>
+
+<file path=ppt/slides/slide13.xml><?xml version="1.0" encoding="utf-8"?>
+<p:sld xmlns:a="http://schemas.openxmlformats.org/drawingml/2006/main" xmlns:r="http://schemas.openxmlformats.org/officeDocument/2006/relationships" xmlns:p="http://schemas.openxmlformats.org/presentationml/2006/main">
+  <p:cSld>
+    <p:spTree>
+      <p:nvGrpSpPr>
+        <p:cNvPr id="1" name=""/>
+        <p:cNvGrpSpPr/>
+        <p:nvPr/>
+      </p:nvGrpSpPr>
+      <p:grpSpPr>
+        <a:xfrm>
+          <a:off x="0" y="0"/>
+          <a:ext cx="0" cy="0"/>
+          <a:chOff x="0" y="0"/>
+          <a:chExt cx="0" cy="0"/>
+        </a:xfrm>
+      </p:grpSpPr>
+      <p:sp>
+        <p:nvSpPr>
+          <p:cNvPr id="2" name="Title 1"/>
+          <p:cNvSpPr>
+            <a:spLocks noGrp="1"/>
+          </p:cNvSpPr>
+          <p:nvPr>
+            <p:ph type="title"/>
+          </p:nvPr>
+        </p:nvSpPr>
+        <p:spPr/>
+        <p:txBody>
+          <a:bodyPr>
+            <a:normAutofit/>
+          </a:bodyPr>
+          <a:lstStyle/>
+          <a:p>
+            <a:r>
+              <a:rPr lang="es-CO" noProof="0" dirty="0" smtClean="0"/>
+              <a:t>Resultados</a:t>
+            </a:r>
+            <a:endParaRPr lang="es-CO" noProof="0" dirty="0"/>
+          </a:p>
+        </p:txBody>
+      </p:sp>
+      <p:pic>
+        <p:nvPicPr>
+          <p:cNvPr id="5" name="Picture 4"/>
+          <p:cNvPicPr>
+            <a:picLocks noChangeAspect="1"/>
+          </p:cNvPicPr>
+          <p:nvPr/>
+        </p:nvPicPr>
+        <p:blipFill rotWithShape="1">
+          <a:blip r:embed="rId2">
+            <a:extLst>
+              <a:ext uri="{28A0092B-C50C-407E-A947-70E740481C1C}">
+                <a14:useLocalDpi xmlns:a14="http://schemas.microsoft.com/office/drawing/2010/main" val="0"/>
+              </a:ext>
+            </a:extLst>
+          </a:blip>
+          <a:srcRect r="77432"/>
+          <a:stretch/>
+        </p:blipFill>
+        <p:spPr>
+          <a:xfrm>
+            <a:off x="611560" y="2060848"/>
+            <a:ext cx="2006045" cy="634921"/>
+          </a:xfrm>
+          <a:prstGeom prst="rect">
+            <a:avLst/>
+          </a:prstGeom>
+        </p:spPr>
+      </p:pic>
     </p:spTree>
     <p:extLst>
       <p:ext uri="{BB962C8B-B14F-4D97-AF65-F5344CB8AC3E}">
@@ -9482,7 +9662,7 @@
 </p:sld>
 </file>
 
-<file path=ppt/slides/slide13.xml><?xml version="1.0" encoding="utf-8"?>
+<file path=ppt/slides/slide14.xml><?xml version="1.0" encoding="utf-8"?>
 <p:sld xmlns:a="http://schemas.openxmlformats.org/drawingml/2006/main" xmlns:r="http://schemas.openxmlformats.org/officeDocument/2006/relationships" xmlns:p="http://schemas.openxmlformats.org/presentationml/2006/main">
   <p:cSld>
     <p:spTree>
@@ -9645,10 +9825,10 @@
           <a:lstStyle/>
           <a:p>
             <a:r>
-              <a:rPr lang="es-CO" noProof="0" smtClean="0"/>
+              <a:rPr lang="es-CO" noProof="0" dirty="0" smtClean="0"/>
               <a:t>Agenda</a:t>
             </a:r>
-            <a:endParaRPr lang="es-CO" noProof="0"/>
+            <a:endParaRPr lang="es-CO" noProof="0" dirty="0"/>
           </a:p>
         </p:txBody>
       </p:sp>
@@ -10188,10 +10368,10 @@
           <a:lstStyle/>
           <a:p>
             <a:r>
-              <a:rPr lang="es-CO" noProof="0" smtClean="0"/>
+              <a:rPr lang="es-CO" noProof="0" dirty="0" smtClean="0"/>
               <a:t>Marco Teórico</a:t>
             </a:r>
-            <a:endParaRPr lang="es-CO" noProof="0"/>
+            <a:endParaRPr lang="es-CO" noProof="0" dirty="0"/>
           </a:p>
         </p:txBody>
       </p:sp>
@@ -10332,10 +10512,10 @@
           <a:lstStyle/>
           <a:p>
             <a:r>
-              <a:rPr lang="es-CO" noProof="0" smtClean="0"/>
+              <a:rPr lang="es-CO" noProof="0" dirty="0" smtClean="0"/>
               <a:t>Marco Teórico</a:t>
             </a:r>
-            <a:endParaRPr lang="es-CO" noProof="0"/>
+            <a:endParaRPr lang="es-CO" noProof="0" dirty="0"/>
           </a:p>
         </p:txBody>
       </p:sp>
@@ -10524,10 +10704,10 @@
           <a:lstStyle/>
           <a:p>
             <a:r>
-              <a:rPr lang="es-CO" noProof="0" smtClean="0"/>
+              <a:rPr lang="es-CO" noProof="0" dirty="0" smtClean="0"/>
               <a:t>Marco Teórico</a:t>
             </a:r>
-            <a:endParaRPr lang="es-CO" noProof="0"/>
+            <a:endParaRPr lang="es-CO" noProof="0" dirty="0"/>
           </a:p>
         </p:txBody>
       </p:sp>
@@ -10713,10 +10893,10 @@
           <a:lstStyle/>
           <a:p>
             <a:r>
-              <a:rPr lang="es-CO" noProof="0" smtClean="0"/>
+              <a:rPr lang="es-CO" noProof="0" dirty="0" smtClean="0"/>
               <a:t>Marco Teórico</a:t>
             </a:r>
-            <a:endParaRPr lang="es-CO" noProof="0"/>
+            <a:endParaRPr lang="es-CO" noProof="0" dirty="0"/>
           </a:p>
         </p:txBody>
       </p:sp>
@@ -10824,10 +11004,10 @@
           <a:lstStyle/>
           <a:p>
             <a:r>
-              <a:rPr lang="es-CO" noProof="0" smtClean="0"/>
+              <a:rPr lang="es-CO" noProof="0" dirty="0" smtClean="0"/>
               <a:t>Marco Teórico</a:t>
             </a:r>
-            <a:endParaRPr lang="es-CO" noProof="0"/>
+            <a:endParaRPr lang="es-CO" noProof="0" dirty="0"/>
           </a:p>
         </p:txBody>
       </p:sp>
@@ -11398,10 +11578,10 @@
           <a:lstStyle/>
           <a:p>
             <a:r>
-              <a:rPr lang="es-CO" noProof="0" smtClean="0"/>
+              <a:rPr lang="es-CO" noProof="0" dirty="0" smtClean="0"/>
               <a:t>Metodología</a:t>
             </a:r>
-            <a:endParaRPr lang="es-CO" noProof="0"/>
+            <a:endParaRPr lang="es-CO" noProof="0" dirty="0"/>
           </a:p>
         </p:txBody>
       </p:sp>
